--- a/12_ヒューマンインタラクティブテクノロジー/WorkSheet_モチベーション曲線_三宅悠暉(金沢大学大学院).pptx
+++ b/12_ヒューマンインタラクティブテクノロジー/WorkSheet_モチベーション曲線_三宅悠暉(金沢大学大学院).pptx
@@ -112,6 +112,9 @@
     <p:ext uri="{EFAFB233-063F-42B5-8137-9DF3F51BA10A}">
       <p15:sldGuideLst xmlns:p15="http://schemas.microsoft.com/office/powerpoint/2012/main"/>
     </p:ext>
+    <p:ext uri="{2D200454-40CA-4A62-9FC3-DE9A4176ACB9}">
+      <p15:notesGuideLst xmlns:p15="http://schemas.microsoft.com/office/powerpoint/2012/main"/>
+    </p:ext>
   </p:extLst>
 </p:presentation>
 </file>
@@ -198,7 +201,7 @@
           <a:p>
             <a:fld id="{F6577452-6FAD-4279-9F7D-7AF7C43686BD}" type="datetimeFigureOut">
               <a:rPr kumimoji="1" lang="ja-JP" altLang="en-US" smtClean="0"/>
-              <a:t>2022/3/14</a:t>
+              <a:t>2022/4/10</a:t>
             </a:fld>
             <a:endParaRPr kumimoji="1" lang="ja-JP" altLang="en-US"/>
           </a:p>
@@ -644,7 +647,7 @@
           <a:p>
             <a:fld id="{E8268138-01B5-40B5-B427-A21DDF89AD75}" type="datetimeFigureOut">
               <a:rPr kumimoji="1" lang="ja-JP" altLang="en-US" smtClean="0"/>
-              <a:t>2022/3/14</a:t>
+              <a:t>2022/4/10</a:t>
             </a:fld>
             <a:endParaRPr kumimoji="1" lang="ja-JP" altLang="en-US"/>
           </a:p>
@@ -874,7 +877,7 @@
           <a:p>
             <a:fld id="{E8268138-01B5-40B5-B427-A21DDF89AD75}" type="datetimeFigureOut">
               <a:rPr kumimoji="1" lang="ja-JP" altLang="en-US" smtClean="0"/>
-              <a:t>2022/3/14</a:t>
+              <a:t>2022/4/10</a:t>
             </a:fld>
             <a:endParaRPr kumimoji="1" lang="ja-JP" altLang="en-US"/>
           </a:p>
@@ -1114,7 +1117,7 @@
           <a:p>
             <a:fld id="{E8268138-01B5-40B5-B427-A21DDF89AD75}" type="datetimeFigureOut">
               <a:rPr kumimoji="1" lang="ja-JP" altLang="en-US" smtClean="0"/>
-              <a:t>2022/3/14</a:t>
+              <a:t>2022/4/10</a:t>
             </a:fld>
             <a:endParaRPr kumimoji="1" lang="ja-JP" altLang="en-US"/>
           </a:p>
@@ -1569,7 +1572,7 @@
           <a:p>
             <a:fld id="{E8268138-01B5-40B5-B427-A21DDF89AD75}" type="datetimeFigureOut">
               <a:rPr kumimoji="1" lang="ja-JP" altLang="en-US" smtClean="0"/>
-              <a:t>2022/3/14</a:t>
+              <a:t>2022/4/10</a:t>
             </a:fld>
             <a:endParaRPr kumimoji="1" lang="ja-JP" altLang="en-US"/>
           </a:p>
@@ -1844,7 +1847,7 @@
           <a:p>
             <a:fld id="{E8268138-01B5-40B5-B427-A21DDF89AD75}" type="datetimeFigureOut">
               <a:rPr kumimoji="1" lang="ja-JP" altLang="en-US" smtClean="0"/>
-              <a:t>2022/3/14</a:t>
+              <a:t>2022/4/10</a:t>
             </a:fld>
             <a:endParaRPr kumimoji="1" lang="ja-JP" altLang="en-US"/>
           </a:p>
@@ -2173,7 +2176,7 @@
           <a:p>
             <a:fld id="{E8268138-01B5-40B5-B427-A21DDF89AD75}" type="datetimeFigureOut">
               <a:rPr kumimoji="1" lang="ja-JP" altLang="en-US" smtClean="0"/>
-              <a:t>2022/3/14</a:t>
+              <a:t>2022/4/10</a:t>
             </a:fld>
             <a:endParaRPr kumimoji="1" lang="ja-JP" altLang="en-US"/>
           </a:p>
@@ -2649,7 +2652,7 @@
           <a:p>
             <a:fld id="{E8268138-01B5-40B5-B427-A21DDF89AD75}" type="datetimeFigureOut">
               <a:rPr kumimoji="1" lang="ja-JP" altLang="en-US" smtClean="0"/>
-              <a:t>2022/3/14</a:t>
+              <a:t>2022/4/10</a:t>
             </a:fld>
             <a:endParaRPr kumimoji="1" lang="ja-JP" altLang="en-US"/>
           </a:p>
@@ -2790,7 +2793,7 @@
           <a:p>
             <a:fld id="{E8268138-01B5-40B5-B427-A21DDF89AD75}" type="datetimeFigureOut">
               <a:rPr kumimoji="1" lang="ja-JP" altLang="en-US" smtClean="0"/>
-              <a:t>2022/3/14</a:t>
+              <a:t>2022/4/10</a:t>
             </a:fld>
             <a:endParaRPr kumimoji="1" lang="ja-JP" altLang="en-US"/>
           </a:p>
@@ -2903,7 +2906,7 @@
           <a:p>
             <a:fld id="{E8268138-01B5-40B5-B427-A21DDF89AD75}" type="datetimeFigureOut">
               <a:rPr kumimoji="1" lang="ja-JP" altLang="en-US" smtClean="0"/>
-              <a:t>2022/3/14</a:t>
+              <a:t>2022/4/10</a:t>
             </a:fld>
             <a:endParaRPr kumimoji="1" lang="ja-JP" altLang="en-US"/>
           </a:p>
@@ -3246,7 +3249,7 @@
           <a:p>
             <a:fld id="{E8268138-01B5-40B5-B427-A21DDF89AD75}" type="datetimeFigureOut">
               <a:rPr kumimoji="1" lang="ja-JP" altLang="en-US" smtClean="0"/>
-              <a:t>2022/3/14</a:t>
+              <a:t>2022/4/10</a:t>
             </a:fld>
             <a:endParaRPr kumimoji="1" lang="ja-JP" altLang="en-US"/>
           </a:p>
@@ -3534,7 +3537,7 @@
           <a:p>
             <a:fld id="{E8268138-01B5-40B5-B427-A21DDF89AD75}" type="datetimeFigureOut">
               <a:rPr kumimoji="1" lang="ja-JP" altLang="en-US" smtClean="0"/>
-              <a:t>2022/3/14</a:t>
+              <a:t>2022/4/10</a:t>
             </a:fld>
             <a:endParaRPr kumimoji="1" lang="ja-JP" altLang="en-US"/>
           </a:p>
@@ -3807,7 +3810,7 @@
           <a:p>
             <a:fld id="{E8268138-01B5-40B5-B427-A21DDF89AD75}" type="datetimeFigureOut">
               <a:rPr kumimoji="1" lang="ja-JP" altLang="en-US" smtClean="0"/>
-              <a:t>2022/3/14</a:t>
+              <a:t>2022/4/10</a:t>
             </a:fld>
             <a:endParaRPr kumimoji="1" lang="ja-JP" altLang="en-US"/>
           </a:p>
@@ -4299,7 +4302,7 @@
         <p:spPr bwMode="auto">
           <a:xfrm>
             <a:off x="9113419" y="358971"/>
-            <a:ext cx="599541" cy="286293"/>
+            <a:ext cx="2406837" cy="276999"/>
           </a:xfrm>
           <a:prstGeom prst="rect">
             <a:avLst/>
@@ -4482,7 +4485,7 @@
               <a:rPr lang="ja-JP" altLang="en-US" dirty="0">
                 <a:ea typeface="MS UI Gothic" panose="020B0600070205080204" pitchFamily="50" charset="-128"/>
               </a:rPr>
-              <a:t>名前</a:t>
+              <a:t>名前　　　　　三宅　悠暉</a:t>
             </a:r>
           </a:p>
         </p:txBody>
@@ -4706,10 +4709,10 @@
         </p:nvGrpSpPr>
         <p:grpSpPr>
           <a:xfrm>
-            <a:off x="671744" y="598833"/>
-            <a:ext cx="10848512" cy="2199778"/>
-            <a:chOff x="109415" y="391640"/>
-            <a:chExt cx="9415585" cy="4043835"/>
+            <a:off x="671744" y="838300"/>
+            <a:ext cx="10848512" cy="1960311"/>
+            <a:chOff x="109415" y="831850"/>
+            <a:chExt cx="9415585" cy="3603625"/>
           </a:xfrm>
         </p:grpSpPr>
         <p:sp>
@@ -6412,218 +6415,6 @@
                   <a:ea typeface="MS UI Gothic" panose="020B0600070205080204" pitchFamily="50" charset="-128"/>
                 </a:rPr>
                 <a:t>大学</a:t>
-              </a:r>
-            </a:p>
-          </p:txBody>
-        </p:sp>
-        <p:sp>
-          <p:nvSpPr>
-            <p:cNvPr id="42" name="Text Box 18">
-              <a:extLst>
-                <a:ext uri="{FF2B5EF4-FFF2-40B4-BE49-F238E27FC236}">
-                  <a16:creationId xmlns:a16="http://schemas.microsoft.com/office/drawing/2014/main" id="{0575F527-F018-4260-A260-BE67F3A5F088}"/>
-                </a:ext>
-              </a:extLst>
-            </p:cNvPr>
-            <p:cNvSpPr txBox="1">
-              <a:spLocks noChangeArrowheads="1"/>
-            </p:cNvSpPr>
-            <p:nvPr/>
-          </p:nvSpPr>
-          <p:spPr bwMode="auto">
-            <a:xfrm>
-              <a:off x="939279" y="391640"/>
-              <a:ext cx="7874000" cy="260348"/>
-            </a:xfrm>
-            <a:prstGeom prst="rect">
-              <a:avLst/>
-            </a:prstGeom>
-            <a:noFill/>
-            <a:ln>
-              <a:noFill/>
-            </a:ln>
-            <a:effectLst/>
-            <a:extLst>
-              <a:ext uri="{909E8E84-426E-40DD-AFC4-6F175D3DCCD1}">
-                <a14:hiddenFill xmlns:a14="http://schemas.microsoft.com/office/drawing/2010/main">
-                  <a:solidFill>
-                    <a:schemeClr val="accent1"/>
-                  </a:solidFill>
-                </a14:hiddenFill>
-              </a:ext>
-              <a:ext uri="{91240B29-F687-4F45-9708-019B960494DF}">
-                <a14:hiddenLine xmlns:a14="http://schemas.microsoft.com/office/drawing/2010/main" w="9525">
-                  <a:solidFill>
-                    <a:schemeClr val="tx1"/>
-                  </a:solidFill>
-                  <a:miter lim="800000"/>
-                  <a:headEnd/>
-                  <a:tailEnd/>
-                </a14:hiddenLine>
-              </a:ext>
-              <a:ext uri="{AF507438-7753-43E0-B8FC-AC1667EBCBE1}">
-                <a14:hiddenEffects xmlns:a14="http://schemas.microsoft.com/office/drawing/2010/main">
-                  <a:effectLst>
-                    <a:outerShdw dist="35921" dir="2700000" algn="ctr" rotWithShape="0">
-                      <a:schemeClr val="bg2"/>
-                    </a:outerShdw>
-                  </a:effectLst>
-                </a14:hiddenEffects>
-              </a:ext>
-            </a:extLst>
-          </p:spPr>
-          <p:txBody>
-            <a:bodyPr>
-              <a:spAutoFit/>
-            </a:bodyPr>
-            <a:lstStyle>
-              <a:lvl1pPr algn="l">
-                <a:spcBef>
-                  <a:spcPct val="20000"/>
-                </a:spcBef>
-                <a:defRPr kumimoji="1" sz="1200">
-                  <a:solidFill>
-                    <a:schemeClr val="tx1"/>
-                  </a:solidFill>
-                  <a:latin typeface="Arial" charset="0"/>
-                  <a:ea typeface="ＭＳ Ｐゴシック" charset="-128"/>
-                </a:defRPr>
-              </a:lvl1pPr>
-              <a:lvl2pPr marL="742950" indent="-285750" algn="l">
-                <a:spcBef>
-                  <a:spcPct val="20000"/>
-                </a:spcBef>
-                <a:buChar char="–"/>
-                <a:defRPr kumimoji="1" sz="1200">
-                  <a:solidFill>
-                    <a:schemeClr val="tx1"/>
-                  </a:solidFill>
-                  <a:latin typeface="Arial" charset="0"/>
-                  <a:ea typeface="ＭＳ Ｐゴシック" charset="-128"/>
-                </a:defRPr>
-              </a:lvl2pPr>
-              <a:lvl3pPr marL="1143000" indent="-228600" algn="l">
-                <a:spcBef>
-                  <a:spcPct val="20000"/>
-                </a:spcBef>
-                <a:buChar char="•"/>
-                <a:defRPr kumimoji="1" sz="1200">
-                  <a:solidFill>
-                    <a:schemeClr val="tx1"/>
-                  </a:solidFill>
-                  <a:latin typeface="Arial" charset="0"/>
-                  <a:ea typeface="ＭＳ Ｐゴシック" charset="-128"/>
-                </a:defRPr>
-              </a:lvl3pPr>
-              <a:lvl4pPr marL="1600200" indent="-228600" algn="l">
-                <a:spcBef>
-                  <a:spcPct val="20000"/>
-                </a:spcBef>
-                <a:buChar char="–"/>
-                <a:defRPr kumimoji="1" sz="1200">
-                  <a:solidFill>
-                    <a:schemeClr val="tx1"/>
-                  </a:solidFill>
-                  <a:latin typeface="Arial" charset="0"/>
-                  <a:ea typeface="ＭＳ Ｐゴシック" charset="-128"/>
-                </a:defRPr>
-              </a:lvl4pPr>
-              <a:lvl5pPr marL="2057400" indent="-228600" algn="l">
-                <a:spcBef>
-                  <a:spcPct val="20000"/>
-                </a:spcBef>
-                <a:buChar char="»"/>
-                <a:defRPr kumimoji="1" sz="1200">
-                  <a:solidFill>
-                    <a:schemeClr val="tx1"/>
-                  </a:solidFill>
-                  <a:latin typeface="Arial" charset="0"/>
-                  <a:ea typeface="ＭＳ Ｐゴシック" charset="-128"/>
-                </a:defRPr>
-              </a:lvl5pPr>
-              <a:lvl6pPr marL="2514600" indent="-228600" eaLnBrk="0" fontAlgn="base" hangingPunct="0">
-                <a:spcBef>
-                  <a:spcPct val="20000"/>
-                </a:spcBef>
-                <a:spcAft>
-                  <a:spcPct val="0"/>
-                </a:spcAft>
-                <a:buChar char="»"/>
-                <a:defRPr kumimoji="1" sz="1200">
-                  <a:solidFill>
-                    <a:schemeClr val="tx1"/>
-                  </a:solidFill>
-                  <a:latin typeface="Arial" charset="0"/>
-                  <a:ea typeface="ＭＳ Ｐゴシック" charset="-128"/>
-                </a:defRPr>
-              </a:lvl6pPr>
-              <a:lvl7pPr marL="2971800" indent="-228600" eaLnBrk="0" fontAlgn="base" hangingPunct="0">
-                <a:spcBef>
-                  <a:spcPct val="20000"/>
-                </a:spcBef>
-                <a:spcAft>
-                  <a:spcPct val="0"/>
-                </a:spcAft>
-                <a:buChar char="»"/>
-                <a:defRPr kumimoji="1" sz="1200">
-                  <a:solidFill>
-                    <a:schemeClr val="tx1"/>
-                  </a:solidFill>
-                  <a:latin typeface="Arial" charset="0"/>
-                  <a:ea typeface="ＭＳ Ｐゴシック" charset="-128"/>
-                </a:defRPr>
-              </a:lvl7pPr>
-              <a:lvl8pPr marL="3429000" indent="-228600" eaLnBrk="0" fontAlgn="base" hangingPunct="0">
-                <a:spcBef>
-                  <a:spcPct val="20000"/>
-                </a:spcBef>
-                <a:spcAft>
-                  <a:spcPct val="0"/>
-                </a:spcAft>
-                <a:buChar char="»"/>
-                <a:defRPr kumimoji="1" sz="1200">
-                  <a:solidFill>
-                    <a:schemeClr val="tx1"/>
-                  </a:solidFill>
-                  <a:latin typeface="Arial" charset="0"/>
-                  <a:ea typeface="ＭＳ Ｐゴシック" charset="-128"/>
-                </a:defRPr>
-              </a:lvl8pPr>
-              <a:lvl9pPr marL="3886200" indent="-228600" eaLnBrk="0" fontAlgn="base" hangingPunct="0">
-                <a:spcBef>
-                  <a:spcPct val="20000"/>
-                </a:spcBef>
-                <a:spcAft>
-                  <a:spcPct val="0"/>
-                </a:spcAft>
-                <a:buChar char="»"/>
-                <a:defRPr kumimoji="1" sz="1200">
-                  <a:solidFill>
-                    <a:schemeClr val="tx1"/>
-                  </a:solidFill>
-                  <a:latin typeface="Arial" charset="0"/>
-                  <a:ea typeface="ＭＳ Ｐゴシック" charset="-128"/>
-                </a:defRPr>
-              </a:lvl9pPr>
-            </a:lstStyle>
-            <a:p>
-              <a:pPr eaLnBrk="1" hangingPunct="1">
-                <a:spcBef>
-                  <a:spcPct val="50000"/>
-                </a:spcBef>
-                <a:defRPr/>
-              </a:pPr>
-              <a:r>
-                <a:rPr lang="en-US" altLang="ja-JP" sz="1050" dirty="0">
-                  <a:ea typeface="MS UI Gothic" pitchFamily="50" charset="-128"/>
-                </a:rPr>
-                <a:t>※</a:t>
-              </a:r>
-              <a:r>
-                <a:rPr lang="ja-JP" altLang="en-US" sz="1050" dirty="0">
-                  <a:ea typeface="MS UI Gothic" pitchFamily="50" charset="-128"/>
-                </a:rPr>
-                <a:t>裏面を参照して、ターニングポイントとなった出来事を吹き出しで記入してください。</a:t>
               </a:r>
             </a:p>
           </p:txBody>
@@ -7513,7 +7304,14 @@
             <a:lstStyle/>
             <a:p>
               <a:pPr algn="ctr"/>
-              <a:endParaRPr kumimoji="1" lang="ja-JP" altLang="en-US"/>
+              <a:r>
+                <a:rPr kumimoji="1" lang="ja-JP" altLang="en-US" sz="1100" dirty="0">
+                  <a:solidFill>
+                    <a:schemeClr val="tx1"/>
+                  </a:solidFill>
+                </a:rPr>
+                <a:t>ケガをして，野球のモチベーションが下がる</a:t>
+              </a:r>
             </a:p>
           </p:txBody>
         </p:sp>
@@ -7562,7 +7360,14 @@
             <a:lstStyle/>
             <a:p>
               <a:pPr algn="ctr"/>
-              <a:endParaRPr kumimoji="1" lang="ja-JP" altLang="en-US"/>
+              <a:r>
+                <a:rPr kumimoji="1" lang="ja-JP" altLang="en-US" sz="1100" dirty="0">
+                  <a:solidFill>
+                    <a:schemeClr val="tx1"/>
+                  </a:solidFill>
+                </a:rPr>
+                <a:t>すべてが嫌になり，不良になった</a:t>
+              </a:r>
             </a:p>
           </p:txBody>
         </p:sp>
@@ -7611,7 +7416,14 @@
             <a:lstStyle/>
             <a:p>
               <a:pPr algn="ctr"/>
-              <a:endParaRPr kumimoji="1" lang="ja-JP" altLang="en-US"/>
+              <a:r>
+                <a:rPr kumimoji="1" lang="ja-JP" altLang="en-US" sz="1100" dirty="0">
+                  <a:solidFill>
+                    <a:schemeClr val="tx1"/>
+                  </a:solidFill>
+                </a:rPr>
+                <a:t>様々な人に迷惑をかけ，両親を泣かせた</a:t>
+              </a:r>
             </a:p>
           </p:txBody>
         </p:sp>
@@ -7660,7 +7472,14 @@
             <a:lstStyle/>
             <a:p>
               <a:pPr algn="ctr"/>
-              <a:endParaRPr kumimoji="1" lang="ja-JP" altLang="en-US"/>
+              <a:r>
+                <a:rPr kumimoji="1" lang="ja-JP" altLang="en-US" sz="1100" dirty="0">
+                  <a:solidFill>
+                    <a:schemeClr val="tx1"/>
+                  </a:solidFill>
+                </a:rPr>
+                <a:t>モチベが下がったときに，①を思い出すことにより少し頑張ることができるようになった</a:t>
+              </a:r>
             </a:p>
           </p:txBody>
         </p:sp>
@@ -7709,7 +7528,14 @@
             <a:lstStyle/>
             <a:p>
               <a:pPr algn="ctr"/>
-              <a:endParaRPr kumimoji="1" lang="ja-JP" altLang="en-US"/>
+              <a:r>
+                <a:rPr kumimoji="1" lang="ja-JP" altLang="en-US" sz="1100" dirty="0">
+                  <a:solidFill>
+                    <a:schemeClr val="tx1"/>
+                  </a:solidFill>
+                </a:rPr>
+                <a:t>野球で全治半年のケガをする</a:t>
+              </a:r>
             </a:p>
           </p:txBody>
         </p:sp>
@@ -7758,7 +7584,19 @@
             <a:lstStyle/>
             <a:p>
               <a:pPr algn="ctr"/>
-              <a:endParaRPr kumimoji="1" lang="ja-JP" altLang="en-US"/>
+              <a:r>
+                <a:rPr lang="ja-JP" altLang="en-US" sz="1100" dirty="0">
+                  <a:solidFill>
+                    <a:schemeClr val="tx1"/>
+                  </a:solidFill>
+                </a:rPr>
+                <a:t>心から一緒に頑張れると思える仲間と出会った</a:t>
+              </a:r>
+              <a:endParaRPr kumimoji="1" lang="ja-JP" altLang="en-US" sz="1100" dirty="0">
+                <a:solidFill>
+                  <a:schemeClr val="tx1"/>
+                </a:solidFill>
+              </a:endParaRPr>
             </a:p>
           </p:txBody>
         </p:sp>
@@ -7807,7 +7645,14 @@
             <a:lstStyle/>
             <a:p>
               <a:pPr algn="ctr"/>
-              <a:endParaRPr kumimoji="1" lang="ja-JP" altLang="en-US"/>
+              <a:r>
+                <a:rPr kumimoji="1" lang="ja-JP" altLang="en-US" sz="1100" dirty="0">
+                  <a:solidFill>
+                    <a:schemeClr val="tx1"/>
+                  </a:solidFill>
+                </a:rPr>
+                <a:t>①のことを払拭するためがむしゃらに練習に打ち込んだ</a:t>
+              </a:r>
             </a:p>
           </p:txBody>
         </p:sp>
@@ -7856,7 +7701,19 @@
             <a:lstStyle/>
             <a:p>
               <a:pPr algn="ctr"/>
-              <a:endParaRPr kumimoji="1" lang="ja-JP" altLang="en-US"/>
+              <a:r>
+                <a:rPr lang="ja-JP" altLang="en-US" sz="1100" dirty="0">
+                  <a:solidFill>
+                    <a:schemeClr val="tx1"/>
+                  </a:solidFill>
+                </a:rPr>
+                <a:t>生きる意味を見出し，学業もおのずと頑張れるようになった</a:t>
+              </a:r>
+              <a:endParaRPr kumimoji="1" lang="ja-JP" altLang="en-US" sz="1100" dirty="0">
+                <a:solidFill>
+                  <a:schemeClr val="tx1"/>
+                </a:solidFill>
+              </a:endParaRPr>
             </a:p>
           </p:txBody>
         </p:sp>
@@ -7905,7 +7762,11 @@
             <a:lstStyle/>
             <a:p>
               <a:pPr algn="ctr"/>
-              <a:endParaRPr kumimoji="1" lang="ja-JP" altLang="en-US"/>
+              <a:endParaRPr kumimoji="1" lang="ja-JP" altLang="en-US" sz="1100" dirty="0">
+                <a:solidFill>
+                  <a:schemeClr val="tx1"/>
+                </a:solidFill>
+              </a:endParaRPr>
             </a:p>
           </p:txBody>
         </p:sp>
@@ -7954,7 +7815,14 @@
             <a:lstStyle/>
             <a:p>
               <a:pPr algn="ctr"/>
-              <a:endParaRPr kumimoji="1" lang="ja-JP" altLang="en-US"/>
+              <a:r>
+                <a:rPr kumimoji="1" lang="ja-JP" altLang="en-US" sz="1100" dirty="0">
+                  <a:solidFill>
+                    <a:schemeClr val="tx1"/>
+                  </a:solidFill>
+                </a:rPr>
+                <a:t>野球を辞め，陸上部に転向する</a:t>
+              </a:r>
             </a:p>
           </p:txBody>
         </p:sp>
@@ -8003,7 +7871,14 @@
             <a:lstStyle/>
             <a:p>
               <a:pPr algn="ctr"/>
-              <a:endParaRPr kumimoji="1" lang="ja-JP" altLang="en-US"/>
+              <a:r>
+                <a:rPr kumimoji="1" lang="ja-JP" altLang="en-US" sz="1100" dirty="0">
+                  <a:solidFill>
+                    <a:schemeClr val="tx1"/>
+                  </a:solidFill>
+                </a:rPr>
+                <a:t>先の見えない研究内容を選択し，研究のモチベーションが下がる</a:t>
+              </a:r>
             </a:p>
           </p:txBody>
         </p:sp>
@@ -8052,7 +7927,14 @@
             <a:lstStyle/>
             <a:p>
               <a:pPr algn="ctr"/>
-              <a:endParaRPr kumimoji="1" lang="ja-JP" altLang="en-US"/>
+              <a:r>
+                <a:rPr kumimoji="1" lang="ja-JP" altLang="en-US" sz="1100" dirty="0">
+                  <a:solidFill>
+                    <a:schemeClr val="tx1"/>
+                  </a:solidFill>
+                </a:rPr>
+                <a:t>最低限卒業できればいいと思い，研究活動を疎かにした</a:t>
+              </a:r>
             </a:p>
           </p:txBody>
         </p:sp>
@@ -8101,7 +7983,11 @@
             <a:lstStyle/>
             <a:p>
               <a:pPr algn="ctr"/>
-              <a:endParaRPr kumimoji="1" lang="ja-JP" altLang="en-US"/>
+              <a:endParaRPr kumimoji="1" lang="ja-JP" altLang="en-US" sz="1100" dirty="0">
+                <a:solidFill>
+                  <a:schemeClr val="tx1"/>
+                </a:solidFill>
+              </a:endParaRPr>
             </a:p>
           </p:txBody>
         </p:sp>
@@ -8150,7 +8036,11 @@
             <a:lstStyle/>
             <a:p>
               <a:pPr algn="ctr"/>
-              <a:endParaRPr kumimoji="1" lang="ja-JP" altLang="en-US"/>
+              <a:endParaRPr kumimoji="1" lang="ja-JP" altLang="en-US" sz="1100">
+                <a:solidFill>
+                  <a:schemeClr val="tx1"/>
+                </a:solidFill>
+              </a:endParaRPr>
             </a:p>
           </p:txBody>
         </p:sp>
@@ -8199,7 +8089,14 @@
             <a:lstStyle/>
             <a:p>
               <a:pPr algn="ctr"/>
-              <a:endParaRPr kumimoji="1" lang="ja-JP" altLang="en-US"/>
+              <a:r>
+                <a:rPr kumimoji="1" lang="ja-JP" altLang="en-US" sz="1100" dirty="0">
+                  <a:solidFill>
+                    <a:schemeClr val="tx1"/>
+                  </a:solidFill>
+                </a:rPr>
+                <a:t>大学の研究室配属</a:t>
+              </a:r>
             </a:p>
           </p:txBody>
         </p:sp>
@@ -8248,7 +8145,14 @@
             <a:lstStyle/>
             <a:p>
               <a:pPr algn="ctr"/>
-              <a:endParaRPr kumimoji="1" lang="ja-JP" altLang="en-US"/>
+              <a:r>
+                <a:rPr kumimoji="1" lang="ja-JP" altLang="en-US" sz="1100" dirty="0">
+                  <a:solidFill>
+                    <a:schemeClr val="tx1"/>
+                  </a:solidFill>
+                </a:rPr>
+                <a:t>お金稼ぎのために研究室の先輩とプログラム教室開催を行った</a:t>
+              </a:r>
             </a:p>
           </p:txBody>
         </p:sp>
@@ -8297,7 +8201,14 @@
             <a:lstStyle/>
             <a:p>
               <a:pPr algn="ctr"/>
-              <a:endParaRPr kumimoji="1" lang="ja-JP" altLang="en-US"/>
+              <a:r>
+                <a:rPr kumimoji="1" lang="ja-JP" altLang="en-US" sz="1100" dirty="0">
+                  <a:solidFill>
+                    <a:schemeClr val="tx1"/>
+                  </a:solidFill>
+                </a:rPr>
+                <a:t>教室で使用するコンテンツ開発や金沢市などに広報活動を行った</a:t>
+              </a:r>
             </a:p>
           </p:txBody>
         </p:sp>
@@ -8346,7 +8257,11 @@
             <a:lstStyle/>
             <a:p>
               <a:pPr algn="ctr"/>
-              <a:endParaRPr kumimoji="1" lang="ja-JP" altLang="en-US"/>
+              <a:endParaRPr kumimoji="1" lang="ja-JP" altLang="en-US" sz="1100">
+                <a:solidFill>
+                  <a:schemeClr val="tx1"/>
+                </a:solidFill>
+              </a:endParaRPr>
             </a:p>
           </p:txBody>
         </p:sp>
@@ -8395,7 +8310,11 @@
             <a:lstStyle/>
             <a:p>
               <a:pPr algn="ctr"/>
-              <a:endParaRPr kumimoji="1" lang="ja-JP" altLang="en-US"/>
+              <a:endParaRPr kumimoji="1" lang="ja-JP" altLang="en-US" sz="1100">
+                <a:solidFill>
+                  <a:schemeClr val="tx1"/>
+                </a:solidFill>
+              </a:endParaRPr>
             </a:p>
           </p:txBody>
         </p:sp>
@@ -8444,11 +8363,496 @@
             <a:lstStyle/>
             <a:p>
               <a:pPr algn="ctr"/>
-              <a:endParaRPr kumimoji="1" lang="ja-JP" altLang="en-US"/>
+              <a:r>
+                <a:rPr kumimoji="1" lang="ja-JP" altLang="en-US" sz="1100" dirty="0">
+                  <a:solidFill>
+                    <a:schemeClr val="tx1"/>
+                  </a:solidFill>
+                </a:rPr>
+                <a:t>学生団体の立ち上げ</a:t>
+              </a:r>
             </a:p>
           </p:txBody>
         </p:sp>
       </p:grpSp>
+      <p:sp>
+        <p:nvSpPr>
+          <p:cNvPr id="77" name="吹き出し: 角を丸めた四角形 76">
+            <a:extLst>
+              <a:ext uri="{FF2B5EF4-FFF2-40B4-BE49-F238E27FC236}">
+                <a16:creationId xmlns:a16="http://schemas.microsoft.com/office/drawing/2014/main" id="{7E74EAD8-53BA-4324-A4FB-EEBA98C152DF}"/>
+              </a:ext>
+            </a:extLst>
+          </p:cNvPr>
+          <p:cNvSpPr/>
+          <p:nvPr/>
+        </p:nvSpPr>
+        <p:spPr>
+          <a:xfrm>
+            <a:off x="4041929" y="875469"/>
+            <a:ext cx="1235326" cy="496416"/>
+          </a:xfrm>
+          <a:prstGeom prst="wedgeRoundRectCallout">
+            <a:avLst>
+              <a:gd name="adj1" fmla="val -25543"/>
+              <a:gd name="adj2" fmla="val 70315"/>
+              <a:gd name="adj3" fmla="val 16667"/>
+            </a:avLst>
+          </a:prstGeom>
+          <a:solidFill>
+            <a:schemeClr val="accent1">
+              <a:lumMod val="20000"/>
+              <a:lumOff val="80000"/>
+            </a:schemeClr>
+          </a:solidFill>
+        </p:spPr>
+        <p:style>
+          <a:lnRef idx="2">
+            <a:schemeClr val="accent1">
+              <a:shade val="50000"/>
+            </a:schemeClr>
+          </a:lnRef>
+          <a:fillRef idx="1">
+            <a:schemeClr val="accent1"/>
+          </a:fillRef>
+          <a:effectRef idx="0">
+            <a:schemeClr val="accent1"/>
+          </a:effectRef>
+          <a:fontRef idx="minor">
+            <a:schemeClr val="lt1"/>
+          </a:fontRef>
+        </p:style>
+        <p:txBody>
+          <a:bodyPr rtlCol="0" anchor="ctr"/>
+          <a:lstStyle/>
+          <a:p>
+            <a:pPr algn="ctr"/>
+            <a:r>
+              <a:rPr kumimoji="1" lang="ja-JP" altLang="en-US" dirty="0">
+                <a:solidFill>
+                  <a:schemeClr val="tx1"/>
+                </a:solidFill>
+              </a:rPr>
+              <a:t>①</a:t>
+            </a:r>
+          </a:p>
+        </p:txBody>
+      </p:sp>
+      <p:sp>
+        <p:nvSpPr>
+          <p:cNvPr id="79" name="吹き出し: 角を丸めた四角形 78">
+            <a:extLst>
+              <a:ext uri="{FF2B5EF4-FFF2-40B4-BE49-F238E27FC236}">
+                <a16:creationId xmlns:a16="http://schemas.microsoft.com/office/drawing/2014/main" id="{BEB386A4-9CEA-4619-8B01-A574D9150B0F}"/>
+              </a:ext>
+            </a:extLst>
+          </p:cNvPr>
+          <p:cNvSpPr/>
+          <p:nvPr/>
+        </p:nvSpPr>
+        <p:spPr>
+          <a:xfrm>
+            <a:off x="5164554" y="2149343"/>
+            <a:ext cx="1235326" cy="496416"/>
+          </a:xfrm>
+          <a:prstGeom prst="wedgeRoundRectCallout">
+            <a:avLst>
+              <a:gd name="adj1" fmla="val -20833"/>
+              <a:gd name="adj2" fmla="val -78720"/>
+              <a:gd name="adj3" fmla="val 16667"/>
+            </a:avLst>
+          </a:prstGeom>
+          <a:solidFill>
+            <a:schemeClr val="accent1">
+              <a:lumMod val="20000"/>
+              <a:lumOff val="80000"/>
+            </a:schemeClr>
+          </a:solidFill>
+        </p:spPr>
+        <p:style>
+          <a:lnRef idx="2">
+            <a:schemeClr val="accent1">
+              <a:shade val="50000"/>
+            </a:schemeClr>
+          </a:lnRef>
+          <a:fillRef idx="1">
+            <a:schemeClr val="accent1"/>
+          </a:fillRef>
+          <a:effectRef idx="0">
+            <a:schemeClr val="accent1"/>
+          </a:effectRef>
+          <a:fontRef idx="minor">
+            <a:schemeClr val="lt1"/>
+          </a:fontRef>
+        </p:style>
+        <p:txBody>
+          <a:bodyPr rtlCol="0" anchor="ctr"/>
+          <a:lstStyle/>
+          <a:p>
+            <a:pPr algn="ctr"/>
+            <a:r>
+              <a:rPr kumimoji="1" lang="ja-JP" altLang="en-US" dirty="0">
+                <a:solidFill>
+                  <a:schemeClr val="tx1"/>
+                </a:solidFill>
+              </a:rPr>
+              <a:t>②</a:t>
+            </a:r>
+          </a:p>
+        </p:txBody>
+      </p:sp>
+      <p:sp>
+        <p:nvSpPr>
+          <p:cNvPr id="80" name="吹き出し: 角を丸めた四角形 79">
+            <a:extLst>
+              <a:ext uri="{FF2B5EF4-FFF2-40B4-BE49-F238E27FC236}">
+                <a16:creationId xmlns:a16="http://schemas.microsoft.com/office/drawing/2014/main" id="{F2FB082D-E467-4CCE-815A-FC74C555441B}"/>
+              </a:ext>
+            </a:extLst>
+          </p:cNvPr>
+          <p:cNvSpPr/>
+          <p:nvPr/>
+        </p:nvSpPr>
+        <p:spPr>
+          <a:xfrm>
+            <a:off x="8583531" y="837343"/>
+            <a:ext cx="1235326" cy="496416"/>
+          </a:xfrm>
+          <a:prstGeom prst="wedgeRoundRectCallout">
+            <a:avLst>
+              <a:gd name="adj1" fmla="val 74328"/>
+              <a:gd name="adj2" fmla="val 38637"/>
+              <a:gd name="adj3" fmla="val 16667"/>
+            </a:avLst>
+          </a:prstGeom>
+          <a:solidFill>
+            <a:schemeClr val="accent1">
+              <a:lumMod val="20000"/>
+              <a:lumOff val="80000"/>
+            </a:schemeClr>
+          </a:solidFill>
+        </p:spPr>
+        <p:style>
+          <a:lnRef idx="2">
+            <a:schemeClr val="accent1">
+              <a:shade val="50000"/>
+            </a:schemeClr>
+          </a:lnRef>
+          <a:fillRef idx="1">
+            <a:schemeClr val="accent1"/>
+          </a:fillRef>
+          <a:effectRef idx="0">
+            <a:schemeClr val="accent1"/>
+          </a:effectRef>
+          <a:fontRef idx="minor">
+            <a:schemeClr val="lt1"/>
+          </a:fontRef>
+        </p:style>
+        <p:txBody>
+          <a:bodyPr rtlCol="0" anchor="ctr"/>
+          <a:lstStyle/>
+          <a:p>
+            <a:pPr algn="ctr"/>
+            <a:r>
+              <a:rPr lang="ja-JP" altLang="en-US" dirty="0">
+                <a:solidFill>
+                  <a:schemeClr val="tx1"/>
+                </a:solidFill>
+              </a:rPr>
+              <a:t>③</a:t>
+            </a:r>
+            <a:endParaRPr kumimoji="1" lang="ja-JP" altLang="en-US" dirty="0">
+              <a:solidFill>
+                <a:schemeClr val="tx1"/>
+              </a:solidFill>
+            </a:endParaRPr>
+          </a:p>
+        </p:txBody>
+      </p:sp>
+      <p:sp>
+        <p:nvSpPr>
+          <p:cNvPr id="81" name="吹き出し: 角を丸めた四角形 80">
+            <a:extLst>
+              <a:ext uri="{FF2B5EF4-FFF2-40B4-BE49-F238E27FC236}">
+                <a16:creationId xmlns:a16="http://schemas.microsoft.com/office/drawing/2014/main" id="{8CD611D4-440B-4FB7-9ED2-0B605B21FD67}"/>
+              </a:ext>
+            </a:extLst>
+          </p:cNvPr>
+          <p:cNvSpPr/>
+          <p:nvPr/>
+        </p:nvSpPr>
+        <p:spPr>
+          <a:xfrm>
+            <a:off x="9319524" y="1688111"/>
+            <a:ext cx="1235326" cy="496416"/>
+          </a:xfrm>
+          <a:prstGeom prst="wedgeRoundRectCallout">
+            <a:avLst>
+              <a:gd name="adj1" fmla="val 34346"/>
+              <a:gd name="adj2" fmla="val -73696"/>
+              <a:gd name="adj3" fmla="val 16667"/>
+            </a:avLst>
+          </a:prstGeom>
+          <a:solidFill>
+            <a:schemeClr val="accent1">
+              <a:lumMod val="20000"/>
+              <a:lumOff val="80000"/>
+            </a:schemeClr>
+          </a:solidFill>
+        </p:spPr>
+        <p:style>
+          <a:lnRef idx="2">
+            <a:schemeClr val="accent1">
+              <a:shade val="50000"/>
+            </a:schemeClr>
+          </a:lnRef>
+          <a:fillRef idx="1">
+            <a:schemeClr val="accent1"/>
+          </a:fillRef>
+          <a:effectRef idx="0">
+            <a:schemeClr val="accent1"/>
+          </a:effectRef>
+          <a:fontRef idx="minor">
+            <a:schemeClr val="lt1"/>
+          </a:fontRef>
+        </p:style>
+        <p:txBody>
+          <a:bodyPr rtlCol="0" anchor="ctr"/>
+          <a:lstStyle/>
+          <a:p>
+            <a:pPr algn="ctr"/>
+            <a:r>
+              <a:rPr lang="ja-JP" altLang="en-US" dirty="0">
+                <a:solidFill>
+                  <a:schemeClr val="tx1"/>
+                </a:solidFill>
+              </a:rPr>
+              <a:t>④</a:t>
+            </a:r>
+            <a:endParaRPr kumimoji="1" lang="ja-JP" altLang="en-US" dirty="0">
+              <a:solidFill>
+                <a:schemeClr val="tx1"/>
+              </a:solidFill>
+            </a:endParaRPr>
+          </a:p>
+        </p:txBody>
+      </p:sp>
+      <p:cxnSp>
+        <p:nvCxnSpPr>
+          <p:cNvPr id="8" name="直線コネクタ 7">
+            <a:extLst>
+              <a:ext uri="{FF2B5EF4-FFF2-40B4-BE49-F238E27FC236}">
+                <a16:creationId xmlns:a16="http://schemas.microsoft.com/office/drawing/2014/main" id="{861AACF9-E716-47E8-B8FC-63DF25B9AFEF}"/>
+              </a:ext>
+            </a:extLst>
+          </p:cNvPr>
+          <p:cNvCxnSpPr>
+            <a:cxnSpLocks/>
+            <a:endCxn id="9" idx="0"/>
+          </p:cNvCxnSpPr>
+          <p:nvPr/>
+        </p:nvCxnSpPr>
+        <p:spPr>
+          <a:xfrm flipV="1">
+            <a:off x="1787236" y="1465375"/>
+            <a:ext cx="2568634" cy="288610"/>
+          </a:xfrm>
+          <a:prstGeom prst="line">
+            <a:avLst/>
+          </a:prstGeom>
+          <a:ln w="19050">
+            <a:solidFill>
+              <a:srgbClr val="2F528F"/>
+            </a:solidFill>
+          </a:ln>
+        </p:spPr>
+        <p:style>
+          <a:lnRef idx="1">
+            <a:schemeClr val="accent1"/>
+          </a:lnRef>
+          <a:fillRef idx="0">
+            <a:schemeClr val="accent1"/>
+          </a:fillRef>
+          <a:effectRef idx="0">
+            <a:schemeClr val="accent1"/>
+          </a:effectRef>
+          <a:fontRef idx="minor">
+            <a:schemeClr val="tx1"/>
+          </a:fontRef>
+        </p:style>
+      </p:cxnSp>
+      <p:sp>
+        <p:nvSpPr>
+          <p:cNvPr id="9" name="フリーフォーム: 図形 8">
+            <a:extLst>
+              <a:ext uri="{FF2B5EF4-FFF2-40B4-BE49-F238E27FC236}">
+                <a16:creationId xmlns:a16="http://schemas.microsoft.com/office/drawing/2014/main" id="{0E2485B9-EF70-4BCC-827F-1D99B8FD0132}"/>
+              </a:ext>
+            </a:extLst>
+          </p:cNvPr>
+          <p:cNvSpPr/>
+          <p:nvPr/>
+        </p:nvSpPr>
+        <p:spPr>
+          <a:xfrm>
+            <a:off x="4355870" y="1280449"/>
+            <a:ext cx="5818908" cy="725192"/>
+          </a:xfrm>
+          <a:custGeom>
+            <a:avLst/>
+            <a:gdLst>
+              <a:gd name="connsiteX0" fmla="*/ 0 w 5843847"/>
+              <a:gd name="connsiteY0" fmla="*/ 182880 h 717167"/>
+              <a:gd name="connsiteX1" fmla="*/ 1463040 w 5843847"/>
+              <a:gd name="connsiteY1" fmla="*/ 714894 h 717167"/>
+              <a:gd name="connsiteX2" fmla="*/ 5843847 w 5843847"/>
+              <a:gd name="connsiteY2" fmla="*/ 0 h 717167"/>
+            </a:gdLst>
+            <a:ahLst/>
+            <a:cxnLst>
+              <a:cxn ang="0">
+                <a:pos x="connsiteX0" y="connsiteY0"/>
+              </a:cxn>
+              <a:cxn ang="0">
+                <a:pos x="connsiteX1" y="connsiteY1"/>
+              </a:cxn>
+              <a:cxn ang="0">
+                <a:pos x="connsiteX2" y="connsiteY2"/>
+              </a:cxn>
+            </a:cxnLst>
+            <a:rect l="l" t="t" r="r" b="b"/>
+            <a:pathLst>
+              <a:path w="5843847" h="717167">
+                <a:moveTo>
+                  <a:pt x="0" y="182880"/>
+                </a:moveTo>
+                <a:cubicBezTo>
+                  <a:pt x="244533" y="464127"/>
+                  <a:pt x="489066" y="745374"/>
+                  <a:pt x="1463040" y="714894"/>
+                </a:cubicBezTo>
+                <a:cubicBezTo>
+                  <a:pt x="2437014" y="684414"/>
+                  <a:pt x="5025043" y="95596"/>
+                  <a:pt x="5843847" y="0"/>
+                </a:cubicBezTo>
+              </a:path>
+            </a:pathLst>
+          </a:custGeom>
+          <a:noFill/>
+          <a:ln w="19050"/>
+        </p:spPr>
+        <p:style>
+          <a:lnRef idx="2">
+            <a:schemeClr val="accent1">
+              <a:shade val="50000"/>
+            </a:schemeClr>
+          </a:lnRef>
+          <a:fillRef idx="1">
+            <a:schemeClr val="accent1"/>
+          </a:fillRef>
+          <a:effectRef idx="0">
+            <a:schemeClr val="accent1"/>
+          </a:effectRef>
+          <a:fontRef idx="minor">
+            <a:schemeClr val="lt1"/>
+          </a:fontRef>
+        </p:style>
+        <p:txBody>
+          <a:bodyPr rtlCol="0" anchor="ctr"/>
+          <a:lstStyle/>
+          <a:p>
+            <a:pPr algn="ctr"/>
+            <a:endParaRPr kumimoji="1" lang="ja-JP" altLang="en-US"/>
+          </a:p>
+        </p:txBody>
+      </p:sp>
+      <p:sp>
+        <p:nvSpPr>
+          <p:cNvPr id="10" name="フリーフォーム: 図形 9">
+            <a:extLst>
+              <a:ext uri="{FF2B5EF4-FFF2-40B4-BE49-F238E27FC236}">
+                <a16:creationId xmlns:a16="http://schemas.microsoft.com/office/drawing/2014/main" id="{72745990-45BC-4103-B748-40F41F0A63D4}"/>
+              </a:ext>
+            </a:extLst>
+          </p:cNvPr>
+          <p:cNvSpPr/>
+          <p:nvPr/>
+        </p:nvSpPr>
+        <p:spPr>
+          <a:xfrm>
+            <a:off x="10174778" y="856211"/>
+            <a:ext cx="1346662" cy="698495"/>
+          </a:xfrm>
+          <a:custGeom>
+            <a:avLst/>
+            <a:gdLst>
+              <a:gd name="connsiteX0" fmla="*/ 0 w 1346662"/>
+              <a:gd name="connsiteY0" fmla="*/ 423949 h 698495"/>
+              <a:gd name="connsiteX1" fmla="*/ 282633 w 1346662"/>
+              <a:gd name="connsiteY1" fmla="*/ 681644 h 698495"/>
+              <a:gd name="connsiteX2" fmla="*/ 1346662 w 1346662"/>
+              <a:gd name="connsiteY2" fmla="*/ 0 h 698495"/>
+            </a:gdLst>
+            <a:ahLst/>
+            <a:cxnLst>
+              <a:cxn ang="0">
+                <a:pos x="connsiteX0" y="connsiteY0"/>
+              </a:cxn>
+              <a:cxn ang="0">
+                <a:pos x="connsiteX1" y="connsiteY1"/>
+              </a:cxn>
+              <a:cxn ang="0">
+                <a:pos x="connsiteX2" y="connsiteY2"/>
+              </a:cxn>
+            </a:cxnLst>
+            <a:rect l="l" t="t" r="r" b="b"/>
+            <a:pathLst>
+              <a:path w="1346662" h="698495">
+                <a:moveTo>
+                  <a:pt x="0" y="423949"/>
+                </a:moveTo>
+                <a:cubicBezTo>
+                  <a:pt x="29094" y="588125"/>
+                  <a:pt x="58189" y="752302"/>
+                  <a:pt x="282633" y="681644"/>
+                </a:cubicBezTo>
+                <a:cubicBezTo>
+                  <a:pt x="507077" y="610986"/>
+                  <a:pt x="1138844" y="96982"/>
+                  <a:pt x="1346662" y="0"/>
+                </a:cubicBezTo>
+              </a:path>
+            </a:pathLst>
+          </a:custGeom>
+          <a:noFill/>
+          <a:ln w="19050"/>
+        </p:spPr>
+        <p:style>
+          <a:lnRef idx="2">
+            <a:schemeClr val="accent1">
+              <a:shade val="50000"/>
+            </a:schemeClr>
+          </a:lnRef>
+          <a:fillRef idx="1">
+            <a:schemeClr val="accent1"/>
+          </a:fillRef>
+          <a:effectRef idx="0">
+            <a:schemeClr val="accent1"/>
+          </a:effectRef>
+          <a:fontRef idx="minor">
+            <a:schemeClr val="lt1"/>
+          </a:fontRef>
+        </p:style>
+        <p:txBody>
+          <a:bodyPr rtlCol="0" anchor="ctr"/>
+          <a:lstStyle/>
+          <a:p>
+            <a:pPr algn="ctr"/>
+            <a:endParaRPr kumimoji="1" lang="ja-JP" altLang="en-US"/>
+          </a:p>
+        </p:txBody>
+      </p:sp>
     </p:spTree>
     <p:extLst>
       <p:ext uri="{BB962C8B-B14F-4D97-AF65-F5344CB8AC3E}">

--- a/12_ヒューマンインタラクティブテクノロジー/WorkSheet_モチベーション曲線_三宅悠暉(金沢大学大学院).pptx
+++ b/12_ヒューマンインタラクティブテクノロジー/WorkSheet_モチベーション曲線_三宅悠暉(金沢大学大学院).pptx
@@ -5,11 +5,10 @@
     <p:sldMasterId id="2147483648" r:id="rId1"/>
   </p:sldMasterIdLst>
   <p:notesMasterIdLst>
-    <p:notesMasterId r:id="rId4"/>
+    <p:notesMasterId r:id="rId3"/>
   </p:notesMasterIdLst>
   <p:sldIdLst>
     <p:sldId id="2147376194" r:id="rId2"/>
-    <p:sldId id="2147376195" r:id="rId3"/>
   </p:sldIdLst>
   <p:sldSz cx="12192000" cy="6858000"/>
   <p:notesSz cx="6858000" cy="9144000"/>
@@ -201,7 +200,7 @@
           <a:p>
             <a:fld id="{F6577452-6FAD-4279-9F7D-7AF7C43686BD}" type="datetimeFigureOut">
               <a:rPr kumimoji="1" lang="ja-JP" altLang="en-US" smtClean="0"/>
-              <a:t>2022/4/10</a:t>
+              <a:t>2022/4/11</a:t>
             </a:fld>
             <a:endParaRPr kumimoji="1" lang="ja-JP" altLang="en-US"/>
           </a:p>
@@ -647,7 +646,7 @@
           <a:p>
             <a:fld id="{E8268138-01B5-40B5-B427-A21DDF89AD75}" type="datetimeFigureOut">
               <a:rPr kumimoji="1" lang="ja-JP" altLang="en-US" smtClean="0"/>
-              <a:t>2022/4/10</a:t>
+              <a:t>2022/4/11</a:t>
             </a:fld>
             <a:endParaRPr kumimoji="1" lang="ja-JP" altLang="en-US"/>
           </a:p>
@@ -877,7 +876,7 @@
           <a:p>
             <a:fld id="{E8268138-01B5-40B5-B427-A21DDF89AD75}" type="datetimeFigureOut">
               <a:rPr kumimoji="1" lang="ja-JP" altLang="en-US" smtClean="0"/>
-              <a:t>2022/4/10</a:t>
+              <a:t>2022/4/11</a:t>
             </a:fld>
             <a:endParaRPr kumimoji="1" lang="ja-JP" altLang="en-US"/>
           </a:p>
@@ -1117,7 +1116,7 @@
           <a:p>
             <a:fld id="{E8268138-01B5-40B5-B427-A21DDF89AD75}" type="datetimeFigureOut">
               <a:rPr kumimoji="1" lang="ja-JP" altLang="en-US" smtClean="0"/>
-              <a:t>2022/4/10</a:t>
+              <a:t>2022/4/11</a:t>
             </a:fld>
             <a:endParaRPr kumimoji="1" lang="ja-JP" altLang="en-US"/>
           </a:p>
@@ -1572,7 +1571,7 @@
           <a:p>
             <a:fld id="{E8268138-01B5-40B5-B427-A21DDF89AD75}" type="datetimeFigureOut">
               <a:rPr kumimoji="1" lang="ja-JP" altLang="en-US" smtClean="0"/>
-              <a:t>2022/4/10</a:t>
+              <a:t>2022/4/11</a:t>
             </a:fld>
             <a:endParaRPr kumimoji="1" lang="ja-JP" altLang="en-US"/>
           </a:p>
@@ -1847,7 +1846,7 @@
           <a:p>
             <a:fld id="{E8268138-01B5-40B5-B427-A21DDF89AD75}" type="datetimeFigureOut">
               <a:rPr kumimoji="1" lang="ja-JP" altLang="en-US" smtClean="0"/>
-              <a:t>2022/4/10</a:t>
+              <a:t>2022/4/11</a:t>
             </a:fld>
             <a:endParaRPr kumimoji="1" lang="ja-JP" altLang="en-US"/>
           </a:p>
@@ -2176,7 +2175,7 @@
           <a:p>
             <a:fld id="{E8268138-01B5-40B5-B427-A21DDF89AD75}" type="datetimeFigureOut">
               <a:rPr kumimoji="1" lang="ja-JP" altLang="en-US" smtClean="0"/>
-              <a:t>2022/4/10</a:t>
+              <a:t>2022/4/11</a:t>
             </a:fld>
             <a:endParaRPr kumimoji="1" lang="ja-JP" altLang="en-US"/>
           </a:p>
@@ -2652,7 +2651,7 @@
           <a:p>
             <a:fld id="{E8268138-01B5-40B5-B427-A21DDF89AD75}" type="datetimeFigureOut">
               <a:rPr kumimoji="1" lang="ja-JP" altLang="en-US" smtClean="0"/>
-              <a:t>2022/4/10</a:t>
+              <a:t>2022/4/11</a:t>
             </a:fld>
             <a:endParaRPr kumimoji="1" lang="ja-JP" altLang="en-US"/>
           </a:p>
@@ -2793,7 +2792,7 @@
           <a:p>
             <a:fld id="{E8268138-01B5-40B5-B427-A21DDF89AD75}" type="datetimeFigureOut">
               <a:rPr kumimoji="1" lang="ja-JP" altLang="en-US" smtClean="0"/>
-              <a:t>2022/4/10</a:t>
+              <a:t>2022/4/11</a:t>
             </a:fld>
             <a:endParaRPr kumimoji="1" lang="ja-JP" altLang="en-US"/>
           </a:p>
@@ -2906,7 +2905,7 @@
           <a:p>
             <a:fld id="{E8268138-01B5-40B5-B427-A21DDF89AD75}" type="datetimeFigureOut">
               <a:rPr kumimoji="1" lang="ja-JP" altLang="en-US" smtClean="0"/>
-              <a:t>2022/4/10</a:t>
+              <a:t>2022/4/11</a:t>
             </a:fld>
             <a:endParaRPr kumimoji="1" lang="ja-JP" altLang="en-US"/>
           </a:p>
@@ -3249,7 +3248,7 @@
           <a:p>
             <a:fld id="{E8268138-01B5-40B5-B427-A21DDF89AD75}" type="datetimeFigureOut">
               <a:rPr kumimoji="1" lang="ja-JP" altLang="en-US" smtClean="0"/>
-              <a:t>2022/4/10</a:t>
+              <a:t>2022/4/11</a:t>
             </a:fld>
             <a:endParaRPr kumimoji="1" lang="ja-JP" altLang="en-US"/>
           </a:p>
@@ -3537,7 +3536,7 @@
           <a:p>
             <a:fld id="{E8268138-01B5-40B5-B427-A21DDF89AD75}" type="datetimeFigureOut">
               <a:rPr kumimoji="1" lang="ja-JP" altLang="en-US" smtClean="0"/>
-              <a:t>2022/4/10</a:t>
+              <a:t>2022/4/11</a:t>
             </a:fld>
             <a:endParaRPr kumimoji="1" lang="ja-JP" altLang="en-US"/>
           </a:p>
@@ -3810,7 +3809,7 @@
           <a:p>
             <a:fld id="{E8268138-01B5-40B5-B427-A21DDF89AD75}" type="datetimeFigureOut">
               <a:rPr kumimoji="1" lang="ja-JP" altLang="en-US" smtClean="0"/>
-              <a:t>2022/4/10</a:t>
+              <a:t>2022/4/11</a:t>
             </a:fld>
             <a:endParaRPr kumimoji="1" lang="ja-JP" altLang="en-US"/>
           </a:p>
@@ -7478,7 +7477,7 @@
                     <a:schemeClr val="tx1"/>
                   </a:solidFill>
                 </a:rPr>
-                <a:t>モチベが下がったときに，①を思い出すことにより少し頑張ることができるようになった</a:t>
+                <a:t>モチベが下がったときに，①を思い出すことにより頑張ることができるようになった</a:t>
               </a:r>
             </a:p>
           </p:txBody>
@@ -7762,11 +7761,14 @@
             <a:lstStyle/>
             <a:p>
               <a:pPr algn="ctr"/>
-              <a:endParaRPr kumimoji="1" lang="ja-JP" altLang="en-US" sz="1100" dirty="0">
-                <a:solidFill>
-                  <a:schemeClr val="tx1"/>
-                </a:solidFill>
-              </a:endParaRPr>
+              <a:r>
+                <a:rPr kumimoji="1" lang="ja-JP" altLang="en-US" sz="1100" dirty="0">
+                  <a:solidFill>
+                    <a:schemeClr val="tx1"/>
+                  </a:solidFill>
+                </a:rPr>
+                <a:t>人生は一人ではなく仲間と助け合いながら価値を見出していくもので，仲間に頼ることを覚えた</a:t>
+              </a:r>
             </a:p>
           </p:txBody>
         </p:sp>
@@ -7983,6 +7985,14 @@
             <a:lstStyle/>
             <a:p>
               <a:pPr algn="ctr"/>
+              <a:r>
+                <a:rPr lang="ja-JP" altLang="en-US" sz="1100" dirty="0">
+                  <a:solidFill>
+                    <a:schemeClr val="tx1"/>
+                  </a:solidFill>
+                </a:rPr>
+                <a:t>先輩などに相談をし，私の研究は世の中に新しい概念を生み出すためのものだと理解した</a:t>
+              </a:r>
               <a:endParaRPr kumimoji="1" lang="ja-JP" altLang="en-US" sz="1100" dirty="0">
                 <a:solidFill>
                   <a:schemeClr val="tx1"/>
@@ -8036,7 +8046,15 @@
             <a:lstStyle/>
             <a:p>
               <a:pPr algn="ctr"/>
-              <a:endParaRPr kumimoji="1" lang="ja-JP" altLang="en-US" sz="1100">
+              <a:r>
+                <a:rPr lang="ja-JP" altLang="en-US" sz="1100" dirty="0">
+                  <a:solidFill>
+                    <a:schemeClr val="tx1"/>
+                  </a:solidFill>
+                </a:rPr>
+                <a:t>ものごとを固定概念でとらえず，前提を捨ててみることができるようになった</a:t>
+              </a:r>
+              <a:endParaRPr kumimoji="1" lang="ja-JP" altLang="en-US" sz="1100" dirty="0">
                 <a:solidFill>
                   <a:schemeClr val="tx1"/>
                 </a:solidFill>
@@ -8257,7 +8275,15 @@
             <a:lstStyle/>
             <a:p>
               <a:pPr algn="ctr"/>
-              <a:endParaRPr kumimoji="1" lang="ja-JP" altLang="en-US" sz="1100">
+              <a:r>
+                <a:rPr lang="ja-JP" altLang="en-US" sz="1100" dirty="0">
+                  <a:solidFill>
+                    <a:schemeClr val="tx1"/>
+                  </a:solidFill>
+                </a:rPr>
+                <a:t>様々な方が支援してくださり，教室の他にもアプリ開発などのお話を頂くことができた</a:t>
+              </a:r>
+              <a:endParaRPr kumimoji="1" lang="ja-JP" altLang="en-US" sz="1100" dirty="0">
                 <a:solidFill>
                   <a:schemeClr val="tx1"/>
                 </a:solidFill>
@@ -8310,7 +8336,15 @@
             <a:lstStyle/>
             <a:p>
               <a:pPr algn="ctr"/>
-              <a:endParaRPr kumimoji="1" lang="ja-JP" altLang="en-US" sz="1100">
+              <a:r>
+                <a:rPr lang="ja-JP" altLang="en-US" sz="1100" dirty="0">
+                  <a:solidFill>
+                    <a:schemeClr val="tx1"/>
+                  </a:solidFill>
+                </a:rPr>
+                <a:t>まず話をしに行くということから行動するだけでもその先の結果が異なるということを実感した</a:t>
+              </a:r>
+              <a:endParaRPr kumimoji="1" lang="ja-JP" altLang="en-US" sz="1100" dirty="0">
                 <a:solidFill>
                   <a:schemeClr val="tx1"/>
                 </a:solidFill>
@@ -8857,4706 +8891,6 @@
     <p:extLst>
       <p:ext uri="{BB962C8B-B14F-4D97-AF65-F5344CB8AC3E}">
         <p14:creationId xmlns:p14="http://schemas.microsoft.com/office/powerpoint/2010/main" val="1427531055"/>
-      </p:ext>
-    </p:extLst>
-  </p:cSld>
-  <p:clrMapOvr>
-    <a:masterClrMapping/>
-  </p:clrMapOvr>
-</p:sld>
-</file>
-
-<file path=ppt/slides/slide2.xml><?xml version="1.0" encoding="utf-8"?>
-<p:sld xmlns:a="http://schemas.openxmlformats.org/drawingml/2006/main" xmlns:r="http://schemas.openxmlformats.org/officeDocument/2006/relationships" xmlns:p="http://schemas.openxmlformats.org/presentationml/2006/main">
-  <p:cSld>
-    <p:spTree>
-      <p:nvGrpSpPr>
-        <p:cNvPr id="1" name=""/>
-        <p:cNvGrpSpPr/>
-        <p:nvPr/>
-      </p:nvGrpSpPr>
-      <p:grpSpPr>
-        <a:xfrm>
-          <a:off x="0" y="0"/>
-          <a:ext cx="0" cy="0"/>
-          <a:chOff x="0" y="0"/>
-          <a:chExt cx="0" cy="0"/>
-        </a:xfrm>
-      </p:grpSpPr>
-      <p:sp>
-        <p:nvSpPr>
-          <p:cNvPr id="24" name="Line 11">
-            <a:extLst>
-              <a:ext uri="{FF2B5EF4-FFF2-40B4-BE49-F238E27FC236}">
-                <a16:creationId xmlns:a16="http://schemas.microsoft.com/office/drawing/2014/main" id="{A3832B21-0700-443B-BBA6-E2522D939E73}"/>
-              </a:ext>
-            </a:extLst>
-          </p:cNvPr>
-          <p:cNvSpPr>
-            <a:spLocks noChangeShapeType="1"/>
-          </p:cNvSpPr>
-          <p:nvPr/>
-        </p:nvSpPr>
-        <p:spPr bwMode="auto">
-          <a:xfrm>
-            <a:off x="9233323" y="655643"/>
-            <a:ext cx="2667000" cy="0"/>
-          </a:xfrm>
-          <a:prstGeom prst="line">
-            <a:avLst/>
-          </a:prstGeom>
-          <a:noFill/>
-          <a:ln w="9525">
-            <a:solidFill>
-              <a:schemeClr val="bg2"/>
-            </a:solidFill>
-            <a:round/>
-            <a:headEnd/>
-            <a:tailEnd/>
-          </a:ln>
-          <a:effectLst/>
-          <a:extLst>
-            <a:ext uri="{909E8E84-426E-40DD-AFC4-6F175D3DCCD1}">
-              <a14:hiddenFill xmlns:a14="http://schemas.microsoft.com/office/drawing/2010/main">
-                <a:noFill/>
-              </a14:hiddenFill>
-            </a:ext>
-            <a:ext uri="{AF507438-7753-43E0-B8FC-AC1667EBCBE1}">
-              <a14:hiddenEffects xmlns:a14="http://schemas.microsoft.com/office/drawing/2010/main">
-                <a:effectLst>
-                  <a:outerShdw dist="107763" dir="2700000" algn="ctr" rotWithShape="0">
-                    <a:schemeClr val="bg2"/>
-                  </a:outerShdw>
-                </a:effectLst>
-              </a14:hiddenEffects>
-            </a:ext>
-          </a:extLst>
-        </p:spPr>
-        <p:txBody>
-          <a:bodyPr wrap="none" anchor="ctr"/>
-          <a:lstStyle/>
-          <a:p>
-            <a:endParaRPr lang="ja-JP" altLang="en-US"/>
-          </a:p>
-        </p:txBody>
-      </p:sp>
-      <p:sp>
-        <p:nvSpPr>
-          <p:cNvPr id="25" name="Text Box 12">
-            <a:extLst>
-              <a:ext uri="{FF2B5EF4-FFF2-40B4-BE49-F238E27FC236}">
-                <a16:creationId xmlns:a16="http://schemas.microsoft.com/office/drawing/2014/main" id="{232E0333-7523-4183-A9A3-6D1C1A70F2F7}"/>
-              </a:ext>
-            </a:extLst>
-          </p:cNvPr>
-          <p:cNvSpPr txBox="1">
-            <a:spLocks noChangeArrowheads="1"/>
-          </p:cNvSpPr>
-          <p:nvPr/>
-        </p:nvSpPr>
-        <p:spPr bwMode="auto">
-          <a:xfrm>
-            <a:off x="9113419" y="358972"/>
-            <a:ext cx="685800" cy="274638"/>
-          </a:xfrm>
-          <a:prstGeom prst="rect">
-            <a:avLst/>
-          </a:prstGeom>
-          <a:noFill/>
-          <a:ln>
-            <a:noFill/>
-          </a:ln>
-          <a:effectLst/>
-          <a:extLst>
-            <a:ext uri="{909E8E84-426E-40DD-AFC4-6F175D3DCCD1}">
-              <a14:hiddenFill xmlns:a14="http://schemas.microsoft.com/office/drawing/2010/main">
-                <a:solidFill>
-                  <a:srgbClr val="FFFFE1"/>
-                </a:solidFill>
-              </a14:hiddenFill>
-            </a:ext>
-            <a:ext uri="{91240B29-F687-4F45-9708-019B960494DF}">
-              <a14:hiddenLine xmlns:a14="http://schemas.microsoft.com/office/drawing/2010/main" w="9525">
-                <a:solidFill>
-                  <a:schemeClr val="bg2"/>
-                </a:solidFill>
-                <a:miter lim="800000"/>
-                <a:headEnd/>
-                <a:tailEnd/>
-              </a14:hiddenLine>
-            </a:ext>
-            <a:ext uri="{AF507438-7753-43E0-B8FC-AC1667EBCBE1}">
-              <a14:hiddenEffects xmlns:a14="http://schemas.microsoft.com/office/drawing/2010/main">
-                <a:effectLst>
-                  <a:outerShdw dist="107763" dir="2700000" algn="ctr" rotWithShape="0">
-                    <a:schemeClr val="bg2"/>
-                  </a:outerShdw>
-                </a:effectLst>
-              </a14:hiddenEffects>
-            </a:ext>
-          </a:extLst>
-        </p:spPr>
-        <p:txBody>
-          <a:bodyPr>
-            <a:spAutoFit/>
-          </a:bodyPr>
-          <a:lstStyle>
-            <a:lvl1pPr algn="l">
-              <a:spcBef>
-                <a:spcPct val="20000"/>
-              </a:spcBef>
-              <a:defRPr kumimoji="1" sz="1200">
-                <a:solidFill>
-                  <a:schemeClr val="tx1"/>
-                </a:solidFill>
-                <a:latin typeface="Arial" panose="020B0604020202020204" pitchFamily="34" charset="0"/>
-                <a:ea typeface="ＭＳ Ｐゴシック" panose="020B0600070205080204" pitchFamily="50" charset="-128"/>
-              </a:defRPr>
-            </a:lvl1pPr>
-            <a:lvl2pPr marL="742950" indent="-285750" algn="l">
-              <a:spcBef>
-                <a:spcPct val="20000"/>
-              </a:spcBef>
-              <a:buChar char="–"/>
-              <a:defRPr kumimoji="1" sz="1200">
-                <a:solidFill>
-                  <a:schemeClr val="tx1"/>
-                </a:solidFill>
-                <a:latin typeface="Arial" panose="020B0604020202020204" pitchFamily="34" charset="0"/>
-                <a:ea typeface="ＭＳ Ｐゴシック" panose="020B0600070205080204" pitchFamily="50" charset="-128"/>
-              </a:defRPr>
-            </a:lvl2pPr>
-            <a:lvl3pPr marL="1143000" indent="-228600" algn="l">
-              <a:spcBef>
-                <a:spcPct val="20000"/>
-              </a:spcBef>
-              <a:buChar char="•"/>
-              <a:defRPr kumimoji="1" sz="1200">
-                <a:solidFill>
-                  <a:schemeClr val="tx1"/>
-                </a:solidFill>
-                <a:latin typeface="Arial" panose="020B0604020202020204" pitchFamily="34" charset="0"/>
-                <a:ea typeface="ＭＳ Ｐゴシック" panose="020B0600070205080204" pitchFamily="50" charset="-128"/>
-              </a:defRPr>
-            </a:lvl3pPr>
-            <a:lvl4pPr marL="1600200" indent="-228600" algn="l">
-              <a:spcBef>
-                <a:spcPct val="20000"/>
-              </a:spcBef>
-              <a:buChar char="–"/>
-              <a:defRPr kumimoji="1" sz="1200">
-                <a:solidFill>
-                  <a:schemeClr val="tx1"/>
-                </a:solidFill>
-                <a:latin typeface="Arial" panose="020B0604020202020204" pitchFamily="34" charset="0"/>
-                <a:ea typeface="ＭＳ Ｐゴシック" panose="020B0600070205080204" pitchFamily="50" charset="-128"/>
-              </a:defRPr>
-            </a:lvl4pPr>
-            <a:lvl5pPr marL="2057400" indent="-228600" algn="l">
-              <a:spcBef>
-                <a:spcPct val="20000"/>
-              </a:spcBef>
-              <a:buChar char="»"/>
-              <a:defRPr kumimoji="1" sz="1200">
-                <a:solidFill>
-                  <a:schemeClr val="tx1"/>
-                </a:solidFill>
-                <a:latin typeface="Arial" panose="020B0604020202020204" pitchFamily="34" charset="0"/>
-                <a:ea typeface="ＭＳ Ｐゴシック" panose="020B0600070205080204" pitchFamily="50" charset="-128"/>
-              </a:defRPr>
-            </a:lvl5pPr>
-            <a:lvl6pPr marL="2514600" indent="-228600" eaLnBrk="0" fontAlgn="base" hangingPunct="0">
-              <a:spcBef>
-                <a:spcPct val="20000"/>
-              </a:spcBef>
-              <a:spcAft>
-                <a:spcPct val="0"/>
-              </a:spcAft>
-              <a:buChar char="»"/>
-              <a:defRPr kumimoji="1" sz="1200">
-                <a:solidFill>
-                  <a:schemeClr val="tx1"/>
-                </a:solidFill>
-                <a:latin typeface="Arial" panose="020B0604020202020204" pitchFamily="34" charset="0"/>
-                <a:ea typeface="ＭＳ Ｐゴシック" panose="020B0600070205080204" pitchFamily="50" charset="-128"/>
-              </a:defRPr>
-            </a:lvl6pPr>
-            <a:lvl7pPr marL="2971800" indent="-228600" eaLnBrk="0" fontAlgn="base" hangingPunct="0">
-              <a:spcBef>
-                <a:spcPct val="20000"/>
-              </a:spcBef>
-              <a:spcAft>
-                <a:spcPct val="0"/>
-              </a:spcAft>
-              <a:buChar char="»"/>
-              <a:defRPr kumimoji="1" sz="1200">
-                <a:solidFill>
-                  <a:schemeClr val="tx1"/>
-                </a:solidFill>
-                <a:latin typeface="Arial" panose="020B0604020202020204" pitchFamily="34" charset="0"/>
-                <a:ea typeface="ＭＳ Ｐゴシック" panose="020B0600070205080204" pitchFamily="50" charset="-128"/>
-              </a:defRPr>
-            </a:lvl7pPr>
-            <a:lvl8pPr marL="3429000" indent="-228600" eaLnBrk="0" fontAlgn="base" hangingPunct="0">
-              <a:spcBef>
-                <a:spcPct val="20000"/>
-              </a:spcBef>
-              <a:spcAft>
-                <a:spcPct val="0"/>
-              </a:spcAft>
-              <a:buChar char="»"/>
-              <a:defRPr kumimoji="1" sz="1200">
-                <a:solidFill>
-                  <a:schemeClr val="tx1"/>
-                </a:solidFill>
-                <a:latin typeface="Arial" panose="020B0604020202020204" pitchFamily="34" charset="0"/>
-                <a:ea typeface="ＭＳ Ｐゴシック" panose="020B0600070205080204" pitchFamily="50" charset="-128"/>
-              </a:defRPr>
-            </a:lvl8pPr>
-            <a:lvl9pPr marL="3886200" indent="-228600" eaLnBrk="0" fontAlgn="base" hangingPunct="0">
-              <a:spcBef>
-                <a:spcPct val="20000"/>
-              </a:spcBef>
-              <a:spcAft>
-                <a:spcPct val="0"/>
-              </a:spcAft>
-              <a:buChar char="»"/>
-              <a:defRPr kumimoji="1" sz="1200">
-                <a:solidFill>
-                  <a:schemeClr val="tx1"/>
-                </a:solidFill>
-                <a:latin typeface="Arial" panose="020B0604020202020204" pitchFamily="34" charset="0"/>
-                <a:ea typeface="ＭＳ Ｐゴシック" panose="020B0600070205080204" pitchFamily="50" charset="-128"/>
-              </a:defRPr>
-            </a:lvl9pPr>
-          </a:lstStyle>
-          <a:p>
-            <a:pPr>
-              <a:spcBef>
-                <a:spcPct val="50000"/>
-              </a:spcBef>
-            </a:pPr>
-            <a:r>
-              <a:rPr lang="ja-JP" altLang="en-US" dirty="0">
-                <a:ea typeface="MS UI Gothic" panose="020B0600070205080204" pitchFamily="50" charset="-128"/>
-              </a:rPr>
-              <a:t>名前</a:t>
-            </a:r>
-          </a:p>
-        </p:txBody>
-      </p:sp>
-      <p:sp>
-        <p:nvSpPr>
-          <p:cNvPr id="26" name="Text Box 18">
-            <a:extLst>
-              <a:ext uri="{FF2B5EF4-FFF2-40B4-BE49-F238E27FC236}">
-                <a16:creationId xmlns:a16="http://schemas.microsoft.com/office/drawing/2014/main" id="{6EAEA3A0-A7C6-4F01-8B67-0C4BDE6B2D41}"/>
-              </a:ext>
-            </a:extLst>
-          </p:cNvPr>
-          <p:cNvSpPr txBox="1">
-            <a:spLocks noChangeArrowheads="1"/>
-          </p:cNvSpPr>
-          <p:nvPr/>
-        </p:nvSpPr>
-        <p:spPr bwMode="auto">
-          <a:xfrm>
-            <a:off x="354751" y="156863"/>
-            <a:ext cx="7010400" cy="366712"/>
-          </a:xfrm>
-          <a:prstGeom prst="rect">
-            <a:avLst/>
-          </a:prstGeom>
-          <a:noFill/>
-          <a:ln>
-            <a:noFill/>
-          </a:ln>
-          <a:effectLst/>
-          <a:extLst>
-            <a:ext uri="{909E8E84-426E-40DD-AFC4-6F175D3DCCD1}">
-              <a14:hiddenFill xmlns:a14="http://schemas.microsoft.com/office/drawing/2010/main">
-                <a:solidFill>
-                  <a:schemeClr val="accent1"/>
-                </a:solidFill>
-              </a14:hiddenFill>
-            </a:ext>
-            <a:ext uri="{91240B29-F687-4F45-9708-019B960494DF}">
-              <a14:hiddenLine xmlns:a14="http://schemas.microsoft.com/office/drawing/2010/main" w="9525">
-                <a:solidFill>
-                  <a:schemeClr val="tx1"/>
-                </a:solidFill>
-                <a:miter lim="800000"/>
-                <a:headEnd/>
-                <a:tailEnd/>
-              </a14:hiddenLine>
-            </a:ext>
-            <a:ext uri="{AF507438-7753-43E0-B8FC-AC1667EBCBE1}">
-              <a14:hiddenEffects xmlns:a14="http://schemas.microsoft.com/office/drawing/2010/main">
-                <a:effectLst>
-                  <a:outerShdw dist="35921" dir="2700000" algn="ctr" rotWithShape="0">
-                    <a:schemeClr val="bg2"/>
-                  </a:outerShdw>
-                </a:effectLst>
-              </a14:hiddenEffects>
-            </a:ext>
-          </a:extLst>
-        </p:spPr>
-        <p:txBody>
-          <a:bodyPr>
-            <a:spAutoFit/>
-          </a:bodyPr>
-          <a:lstStyle>
-            <a:lvl1pPr algn="l">
-              <a:spcBef>
-                <a:spcPct val="20000"/>
-              </a:spcBef>
-              <a:defRPr kumimoji="1" sz="1200">
-                <a:solidFill>
-                  <a:schemeClr val="tx1"/>
-                </a:solidFill>
-                <a:latin typeface="Arial" panose="020B0604020202020204" pitchFamily="34" charset="0"/>
-                <a:ea typeface="ＭＳ Ｐゴシック" panose="020B0600070205080204" pitchFamily="50" charset="-128"/>
-              </a:defRPr>
-            </a:lvl1pPr>
-            <a:lvl2pPr marL="742950" indent="-285750" algn="l">
-              <a:spcBef>
-                <a:spcPct val="20000"/>
-              </a:spcBef>
-              <a:buChar char="–"/>
-              <a:defRPr kumimoji="1" sz="1200">
-                <a:solidFill>
-                  <a:schemeClr val="tx1"/>
-                </a:solidFill>
-                <a:latin typeface="Arial" panose="020B0604020202020204" pitchFamily="34" charset="0"/>
-                <a:ea typeface="ＭＳ Ｐゴシック" panose="020B0600070205080204" pitchFamily="50" charset="-128"/>
-              </a:defRPr>
-            </a:lvl2pPr>
-            <a:lvl3pPr marL="1143000" indent="-228600" algn="l">
-              <a:spcBef>
-                <a:spcPct val="20000"/>
-              </a:spcBef>
-              <a:buChar char="•"/>
-              <a:defRPr kumimoji="1" sz="1200">
-                <a:solidFill>
-                  <a:schemeClr val="tx1"/>
-                </a:solidFill>
-                <a:latin typeface="Arial" panose="020B0604020202020204" pitchFamily="34" charset="0"/>
-                <a:ea typeface="ＭＳ Ｐゴシック" panose="020B0600070205080204" pitchFamily="50" charset="-128"/>
-              </a:defRPr>
-            </a:lvl3pPr>
-            <a:lvl4pPr marL="1600200" indent="-228600" algn="l">
-              <a:spcBef>
-                <a:spcPct val="20000"/>
-              </a:spcBef>
-              <a:buChar char="–"/>
-              <a:defRPr kumimoji="1" sz="1200">
-                <a:solidFill>
-                  <a:schemeClr val="tx1"/>
-                </a:solidFill>
-                <a:latin typeface="Arial" panose="020B0604020202020204" pitchFamily="34" charset="0"/>
-                <a:ea typeface="ＭＳ Ｐゴシック" panose="020B0600070205080204" pitchFamily="50" charset="-128"/>
-              </a:defRPr>
-            </a:lvl4pPr>
-            <a:lvl5pPr marL="2057400" indent="-228600" algn="l">
-              <a:spcBef>
-                <a:spcPct val="20000"/>
-              </a:spcBef>
-              <a:buChar char="»"/>
-              <a:defRPr kumimoji="1" sz="1200">
-                <a:solidFill>
-                  <a:schemeClr val="tx1"/>
-                </a:solidFill>
-                <a:latin typeface="Arial" panose="020B0604020202020204" pitchFamily="34" charset="0"/>
-                <a:ea typeface="ＭＳ Ｐゴシック" panose="020B0600070205080204" pitchFamily="50" charset="-128"/>
-              </a:defRPr>
-            </a:lvl5pPr>
-            <a:lvl6pPr marL="2514600" indent="-228600" eaLnBrk="0" fontAlgn="base" hangingPunct="0">
-              <a:spcBef>
-                <a:spcPct val="20000"/>
-              </a:spcBef>
-              <a:spcAft>
-                <a:spcPct val="0"/>
-              </a:spcAft>
-              <a:buChar char="»"/>
-              <a:defRPr kumimoji="1" sz="1200">
-                <a:solidFill>
-                  <a:schemeClr val="tx1"/>
-                </a:solidFill>
-                <a:latin typeface="Arial" panose="020B0604020202020204" pitchFamily="34" charset="0"/>
-                <a:ea typeface="ＭＳ Ｐゴシック" panose="020B0600070205080204" pitchFamily="50" charset="-128"/>
-              </a:defRPr>
-            </a:lvl6pPr>
-            <a:lvl7pPr marL="2971800" indent="-228600" eaLnBrk="0" fontAlgn="base" hangingPunct="0">
-              <a:spcBef>
-                <a:spcPct val="20000"/>
-              </a:spcBef>
-              <a:spcAft>
-                <a:spcPct val="0"/>
-              </a:spcAft>
-              <a:buChar char="»"/>
-              <a:defRPr kumimoji="1" sz="1200">
-                <a:solidFill>
-                  <a:schemeClr val="tx1"/>
-                </a:solidFill>
-                <a:latin typeface="Arial" panose="020B0604020202020204" pitchFamily="34" charset="0"/>
-                <a:ea typeface="ＭＳ Ｐゴシック" panose="020B0600070205080204" pitchFamily="50" charset="-128"/>
-              </a:defRPr>
-            </a:lvl7pPr>
-            <a:lvl8pPr marL="3429000" indent="-228600" eaLnBrk="0" fontAlgn="base" hangingPunct="0">
-              <a:spcBef>
-                <a:spcPct val="20000"/>
-              </a:spcBef>
-              <a:spcAft>
-                <a:spcPct val="0"/>
-              </a:spcAft>
-              <a:buChar char="»"/>
-              <a:defRPr kumimoji="1" sz="1200">
-                <a:solidFill>
-                  <a:schemeClr val="tx1"/>
-                </a:solidFill>
-                <a:latin typeface="Arial" panose="020B0604020202020204" pitchFamily="34" charset="0"/>
-                <a:ea typeface="ＭＳ Ｐゴシック" panose="020B0600070205080204" pitchFamily="50" charset="-128"/>
-              </a:defRPr>
-            </a:lvl8pPr>
-            <a:lvl9pPr marL="3886200" indent="-228600" eaLnBrk="0" fontAlgn="base" hangingPunct="0">
-              <a:spcBef>
-                <a:spcPct val="20000"/>
-              </a:spcBef>
-              <a:spcAft>
-                <a:spcPct val="0"/>
-              </a:spcAft>
-              <a:buChar char="»"/>
-              <a:defRPr kumimoji="1" sz="1200">
-                <a:solidFill>
-                  <a:schemeClr val="tx1"/>
-                </a:solidFill>
-                <a:latin typeface="Arial" panose="020B0604020202020204" pitchFamily="34" charset="0"/>
-                <a:ea typeface="ＭＳ Ｐゴシック" panose="020B0600070205080204" pitchFamily="50" charset="-128"/>
-              </a:defRPr>
-            </a:lvl9pPr>
-          </a:lstStyle>
-          <a:p>
-            <a:pPr eaLnBrk="1" hangingPunct="1">
-              <a:spcBef>
-                <a:spcPct val="50000"/>
-              </a:spcBef>
-            </a:pPr>
-            <a:r>
-              <a:rPr lang="ja-JP" altLang="en-US" sz="1800" dirty="0">
-                <a:ea typeface="MS UI Gothic" panose="020B0600070205080204" pitchFamily="50" charset="-128"/>
-              </a:rPr>
-              <a:t>モチベーション曲線を描いてください（例）</a:t>
-            </a:r>
-          </a:p>
-        </p:txBody>
-      </p:sp>
-      <p:grpSp>
-        <p:nvGrpSpPr>
-          <p:cNvPr id="27" name="グループ化 26">
-            <a:extLst>
-              <a:ext uri="{FF2B5EF4-FFF2-40B4-BE49-F238E27FC236}">
-                <a16:creationId xmlns:a16="http://schemas.microsoft.com/office/drawing/2014/main" id="{3C00046E-A4D7-4FDF-9231-76E1E5727B34}"/>
-              </a:ext>
-            </a:extLst>
-          </p:cNvPr>
-          <p:cNvGrpSpPr/>
-          <p:nvPr/>
-        </p:nvGrpSpPr>
-        <p:grpSpPr>
-          <a:xfrm>
-            <a:off x="671744" y="598833"/>
-            <a:ext cx="10848512" cy="2199778"/>
-            <a:chOff x="109415" y="391640"/>
-            <a:chExt cx="9415585" cy="4043835"/>
-          </a:xfrm>
-        </p:grpSpPr>
-        <p:sp>
-          <p:nvSpPr>
-            <p:cNvPr id="28" name="Line 4">
-              <a:extLst>
-                <a:ext uri="{FF2B5EF4-FFF2-40B4-BE49-F238E27FC236}">
-                  <a16:creationId xmlns:a16="http://schemas.microsoft.com/office/drawing/2014/main" id="{069B34A7-AAE1-4646-A244-A67B0C99C80F}"/>
-                </a:ext>
-              </a:extLst>
-            </p:cNvPr>
-            <p:cNvSpPr>
-              <a:spLocks noChangeShapeType="1"/>
-            </p:cNvSpPr>
-            <p:nvPr/>
-          </p:nvSpPr>
-          <p:spPr bwMode="auto">
-            <a:xfrm>
-              <a:off x="631825" y="2511425"/>
-              <a:ext cx="8893175" cy="0"/>
-            </a:xfrm>
-            <a:prstGeom prst="line">
-              <a:avLst/>
-            </a:prstGeom>
-            <a:noFill/>
-            <a:ln w="38100">
-              <a:solidFill>
-                <a:schemeClr val="tx1"/>
-              </a:solidFill>
-              <a:round/>
-              <a:headEnd/>
-              <a:tailEnd type="triangle" w="med" len="lg"/>
-            </a:ln>
-            <a:effectLst/>
-            <a:extLst>
-              <a:ext uri="{909E8E84-426E-40DD-AFC4-6F175D3DCCD1}">
-                <a14:hiddenFill xmlns:a14="http://schemas.microsoft.com/office/drawing/2010/main">
-                  <a:noFill/>
-                </a14:hiddenFill>
-              </a:ext>
-              <a:ext uri="{AF507438-7753-43E0-B8FC-AC1667EBCBE1}">
-                <a14:hiddenEffects xmlns:a14="http://schemas.microsoft.com/office/drawing/2010/main">
-                  <a:effectLst>
-                    <a:outerShdw dist="35921" dir="2700000" algn="ctr" rotWithShape="0">
-                      <a:schemeClr val="bg2"/>
-                    </a:outerShdw>
-                  </a:effectLst>
-                </a14:hiddenEffects>
-              </a:ext>
-            </a:extLst>
-          </p:spPr>
-          <p:txBody>
-            <a:bodyPr/>
-            <a:lstStyle/>
-            <a:p>
-              <a:endParaRPr lang="ja-JP" altLang="en-US"/>
-            </a:p>
-          </p:txBody>
-        </p:sp>
-        <p:sp>
-          <p:nvSpPr>
-            <p:cNvPr id="29" name="Line 5">
-              <a:extLst>
-                <a:ext uri="{FF2B5EF4-FFF2-40B4-BE49-F238E27FC236}">
-                  <a16:creationId xmlns:a16="http://schemas.microsoft.com/office/drawing/2014/main" id="{58767617-2270-4E18-B67D-72DE3D34E364}"/>
-                </a:ext>
-              </a:extLst>
-            </p:cNvPr>
-            <p:cNvSpPr>
-              <a:spLocks noChangeShapeType="1"/>
-            </p:cNvSpPr>
-            <p:nvPr/>
-          </p:nvSpPr>
-          <p:spPr bwMode="auto">
-            <a:xfrm rot="16200000">
-              <a:off x="-592138" y="2490788"/>
-              <a:ext cx="3317875" cy="0"/>
-            </a:xfrm>
-            <a:prstGeom prst="line">
-              <a:avLst/>
-            </a:prstGeom>
-            <a:noFill/>
-            <a:ln w="38100">
-              <a:solidFill>
-                <a:schemeClr val="tx1"/>
-              </a:solidFill>
-              <a:round/>
-              <a:headEnd/>
-              <a:tailEnd type="triangle" w="med" len="lg"/>
-            </a:ln>
-            <a:effectLst/>
-            <a:extLst>
-              <a:ext uri="{909E8E84-426E-40DD-AFC4-6F175D3DCCD1}">
-                <a14:hiddenFill xmlns:a14="http://schemas.microsoft.com/office/drawing/2010/main">
-                  <a:noFill/>
-                </a14:hiddenFill>
-              </a:ext>
-              <a:ext uri="{AF507438-7753-43E0-B8FC-AC1667EBCBE1}">
-                <a14:hiddenEffects xmlns:a14="http://schemas.microsoft.com/office/drawing/2010/main">
-                  <a:effectLst>
-                    <a:outerShdw dist="35921" dir="2700000" algn="ctr" rotWithShape="0">
-                      <a:schemeClr val="bg2"/>
-                    </a:outerShdw>
-                  </a:effectLst>
-                </a14:hiddenEffects>
-              </a:ext>
-            </a:extLst>
-          </p:spPr>
-          <p:txBody>
-            <a:bodyPr/>
-            <a:lstStyle/>
-            <a:p>
-              <a:endParaRPr lang="ja-JP" altLang="en-US"/>
-            </a:p>
-          </p:txBody>
-        </p:sp>
-        <p:sp>
-          <p:nvSpPr>
-            <p:cNvPr id="30" name="Text Box 6">
-              <a:extLst>
-                <a:ext uri="{FF2B5EF4-FFF2-40B4-BE49-F238E27FC236}">
-                  <a16:creationId xmlns:a16="http://schemas.microsoft.com/office/drawing/2014/main" id="{7D9712A5-41C5-4DEC-BD47-F19108031A9C}"/>
-                </a:ext>
-              </a:extLst>
-            </p:cNvPr>
-            <p:cNvSpPr txBox="1">
-              <a:spLocks noChangeArrowheads="1"/>
-            </p:cNvSpPr>
-            <p:nvPr/>
-          </p:nvSpPr>
-          <p:spPr bwMode="auto">
-            <a:xfrm>
-              <a:off x="109415" y="831850"/>
-              <a:ext cx="1000368" cy="599958"/>
-            </a:xfrm>
-            <a:prstGeom prst="rect">
-              <a:avLst/>
-            </a:prstGeom>
-            <a:noFill/>
-            <a:ln>
-              <a:noFill/>
-            </a:ln>
-            <a:effectLst/>
-            <a:extLst>
-              <a:ext uri="{909E8E84-426E-40DD-AFC4-6F175D3DCCD1}">
-                <a14:hiddenFill xmlns:a14="http://schemas.microsoft.com/office/drawing/2010/main">
-                  <a:solidFill>
-                    <a:schemeClr val="accent1"/>
-                  </a:solidFill>
-                </a14:hiddenFill>
-              </a:ext>
-              <a:ext uri="{91240B29-F687-4F45-9708-019B960494DF}">
-                <a14:hiddenLine xmlns:a14="http://schemas.microsoft.com/office/drawing/2010/main" w="9525">
-                  <a:solidFill>
-                    <a:schemeClr val="tx1"/>
-                  </a:solidFill>
-                  <a:miter lim="800000"/>
-                  <a:headEnd/>
-                  <a:tailEnd/>
-                </a14:hiddenLine>
-              </a:ext>
-              <a:ext uri="{AF507438-7753-43E0-B8FC-AC1667EBCBE1}">
-                <a14:hiddenEffects xmlns:a14="http://schemas.microsoft.com/office/drawing/2010/main">
-                  <a:effectLst>
-                    <a:outerShdw dist="35921" dir="2700000" algn="ctr" rotWithShape="0">
-                      <a:schemeClr val="bg2"/>
-                    </a:outerShdw>
-                  </a:effectLst>
-                </a14:hiddenEffects>
-              </a:ext>
-            </a:extLst>
-          </p:spPr>
-          <p:txBody>
-            <a:bodyPr wrap="square">
-              <a:spAutoFit/>
-            </a:bodyPr>
-            <a:lstStyle>
-              <a:lvl1pPr algn="l">
-                <a:spcBef>
-                  <a:spcPct val="20000"/>
-                </a:spcBef>
-                <a:defRPr kumimoji="1" sz="1200">
-                  <a:solidFill>
-                    <a:schemeClr val="tx1"/>
-                  </a:solidFill>
-                  <a:latin typeface="Arial" panose="020B0604020202020204" pitchFamily="34" charset="0"/>
-                  <a:ea typeface="ＭＳ Ｐゴシック" panose="020B0600070205080204" pitchFamily="50" charset="-128"/>
-                </a:defRPr>
-              </a:lvl1pPr>
-              <a:lvl2pPr marL="742950" indent="-285750" algn="l">
-                <a:spcBef>
-                  <a:spcPct val="20000"/>
-                </a:spcBef>
-                <a:buChar char="–"/>
-                <a:defRPr kumimoji="1" sz="1200">
-                  <a:solidFill>
-                    <a:schemeClr val="tx1"/>
-                  </a:solidFill>
-                  <a:latin typeface="Arial" panose="020B0604020202020204" pitchFamily="34" charset="0"/>
-                  <a:ea typeface="ＭＳ Ｐゴシック" panose="020B0600070205080204" pitchFamily="50" charset="-128"/>
-                </a:defRPr>
-              </a:lvl2pPr>
-              <a:lvl3pPr marL="1143000" indent="-228600" algn="l">
-                <a:spcBef>
-                  <a:spcPct val="20000"/>
-                </a:spcBef>
-                <a:buChar char="•"/>
-                <a:defRPr kumimoji="1" sz="1200">
-                  <a:solidFill>
-                    <a:schemeClr val="tx1"/>
-                  </a:solidFill>
-                  <a:latin typeface="Arial" panose="020B0604020202020204" pitchFamily="34" charset="0"/>
-                  <a:ea typeface="ＭＳ Ｐゴシック" panose="020B0600070205080204" pitchFamily="50" charset="-128"/>
-                </a:defRPr>
-              </a:lvl3pPr>
-              <a:lvl4pPr marL="1600200" indent="-228600" algn="l">
-                <a:spcBef>
-                  <a:spcPct val="20000"/>
-                </a:spcBef>
-                <a:buChar char="–"/>
-                <a:defRPr kumimoji="1" sz="1200">
-                  <a:solidFill>
-                    <a:schemeClr val="tx1"/>
-                  </a:solidFill>
-                  <a:latin typeface="Arial" panose="020B0604020202020204" pitchFamily="34" charset="0"/>
-                  <a:ea typeface="ＭＳ Ｐゴシック" panose="020B0600070205080204" pitchFamily="50" charset="-128"/>
-                </a:defRPr>
-              </a:lvl4pPr>
-              <a:lvl5pPr marL="2057400" indent="-228600" algn="l">
-                <a:spcBef>
-                  <a:spcPct val="20000"/>
-                </a:spcBef>
-                <a:buChar char="»"/>
-                <a:defRPr kumimoji="1" sz="1200">
-                  <a:solidFill>
-                    <a:schemeClr val="tx1"/>
-                  </a:solidFill>
-                  <a:latin typeface="Arial" panose="020B0604020202020204" pitchFamily="34" charset="0"/>
-                  <a:ea typeface="ＭＳ Ｐゴシック" panose="020B0600070205080204" pitchFamily="50" charset="-128"/>
-                </a:defRPr>
-              </a:lvl5pPr>
-              <a:lvl6pPr marL="2514600" indent="-228600" eaLnBrk="0" fontAlgn="base" hangingPunct="0">
-                <a:spcBef>
-                  <a:spcPct val="20000"/>
-                </a:spcBef>
-                <a:spcAft>
-                  <a:spcPct val="0"/>
-                </a:spcAft>
-                <a:buChar char="»"/>
-                <a:defRPr kumimoji="1" sz="1200">
-                  <a:solidFill>
-                    <a:schemeClr val="tx1"/>
-                  </a:solidFill>
-                  <a:latin typeface="Arial" panose="020B0604020202020204" pitchFamily="34" charset="0"/>
-                  <a:ea typeface="ＭＳ Ｐゴシック" panose="020B0600070205080204" pitchFamily="50" charset="-128"/>
-                </a:defRPr>
-              </a:lvl6pPr>
-              <a:lvl7pPr marL="2971800" indent="-228600" eaLnBrk="0" fontAlgn="base" hangingPunct="0">
-                <a:spcBef>
-                  <a:spcPct val="20000"/>
-                </a:spcBef>
-                <a:spcAft>
-                  <a:spcPct val="0"/>
-                </a:spcAft>
-                <a:buChar char="»"/>
-                <a:defRPr kumimoji="1" sz="1200">
-                  <a:solidFill>
-                    <a:schemeClr val="tx1"/>
-                  </a:solidFill>
-                  <a:latin typeface="Arial" panose="020B0604020202020204" pitchFamily="34" charset="0"/>
-                  <a:ea typeface="ＭＳ Ｐゴシック" panose="020B0600070205080204" pitchFamily="50" charset="-128"/>
-                </a:defRPr>
-              </a:lvl7pPr>
-              <a:lvl8pPr marL="3429000" indent="-228600" eaLnBrk="0" fontAlgn="base" hangingPunct="0">
-                <a:spcBef>
-                  <a:spcPct val="20000"/>
-                </a:spcBef>
-                <a:spcAft>
-                  <a:spcPct val="0"/>
-                </a:spcAft>
-                <a:buChar char="»"/>
-                <a:defRPr kumimoji="1" sz="1200">
-                  <a:solidFill>
-                    <a:schemeClr val="tx1"/>
-                  </a:solidFill>
-                  <a:latin typeface="Arial" panose="020B0604020202020204" pitchFamily="34" charset="0"/>
-                  <a:ea typeface="ＭＳ Ｐゴシック" panose="020B0600070205080204" pitchFamily="50" charset="-128"/>
-                </a:defRPr>
-              </a:lvl8pPr>
-              <a:lvl9pPr marL="3886200" indent="-228600" eaLnBrk="0" fontAlgn="base" hangingPunct="0">
-                <a:spcBef>
-                  <a:spcPct val="20000"/>
-                </a:spcBef>
-                <a:spcAft>
-                  <a:spcPct val="0"/>
-                </a:spcAft>
-                <a:buChar char="»"/>
-                <a:defRPr kumimoji="1" sz="1200">
-                  <a:solidFill>
-                    <a:schemeClr val="tx1"/>
-                  </a:solidFill>
-                  <a:latin typeface="Arial" panose="020B0604020202020204" pitchFamily="34" charset="0"/>
-                  <a:ea typeface="ＭＳ Ｐゴシック" panose="020B0600070205080204" pitchFamily="50" charset="-128"/>
-                </a:defRPr>
-              </a:lvl9pPr>
-            </a:lstStyle>
-            <a:p>
-              <a:pPr algn="ctr" eaLnBrk="1" hangingPunct="1">
-                <a:spcBef>
-                  <a:spcPct val="50000"/>
-                </a:spcBef>
-              </a:pPr>
-              <a:r>
-                <a:rPr lang="en-US" altLang="ja-JP" sz="2000" dirty="0">
-                  <a:ea typeface="MS UI Gothic" panose="020B0600070205080204" pitchFamily="50" charset="-128"/>
-                </a:rPr>
-                <a:t>High</a:t>
-              </a:r>
-            </a:p>
-          </p:txBody>
-        </p:sp>
-        <p:sp>
-          <p:nvSpPr>
-            <p:cNvPr id="31" name="Text Box 7">
-              <a:extLst>
-                <a:ext uri="{FF2B5EF4-FFF2-40B4-BE49-F238E27FC236}">
-                  <a16:creationId xmlns:a16="http://schemas.microsoft.com/office/drawing/2014/main" id="{2287795E-8F5F-4B6E-B07C-5FD32037B0AB}"/>
-                </a:ext>
-              </a:extLst>
-            </p:cNvPr>
-            <p:cNvSpPr txBox="1">
-              <a:spLocks noChangeArrowheads="1"/>
-            </p:cNvSpPr>
-            <p:nvPr/>
-          </p:nvSpPr>
-          <p:spPr bwMode="auto">
-            <a:xfrm>
-              <a:off x="228600" y="3789363"/>
-              <a:ext cx="762000" cy="396875"/>
-            </a:xfrm>
-            <a:prstGeom prst="rect">
-              <a:avLst/>
-            </a:prstGeom>
-            <a:noFill/>
-            <a:ln>
-              <a:noFill/>
-            </a:ln>
-            <a:effectLst/>
-            <a:extLst>
-              <a:ext uri="{909E8E84-426E-40DD-AFC4-6F175D3DCCD1}">
-                <a14:hiddenFill xmlns:a14="http://schemas.microsoft.com/office/drawing/2010/main">
-                  <a:solidFill>
-                    <a:schemeClr val="accent1"/>
-                  </a:solidFill>
-                </a14:hiddenFill>
-              </a:ext>
-              <a:ext uri="{91240B29-F687-4F45-9708-019B960494DF}">
-                <a14:hiddenLine xmlns:a14="http://schemas.microsoft.com/office/drawing/2010/main" w="9525">
-                  <a:solidFill>
-                    <a:schemeClr val="tx1"/>
-                  </a:solidFill>
-                  <a:miter lim="800000"/>
-                  <a:headEnd/>
-                  <a:tailEnd/>
-                </a14:hiddenLine>
-              </a:ext>
-              <a:ext uri="{AF507438-7753-43E0-B8FC-AC1667EBCBE1}">
-                <a14:hiddenEffects xmlns:a14="http://schemas.microsoft.com/office/drawing/2010/main">
-                  <a:effectLst>
-                    <a:outerShdw dist="35921" dir="2700000" algn="ctr" rotWithShape="0">
-                      <a:schemeClr val="bg2"/>
-                    </a:outerShdw>
-                  </a:effectLst>
-                </a14:hiddenEffects>
-              </a:ext>
-            </a:extLst>
-          </p:spPr>
-          <p:txBody>
-            <a:bodyPr>
-              <a:spAutoFit/>
-            </a:bodyPr>
-            <a:lstStyle>
-              <a:lvl1pPr algn="l">
-                <a:spcBef>
-                  <a:spcPct val="20000"/>
-                </a:spcBef>
-                <a:defRPr kumimoji="1" sz="1200">
-                  <a:solidFill>
-                    <a:schemeClr val="tx1"/>
-                  </a:solidFill>
-                  <a:latin typeface="Arial" panose="020B0604020202020204" pitchFamily="34" charset="0"/>
-                  <a:ea typeface="ＭＳ Ｐゴシック" panose="020B0600070205080204" pitchFamily="50" charset="-128"/>
-                </a:defRPr>
-              </a:lvl1pPr>
-              <a:lvl2pPr marL="742950" indent="-285750" algn="l">
-                <a:spcBef>
-                  <a:spcPct val="20000"/>
-                </a:spcBef>
-                <a:buChar char="–"/>
-                <a:defRPr kumimoji="1" sz="1200">
-                  <a:solidFill>
-                    <a:schemeClr val="tx1"/>
-                  </a:solidFill>
-                  <a:latin typeface="Arial" panose="020B0604020202020204" pitchFamily="34" charset="0"/>
-                  <a:ea typeface="ＭＳ Ｐゴシック" panose="020B0600070205080204" pitchFamily="50" charset="-128"/>
-                </a:defRPr>
-              </a:lvl2pPr>
-              <a:lvl3pPr marL="1143000" indent="-228600" algn="l">
-                <a:spcBef>
-                  <a:spcPct val="20000"/>
-                </a:spcBef>
-                <a:buChar char="•"/>
-                <a:defRPr kumimoji="1" sz="1200">
-                  <a:solidFill>
-                    <a:schemeClr val="tx1"/>
-                  </a:solidFill>
-                  <a:latin typeface="Arial" panose="020B0604020202020204" pitchFamily="34" charset="0"/>
-                  <a:ea typeface="ＭＳ Ｐゴシック" panose="020B0600070205080204" pitchFamily="50" charset="-128"/>
-                </a:defRPr>
-              </a:lvl3pPr>
-              <a:lvl4pPr marL="1600200" indent="-228600" algn="l">
-                <a:spcBef>
-                  <a:spcPct val="20000"/>
-                </a:spcBef>
-                <a:buChar char="–"/>
-                <a:defRPr kumimoji="1" sz="1200">
-                  <a:solidFill>
-                    <a:schemeClr val="tx1"/>
-                  </a:solidFill>
-                  <a:latin typeface="Arial" panose="020B0604020202020204" pitchFamily="34" charset="0"/>
-                  <a:ea typeface="ＭＳ Ｐゴシック" panose="020B0600070205080204" pitchFamily="50" charset="-128"/>
-                </a:defRPr>
-              </a:lvl4pPr>
-              <a:lvl5pPr marL="2057400" indent="-228600" algn="l">
-                <a:spcBef>
-                  <a:spcPct val="20000"/>
-                </a:spcBef>
-                <a:buChar char="»"/>
-                <a:defRPr kumimoji="1" sz="1200">
-                  <a:solidFill>
-                    <a:schemeClr val="tx1"/>
-                  </a:solidFill>
-                  <a:latin typeface="Arial" panose="020B0604020202020204" pitchFamily="34" charset="0"/>
-                  <a:ea typeface="ＭＳ Ｐゴシック" panose="020B0600070205080204" pitchFamily="50" charset="-128"/>
-                </a:defRPr>
-              </a:lvl5pPr>
-              <a:lvl6pPr marL="2514600" indent="-228600" eaLnBrk="0" fontAlgn="base" hangingPunct="0">
-                <a:spcBef>
-                  <a:spcPct val="20000"/>
-                </a:spcBef>
-                <a:spcAft>
-                  <a:spcPct val="0"/>
-                </a:spcAft>
-                <a:buChar char="»"/>
-                <a:defRPr kumimoji="1" sz="1200">
-                  <a:solidFill>
-                    <a:schemeClr val="tx1"/>
-                  </a:solidFill>
-                  <a:latin typeface="Arial" panose="020B0604020202020204" pitchFamily="34" charset="0"/>
-                  <a:ea typeface="ＭＳ Ｐゴシック" panose="020B0600070205080204" pitchFamily="50" charset="-128"/>
-                </a:defRPr>
-              </a:lvl6pPr>
-              <a:lvl7pPr marL="2971800" indent="-228600" eaLnBrk="0" fontAlgn="base" hangingPunct="0">
-                <a:spcBef>
-                  <a:spcPct val="20000"/>
-                </a:spcBef>
-                <a:spcAft>
-                  <a:spcPct val="0"/>
-                </a:spcAft>
-                <a:buChar char="»"/>
-                <a:defRPr kumimoji="1" sz="1200">
-                  <a:solidFill>
-                    <a:schemeClr val="tx1"/>
-                  </a:solidFill>
-                  <a:latin typeface="Arial" panose="020B0604020202020204" pitchFamily="34" charset="0"/>
-                  <a:ea typeface="ＭＳ Ｐゴシック" panose="020B0600070205080204" pitchFamily="50" charset="-128"/>
-                </a:defRPr>
-              </a:lvl7pPr>
-              <a:lvl8pPr marL="3429000" indent="-228600" eaLnBrk="0" fontAlgn="base" hangingPunct="0">
-                <a:spcBef>
-                  <a:spcPct val="20000"/>
-                </a:spcBef>
-                <a:spcAft>
-                  <a:spcPct val="0"/>
-                </a:spcAft>
-                <a:buChar char="»"/>
-                <a:defRPr kumimoji="1" sz="1200">
-                  <a:solidFill>
-                    <a:schemeClr val="tx1"/>
-                  </a:solidFill>
-                  <a:latin typeface="Arial" panose="020B0604020202020204" pitchFamily="34" charset="0"/>
-                  <a:ea typeface="ＭＳ Ｐゴシック" panose="020B0600070205080204" pitchFamily="50" charset="-128"/>
-                </a:defRPr>
-              </a:lvl8pPr>
-              <a:lvl9pPr marL="3886200" indent="-228600" eaLnBrk="0" fontAlgn="base" hangingPunct="0">
-                <a:spcBef>
-                  <a:spcPct val="20000"/>
-                </a:spcBef>
-                <a:spcAft>
-                  <a:spcPct val="0"/>
-                </a:spcAft>
-                <a:buChar char="»"/>
-                <a:defRPr kumimoji="1" sz="1200">
-                  <a:solidFill>
-                    <a:schemeClr val="tx1"/>
-                  </a:solidFill>
-                  <a:latin typeface="Arial" panose="020B0604020202020204" pitchFamily="34" charset="0"/>
-                  <a:ea typeface="ＭＳ Ｐゴシック" panose="020B0600070205080204" pitchFamily="50" charset="-128"/>
-                </a:defRPr>
-              </a:lvl9pPr>
-            </a:lstStyle>
-            <a:p>
-              <a:pPr algn="ctr" eaLnBrk="1" hangingPunct="1">
-                <a:spcBef>
-                  <a:spcPct val="50000"/>
-                </a:spcBef>
-              </a:pPr>
-              <a:r>
-                <a:rPr lang="en-US" altLang="ja-JP" sz="2000" dirty="0">
-                  <a:ea typeface="MS UI Gothic" panose="020B0600070205080204" pitchFamily="50" charset="-128"/>
-                </a:rPr>
-                <a:t>Low</a:t>
-              </a:r>
-            </a:p>
-          </p:txBody>
-        </p:sp>
-        <p:sp>
-          <p:nvSpPr>
-            <p:cNvPr id="32" name="Line 13">
-              <a:extLst>
-                <a:ext uri="{FF2B5EF4-FFF2-40B4-BE49-F238E27FC236}">
-                  <a16:creationId xmlns:a16="http://schemas.microsoft.com/office/drawing/2014/main" id="{3DDA3D60-5D05-4103-9C14-85FEBB967D4B}"/>
-                </a:ext>
-              </a:extLst>
-            </p:cNvPr>
-            <p:cNvSpPr>
-              <a:spLocks noChangeShapeType="1"/>
-            </p:cNvSpPr>
-            <p:nvPr/>
-          </p:nvSpPr>
-          <p:spPr bwMode="auto">
-            <a:xfrm flipH="1">
-              <a:off x="3154363" y="865188"/>
-              <a:ext cx="0" cy="3284537"/>
-            </a:xfrm>
-            <a:prstGeom prst="line">
-              <a:avLst/>
-            </a:prstGeom>
-            <a:noFill/>
-            <a:ln w="9525" cap="rnd">
-              <a:solidFill>
-                <a:schemeClr val="tx1"/>
-              </a:solidFill>
-              <a:prstDash val="sysDot"/>
-              <a:round/>
-              <a:headEnd/>
-              <a:tailEnd/>
-            </a:ln>
-            <a:effectLst/>
-            <a:extLst>
-              <a:ext uri="{909E8E84-426E-40DD-AFC4-6F175D3DCCD1}">
-                <a14:hiddenFill xmlns:a14="http://schemas.microsoft.com/office/drawing/2010/main">
-                  <a:noFill/>
-                </a14:hiddenFill>
-              </a:ext>
-              <a:ext uri="{AF507438-7753-43E0-B8FC-AC1667EBCBE1}">
-                <a14:hiddenEffects xmlns:a14="http://schemas.microsoft.com/office/drawing/2010/main">
-                  <a:effectLst>
-                    <a:outerShdw dist="107763" dir="2700000" algn="ctr" rotWithShape="0">
-                      <a:schemeClr val="bg2"/>
-                    </a:outerShdw>
-                  </a:effectLst>
-                </a14:hiddenEffects>
-              </a:ext>
-            </a:extLst>
-          </p:spPr>
-          <p:txBody>
-            <a:bodyPr anchor="ctr">
-              <a:spAutoFit/>
-            </a:bodyPr>
-            <a:lstStyle/>
-            <a:p>
-              <a:endParaRPr lang="ja-JP" altLang="en-US"/>
-            </a:p>
-          </p:txBody>
-        </p:sp>
-        <p:sp>
-          <p:nvSpPr>
-            <p:cNvPr id="33" name="Line 14">
-              <a:extLst>
-                <a:ext uri="{FF2B5EF4-FFF2-40B4-BE49-F238E27FC236}">
-                  <a16:creationId xmlns:a16="http://schemas.microsoft.com/office/drawing/2014/main" id="{045B398A-5281-4714-9FC3-4A87D0CC9C81}"/>
-                </a:ext>
-              </a:extLst>
-            </p:cNvPr>
-            <p:cNvSpPr>
-              <a:spLocks noChangeShapeType="1"/>
-            </p:cNvSpPr>
-            <p:nvPr/>
-          </p:nvSpPr>
-          <p:spPr bwMode="auto">
-            <a:xfrm flipH="1">
-              <a:off x="5241925" y="865188"/>
-              <a:ext cx="0" cy="3284537"/>
-            </a:xfrm>
-            <a:prstGeom prst="line">
-              <a:avLst/>
-            </a:prstGeom>
-            <a:noFill/>
-            <a:ln w="9525" cap="rnd">
-              <a:solidFill>
-                <a:schemeClr val="tx1"/>
-              </a:solidFill>
-              <a:prstDash val="sysDot"/>
-              <a:round/>
-              <a:headEnd/>
-              <a:tailEnd/>
-            </a:ln>
-            <a:effectLst/>
-            <a:extLst>
-              <a:ext uri="{909E8E84-426E-40DD-AFC4-6F175D3DCCD1}">
-                <a14:hiddenFill xmlns:a14="http://schemas.microsoft.com/office/drawing/2010/main">
-                  <a:noFill/>
-                </a14:hiddenFill>
-              </a:ext>
-              <a:ext uri="{AF507438-7753-43E0-B8FC-AC1667EBCBE1}">
-                <a14:hiddenEffects xmlns:a14="http://schemas.microsoft.com/office/drawing/2010/main">
-                  <a:effectLst>
-                    <a:outerShdw dist="107763" dir="2700000" algn="ctr" rotWithShape="0">
-                      <a:schemeClr val="bg2"/>
-                    </a:outerShdw>
-                  </a:effectLst>
-                </a14:hiddenEffects>
-              </a:ext>
-            </a:extLst>
-          </p:spPr>
-          <p:txBody>
-            <a:bodyPr anchor="ctr">
-              <a:spAutoFit/>
-            </a:bodyPr>
-            <a:lstStyle/>
-            <a:p>
-              <a:endParaRPr lang="ja-JP" altLang="en-US"/>
-            </a:p>
-          </p:txBody>
-        </p:sp>
-        <p:sp>
-          <p:nvSpPr>
-            <p:cNvPr id="34" name="Line 15">
-              <a:extLst>
-                <a:ext uri="{FF2B5EF4-FFF2-40B4-BE49-F238E27FC236}">
-                  <a16:creationId xmlns:a16="http://schemas.microsoft.com/office/drawing/2014/main" id="{275D4C6A-AF17-426E-BAE8-DA2B9A740A0B}"/>
-                </a:ext>
-              </a:extLst>
-            </p:cNvPr>
-            <p:cNvSpPr>
-              <a:spLocks noChangeShapeType="1"/>
-            </p:cNvSpPr>
-            <p:nvPr/>
-          </p:nvSpPr>
-          <p:spPr bwMode="auto">
-            <a:xfrm flipH="1">
-              <a:off x="9525000" y="865188"/>
-              <a:ext cx="0" cy="3284537"/>
-            </a:xfrm>
-            <a:prstGeom prst="line">
-              <a:avLst/>
-            </a:prstGeom>
-            <a:noFill/>
-            <a:ln w="9525" cap="rnd">
-              <a:solidFill>
-                <a:schemeClr val="tx1"/>
-              </a:solidFill>
-              <a:prstDash val="sysDot"/>
-              <a:round/>
-              <a:headEnd/>
-              <a:tailEnd/>
-            </a:ln>
-            <a:effectLst/>
-            <a:extLst>
-              <a:ext uri="{909E8E84-426E-40DD-AFC4-6F175D3DCCD1}">
-                <a14:hiddenFill xmlns:a14="http://schemas.microsoft.com/office/drawing/2010/main">
-                  <a:noFill/>
-                </a14:hiddenFill>
-              </a:ext>
-              <a:ext uri="{AF507438-7753-43E0-B8FC-AC1667EBCBE1}">
-                <a14:hiddenEffects xmlns:a14="http://schemas.microsoft.com/office/drawing/2010/main">
-                  <a:effectLst>
-                    <a:outerShdw dist="107763" dir="2700000" algn="ctr" rotWithShape="0">
-                      <a:schemeClr val="bg2"/>
-                    </a:outerShdw>
-                  </a:effectLst>
-                </a14:hiddenEffects>
-              </a:ext>
-            </a:extLst>
-          </p:spPr>
-          <p:txBody>
-            <a:bodyPr anchor="ctr">
-              <a:spAutoFit/>
-            </a:bodyPr>
-            <a:lstStyle/>
-            <a:p>
-              <a:endParaRPr lang="ja-JP" altLang="en-US"/>
-            </a:p>
-          </p:txBody>
-        </p:sp>
-        <p:sp>
-          <p:nvSpPr>
-            <p:cNvPr id="35" name="Line 16">
-              <a:extLst>
-                <a:ext uri="{FF2B5EF4-FFF2-40B4-BE49-F238E27FC236}">
-                  <a16:creationId xmlns:a16="http://schemas.microsoft.com/office/drawing/2014/main" id="{2B0AF895-6524-4152-86D8-8E160D72F0A6}"/>
-                </a:ext>
-              </a:extLst>
-            </p:cNvPr>
-            <p:cNvSpPr>
-              <a:spLocks noChangeShapeType="1"/>
-            </p:cNvSpPr>
-            <p:nvPr/>
-          </p:nvSpPr>
-          <p:spPr bwMode="auto">
-            <a:xfrm>
-              <a:off x="1066800" y="855663"/>
-              <a:ext cx="8458200" cy="0"/>
-            </a:xfrm>
-            <a:prstGeom prst="line">
-              <a:avLst/>
-            </a:prstGeom>
-            <a:noFill/>
-            <a:ln w="9525" cap="rnd">
-              <a:solidFill>
-                <a:schemeClr val="tx1"/>
-              </a:solidFill>
-              <a:prstDash val="sysDot"/>
-              <a:round/>
-              <a:headEnd/>
-              <a:tailEnd/>
-            </a:ln>
-            <a:effectLst/>
-            <a:extLst>
-              <a:ext uri="{909E8E84-426E-40DD-AFC4-6F175D3DCCD1}">
-                <a14:hiddenFill xmlns:a14="http://schemas.microsoft.com/office/drawing/2010/main">
-                  <a:noFill/>
-                </a14:hiddenFill>
-              </a:ext>
-              <a:ext uri="{AF507438-7753-43E0-B8FC-AC1667EBCBE1}">
-                <a14:hiddenEffects xmlns:a14="http://schemas.microsoft.com/office/drawing/2010/main">
-                  <a:effectLst>
-                    <a:outerShdw dist="107763" dir="2700000" algn="ctr" rotWithShape="0">
-                      <a:schemeClr val="bg2"/>
-                    </a:outerShdw>
-                  </a:effectLst>
-                </a14:hiddenEffects>
-              </a:ext>
-            </a:extLst>
-          </p:spPr>
-          <p:txBody>
-            <a:bodyPr wrap="none" anchor="ctr">
-              <a:spAutoFit/>
-            </a:bodyPr>
-            <a:lstStyle/>
-            <a:p>
-              <a:endParaRPr lang="ja-JP" altLang="en-US"/>
-            </a:p>
-          </p:txBody>
-        </p:sp>
-        <p:sp>
-          <p:nvSpPr>
-            <p:cNvPr id="36" name="Line 17">
-              <a:extLst>
-                <a:ext uri="{FF2B5EF4-FFF2-40B4-BE49-F238E27FC236}">
-                  <a16:creationId xmlns:a16="http://schemas.microsoft.com/office/drawing/2014/main" id="{4445DE5D-898B-42BE-829A-8849BA5EEEB4}"/>
-                </a:ext>
-              </a:extLst>
-            </p:cNvPr>
-            <p:cNvSpPr>
-              <a:spLocks noChangeShapeType="1"/>
-            </p:cNvSpPr>
-            <p:nvPr/>
-          </p:nvSpPr>
-          <p:spPr bwMode="auto">
-            <a:xfrm>
-              <a:off x="1066800" y="4149725"/>
-              <a:ext cx="8458200" cy="0"/>
-            </a:xfrm>
-            <a:prstGeom prst="line">
-              <a:avLst/>
-            </a:prstGeom>
-            <a:noFill/>
-            <a:ln w="9525" cap="rnd">
-              <a:solidFill>
-                <a:schemeClr val="tx1"/>
-              </a:solidFill>
-              <a:prstDash val="sysDot"/>
-              <a:round/>
-              <a:headEnd/>
-              <a:tailEnd/>
-            </a:ln>
-            <a:effectLst/>
-            <a:extLst>
-              <a:ext uri="{909E8E84-426E-40DD-AFC4-6F175D3DCCD1}">
-                <a14:hiddenFill xmlns:a14="http://schemas.microsoft.com/office/drawing/2010/main">
-                  <a:noFill/>
-                </a14:hiddenFill>
-              </a:ext>
-              <a:ext uri="{AF507438-7753-43E0-B8FC-AC1667EBCBE1}">
-                <a14:hiddenEffects xmlns:a14="http://schemas.microsoft.com/office/drawing/2010/main">
-                  <a:effectLst>
-                    <a:outerShdw dist="107763" dir="2700000" algn="ctr" rotWithShape="0">
-                      <a:schemeClr val="bg2"/>
-                    </a:outerShdw>
-                  </a:effectLst>
-                </a14:hiddenEffects>
-              </a:ext>
-            </a:extLst>
-          </p:spPr>
-          <p:txBody>
-            <a:bodyPr wrap="none" anchor="ctr">
-              <a:spAutoFit/>
-            </a:bodyPr>
-            <a:lstStyle/>
-            <a:p>
-              <a:endParaRPr lang="ja-JP" altLang="en-US"/>
-            </a:p>
-          </p:txBody>
-        </p:sp>
-        <p:sp>
-          <p:nvSpPr>
-            <p:cNvPr id="37" name="Line 14">
-              <a:extLst>
-                <a:ext uri="{FF2B5EF4-FFF2-40B4-BE49-F238E27FC236}">
-                  <a16:creationId xmlns:a16="http://schemas.microsoft.com/office/drawing/2014/main" id="{35E1F67B-6D83-4864-8EE4-9EE0E31C20ED}"/>
-                </a:ext>
-              </a:extLst>
-            </p:cNvPr>
-            <p:cNvSpPr>
-              <a:spLocks noChangeShapeType="1"/>
-            </p:cNvSpPr>
-            <p:nvPr/>
-          </p:nvSpPr>
-          <p:spPr bwMode="auto">
-            <a:xfrm flipH="1">
-              <a:off x="7329488" y="874713"/>
-              <a:ext cx="0" cy="3275012"/>
-            </a:xfrm>
-            <a:prstGeom prst="line">
-              <a:avLst/>
-            </a:prstGeom>
-            <a:noFill/>
-            <a:ln w="9525" cap="rnd">
-              <a:solidFill>
-                <a:schemeClr val="tx1"/>
-              </a:solidFill>
-              <a:prstDash val="sysDot"/>
-              <a:round/>
-              <a:headEnd/>
-              <a:tailEnd/>
-            </a:ln>
-            <a:effectLst/>
-            <a:extLst>
-              <a:ext uri="{909E8E84-426E-40DD-AFC4-6F175D3DCCD1}">
-                <a14:hiddenFill xmlns:a14="http://schemas.microsoft.com/office/drawing/2010/main">
-                  <a:noFill/>
-                </a14:hiddenFill>
-              </a:ext>
-              <a:ext uri="{AF507438-7753-43E0-B8FC-AC1667EBCBE1}">
-                <a14:hiddenEffects xmlns:a14="http://schemas.microsoft.com/office/drawing/2010/main">
-                  <a:effectLst>
-                    <a:outerShdw dist="107763" dir="2700000" algn="ctr" rotWithShape="0">
-                      <a:schemeClr val="bg2"/>
-                    </a:outerShdw>
-                  </a:effectLst>
-                </a14:hiddenEffects>
-              </a:ext>
-            </a:extLst>
-          </p:spPr>
-          <p:txBody>
-            <a:bodyPr anchor="ctr">
-              <a:spAutoFit/>
-            </a:bodyPr>
-            <a:lstStyle/>
-            <a:p>
-              <a:endParaRPr lang="ja-JP" altLang="en-US"/>
-            </a:p>
-          </p:txBody>
-        </p:sp>
-        <p:sp>
-          <p:nvSpPr>
-            <p:cNvPr id="38" name="Text Box 10">
-              <a:extLst>
-                <a:ext uri="{FF2B5EF4-FFF2-40B4-BE49-F238E27FC236}">
-                  <a16:creationId xmlns:a16="http://schemas.microsoft.com/office/drawing/2014/main" id="{B4D771E0-0B21-4569-B7C0-9F0DE5968330}"/>
-                </a:ext>
-              </a:extLst>
-            </p:cNvPr>
-            <p:cNvSpPr txBox="1">
-              <a:spLocks noChangeArrowheads="1"/>
-            </p:cNvSpPr>
-            <p:nvPr/>
-          </p:nvSpPr>
-          <p:spPr bwMode="auto">
-            <a:xfrm>
-              <a:off x="1816100" y="4146550"/>
-              <a:ext cx="646113" cy="276225"/>
-            </a:xfrm>
-            <a:prstGeom prst="rect">
-              <a:avLst/>
-            </a:prstGeom>
-            <a:noFill/>
-            <a:ln>
-              <a:noFill/>
-            </a:ln>
-            <a:effectLst/>
-            <a:extLst>
-              <a:ext uri="{909E8E84-426E-40DD-AFC4-6F175D3DCCD1}">
-                <a14:hiddenFill xmlns:a14="http://schemas.microsoft.com/office/drawing/2010/main">
-                  <a:solidFill>
-                    <a:schemeClr val="accent1"/>
-                  </a:solidFill>
-                </a14:hiddenFill>
-              </a:ext>
-              <a:ext uri="{91240B29-F687-4F45-9708-019B960494DF}">
-                <a14:hiddenLine xmlns:a14="http://schemas.microsoft.com/office/drawing/2010/main" w="9525">
-                  <a:solidFill>
-                    <a:schemeClr val="tx1"/>
-                  </a:solidFill>
-                  <a:miter lim="800000"/>
-                  <a:headEnd/>
-                  <a:tailEnd/>
-                </a14:hiddenLine>
-              </a:ext>
-              <a:ext uri="{AF507438-7753-43E0-B8FC-AC1667EBCBE1}">
-                <a14:hiddenEffects xmlns:a14="http://schemas.microsoft.com/office/drawing/2010/main">
-                  <a:effectLst>
-                    <a:outerShdw dist="35921" dir="2700000" algn="ctr" rotWithShape="0">
-                      <a:schemeClr val="bg2"/>
-                    </a:outerShdw>
-                  </a:effectLst>
-                </a14:hiddenEffects>
-              </a:ext>
-            </a:extLst>
-          </p:spPr>
-          <p:txBody>
-            <a:bodyPr wrap="none">
-              <a:spAutoFit/>
-            </a:bodyPr>
-            <a:lstStyle>
-              <a:lvl1pPr algn="l">
-                <a:spcBef>
-                  <a:spcPct val="20000"/>
-                </a:spcBef>
-                <a:defRPr kumimoji="1" sz="1200">
-                  <a:solidFill>
-                    <a:schemeClr val="tx1"/>
-                  </a:solidFill>
-                  <a:latin typeface="Arial" panose="020B0604020202020204" pitchFamily="34" charset="0"/>
-                  <a:ea typeface="ＭＳ Ｐゴシック" panose="020B0600070205080204" pitchFamily="50" charset="-128"/>
-                </a:defRPr>
-              </a:lvl1pPr>
-              <a:lvl2pPr marL="742950" indent="-285750" algn="l">
-                <a:spcBef>
-                  <a:spcPct val="20000"/>
-                </a:spcBef>
-                <a:buChar char="–"/>
-                <a:defRPr kumimoji="1" sz="1200">
-                  <a:solidFill>
-                    <a:schemeClr val="tx1"/>
-                  </a:solidFill>
-                  <a:latin typeface="Arial" panose="020B0604020202020204" pitchFamily="34" charset="0"/>
-                  <a:ea typeface="ＭＳ Ｐゴシック" panose="020B0600070205080204" pitchFamily="50" charset="-128"/>
-                </a:defRPr>
-              </a:lvl2pPr>
-              <a:lvl3pPr marL="1143000" indent="-228600" algn="l">
-                <a:spcBef>
-                  <a:spcPct val="20000"/>
-                </a:spcBef>
-                <a:buChar char="•"/>
-                <a:defRPr kumimoji="1" sz="1200">
-                  <a:solidFill>
-                    <a:schemeClr val="tx1"/>
-                  </a:solidFill>
-                  <a:latin typeface="Arial" panose="020B0604020202020204" pitchFamily="34" charset="0"/>
-                  <a:ea typeface="ＭＳ Ｐゴシック" panose="020B0600070205080204" pitchFamily="50" charset="-128"/>
-                </a:defRPr>
-              </a:lvl3pPr>
-              <a:lvl4pPr marL="1600200" indent="-228600" algn="l">
-                <a:spcBef>
-                  <a:spcPct val="20000"/>
-                </a:spcBef>
-                <a:buChar char="–"/>
-                <a:defRPr kumimoji="1" sz="1200">
-                  <a:solidFill>
-                    <a:schemeClr val="tx1"/>
-                  </a:solidFill>
-                  <a:latin typeface="Arial" panose="020B0604020202020204" pitchFamily="34" charset="0"/>
-                  <a:ea typeface="ＭＳ Ｐゴシック" panose="020B0600070205080204" pitchFamily="50" charset="-128"/>
-                </a:defRPr>
-              </a:lvl4pPr>
-              <a:lvl5pPr marL="2057400" indent="-228600" algn="l">
-                <a:spcBef>
-                  <a:spcPct val="20000"/>
-                </a:spcBef>
-                <a:buChar char="»"/>
-                <a:defRPr kumimoji="1" sz="1200">
-                  <a:solidFill>
-                    <a:schemeClr val="tx1"/>
-                  </a:solidFill>
-                  <a:latin typeface="Arial" panose="020B0604020202020204" pitchFamily="34" charset="0"/>
-                  <a:ea typeface="ＭＳ Ｐゴシック" panose="020B0600070205080204" pitchFamily="50" charset="-128"/>
-                </a:defRPr>
-              </a:lvl5pPr>
-              <a:lvl6pPr marL="2514600" indent="-228600" eaLnBrk="0" fontAlgn="base" hangingPunct="0">
-                <a:spcBef>
-                  <a:spcPct val="20000"/>
-                </a:spcBef>
-                <a:spcAft>
-                  <a:spcPct val="0"/>
-                </a:spcAft>
-                <a:buChar char="»"/>
-                <a:defRPr kumimoji="1" sz="1200">
-                  <a:solidFill>
-                    <a:schemeClr val="tx1"/>
-                  </a:solidFill>
-                  <a:latin typeface="Arial" panose="020B0604020202020204" pitchFamily="34" charset="0"/>
-                  <a:ea typeface="ＭＳ Ｐゴシック" panose="020B0600070205080204" pitchFamily="50" charset="-128"/>
-                </a:defRPr>
-              </a:lvl6pPr>
-              <a:lvl7pPr marL="2971800" indent="-228600" eaLnBrk="0" fontAlgn="base" hangingPunct="0">
-                <a:spcBef>
-                  <a:spcPct val="20000"/>
-                </a:spcBef>
-                <a:spcAft>
-                  <a:spcPct val="0"/>
-                </a:spcAft>
-                <a:buChar char="»"/>
-                <a:defRPr kumimoji="1" sz="1200">
-                  <a:solidFill>
-                    <a:schemeClr val="tx1"/>
-                  </a:solidFill>
-                  <a:latin typeface="Arial" panose="020B0604020202020204" pitchFamily="34" charset="0"/>
-                  <a:ea typeface="ＭＳ Ｐゴシック" panose="020B0600070205080204" pitchFamily="50" charset="-128"/>
-                </a:defRPr>
-              </a:lvl7pPr>
-              <a:lvl8pPr marL="3429000" indent="-228600" eaLnBrk="0" fontAlgn="base" hangingPunct="0">
-                <a:spcBef>
-                  <a:spcPct val="20000"/>
-                </a:spcBef>
-                <a:spcAft>
-                  <a:spcPct val="0"/>
-                </a:spcAft>
-                <a:buChar char="»"/>
-                <a:defRPr kumimoji="1" sz="1200">
-                  <a:solidFill>
-                    <a:schemeClr val="tx1"/>
-                  </a:solidFill>
-                  <a:latin typeface="Arial" panose="020B0604020202020204" pitchFamily="34" charset="0"/>
-                  <a:ea typeface="ＭＳ Ｐゴシック" panose="020B0600070205080204" pitchFamily="50" charset="-128"/>
-                </a:defRPr>
-              </a:lvl8pPr>
-              <a:lvl9pPr marL="3886200" indent="-228600" eaLnBrk="0" fontAlgn="base" hangingPunct="0">
-                <a:spcBef>
-                  <a:spcPct val="20000"/>
-                </a:spcBef>
-                <a:spcAft>
-                  <a:spcPct val="0"/>
-                </a:spcAft>
-                <a:buChar char="»"/>
-                <a:defRPr kumimoji="1" sz="1200">
-                  <a:solidFill>
-                    <a:schemeClr val="tx1"/>
-                  </a:solidFill>
-                  <a:latin typeface="Arial" panose="020B0604020202020204" pitchFamily="34" charset="0"/>
-                  <a:ea typeface="ＭＳ Ｐゴシック" panose="020B0600070205080204" pitchFamily="50" charset="-128"/>
-                </a:defRPr>
-              </a:lvl9pPr>
-            </a:lstStyle>
-            <a:p>
-              <a:pPr algn="ctr" eaLnBrk="1" hangingPunct="1">
-                <a:spcBef>
-                  <a:spcPct val="50000"/>
-                </a:spcBef>
-              </a:pPr>
-              <a:r>
-                <a:rPr lang="ja-JP" altLang="en-US">
-                  <a:ea typeface="MS UI Gothic" panose="020B0600070205080204" pitchFamily="50" charset="-128"/>
-                </a:rPr>
-                <a:t>小学校</a:t>
-              </a:r>
-            </a:p>
-          </p:txBody>
-        </p:sp>
-        <p:sp>
-          <p:nvSpPr>
-            <p:cNvPr id="39" name="Text Box 10">
-              <a:extLst>
-                <a:ext uri="{FF2B5EF4-FFF2-40B4-BE49-F238E27FC236}">
-                  <a16:creationId xmlns:a16="http://schemas.microsoft.com/office/drawing/2014/main" id="{2DD293E4-46EE-48A9-BDAD-0EBF00E128AC}"/>
-                </a:ext>
-              </a:extLst>
-            </p:cNvPr>
-            <p:cNvSpPr txBox="1">
-              <a:spLocks noChangeArrowheads="1"/>
-            </p:cNvSpPr>
-            <p:nvPr/>
-          </p:nvSpPr>
-          <p:spPr bwMode="auto">
-            <a:xfrm>
-              <a:off x="3867150" y="4159250"/>
-              <a:ext cx="646113" cy="276225"/>
-            </a:xfrm>
-            <a:prstGeom prst="rect">
-              <a:avLst/>
-            </a:prstGeom>
-            <a:noFill/>
-            <a:ln>
-              <a:noFill/>
-            </a:ln>
-            <a:effectLst/>
-            <a:extLst>
-              <a:ext uri="{909E8E84-426E-40DD-AFC4-6F175D3DCCD1}">
-                <a14:hiddenFill xmlns:a14="http://schemas.microsoft.com/office/drawing/2010/main">
-                  <a:solidFill>
-                    <a:schemeClr val="accent1"/>
-                  </a:solidFill>
-                </a14:hiddenFill>
-              </a:ext>
-              <a:ext uri="{91240B29-F687-4F45-9708-019B960494DF}">
-                <a14:hiddenLine xmlns:a14="http://schemas.microsoft.com/office/drawing/2010/main" w="9525">
-                  <a:solidFill>
-                    <a:schemeClr val="tx1"/>
-                  </a:solidFill>
-                  <a:miter lim="800000"/>
-                  <a:headEnd/>
-                  <a:tailEnd/>
-                </a14:hiddenLine>
-              </a:ext>
-              <a:ext uri="{AF507438-7753-43E0-B8FC-AC1667EBCBE1}">
-                <a14:hiddenEffects xmlns:a14="http://schemas.microsoft.com/office/drawing/2010/main">
-                  <a:effectLst>
-                    <a:outerShdw dist="35921" dir="2700000" algn="ctr" rotWithShape="0">
-                      <a:schemeClr val="bg2"/>
-                    </a:outerShdw>
-                  </a:effectLst>
-                </a14:hiddenEffects>
-              </a:ext>
-            </a:extLst>
-          </p:spPr>
-          <p:txBody>
-            <a:bodyPr wrap="none">
-              <a:spAutoFit/>
-            </a:bodyPr>
-            <a:lstStyle>
-              <a:lvl1pPr algn="l">
-                <a:spcBef>
-                  <a:spcPct val="20000"/>
-                </a:spcBef>
-                <a:defRPr kumimoji="1" sz="1200">
-                  <a:solidFill>
-                    <a:schemeClr val="tx1"/>
-                  </a:solidFill>
-                  <a:latin typeface="Arial" panose="020B0604020202020204" pitchFamily="34" charset="0"/>
-                  <a:ea typeface="ＭＳ Ｐゴシック" panose="020B0600070205080204" pitchFamily="50" charset="-128"/>
-                </a:defRPr>
-              </a:lvl1pPr>
-              <a:lvl2pPr marL="742950" indent="-285750" algn="l">
-                <a:spcBef>
-                  <a:spcPct val="20000"/>
-                </a:spcBef>
-                <a:buChar char="–"/>
-                <a:defRPr kumimoji="1" sz="1200">
-                  <a:solidFill>
-                    <a:schemeClr val="tx1"/>
-                  </a:solidFill>
-                  <a:latin typeface="Arial" panose="020B0604020202020204" pitchFamily="34" charset="0"/>
-                  <a:ea typeface="ＭＳ Ｐゴシック" panose="020B0600070205080204" pitchFamily="50" charset="-128"/>
-                </a:defRPr>
-              </a:lvl2pPr>
-              <a:lvl3pPr marL="1143000" indent="-228600" algn="l">
-                <a:spcBef>
-                  <a:spcPct val="20000"/>
-                </a:spcBef>
-                <a:buChar char="•"/>
-                <a:defRPr kumimoji="1" sz="1200">
-                  <a:solidFill>
-                    <a:schemeClr val="tx1"/>
-                  </a:solidFill>
-                  <a:latin typeface="Arial" panose="020B0604020202020204" pitchFamily="34" charset="0"/>
-                  <a:ea typeface="ＭＳ Ｐゴシック" panose="020B0600070205080204" pitchFamily="50" charset="-128"/>
-                </a:defRPr>
-              </a:lvl3pPr>
-              <a:lvl4pPr marL="1600200" indent="-228600" algn="l">
-                <a:spcBef>
-                  <a:spcPct val="20000"/>
-                </a:spcBef>
-                <a:buChar char="–"/>
-                <a:defRPr kumimoji="1" sz="1200">
-                  <a:solidFill>
-                    <a:schemeClr val="tx1"/>
-                  </a:solidFill>
-                  <a:latin typeface="Arial" panose="020B0604020202020204" pitchFamily="34" charset="0"/>
-                  <a:ea typeface="ＭＳ Ｐゴシック" panose="020B0600070205080204" pitchFamily="50" charset="-128"/>
-                </a:defRPr>
-              </a:lvl4pPr>
-              <a:lvl5pPr marL="2057400" indent="-228600" algn="l">
-                <a:spcBef>
-                  <a:spcPct val="20000"/>
-                </a:spcBef>
-                <a:buChar char="»"/>
-                <a:defRPr kumimoji="1" sz="1200">
-                  <a:solidFill>
-                    <a:schemeClr val="tx1"/>
-                  </a:solidFill>
-                  <a:latin typeface="Arial" panose="020B0604020202020204" pitchFamily="34" charset="0"/>
-                  <a:ea typeface="ＭＳ Ｐゴシック" panose="020B0600070205080204" pitchFamily="50" charset="-128"/>
-                </a:defRPr>
-              </a:lvl5pPr>
-              <a:lvl6pPr marL="2514600" indent="-228600" eaLnBrk="0" fontAlgn="base" hangingPunct="0">
-                <a:spcBef>
-                  <a:spcPct val="20000"/>
-                </a:spcBef>
-                <a:spcAft>
-                  <a:spcPct val="0"/>
-                </a:spcAft>
-                <a:buChar char="»"/>
-                <a:defRPr kumimoji="1" sz="1200">
-                  <a:solidFill>
-                    <a:schemeClr val="tx1"/>
-                  </a:solidFill>
-                  <a:latin typeface="Arial" panose="020B0604020202020204" pitchFamily="34" charset="0"/>
-                  <a:ea typeface="ＭＳ Ｐゴシック" panose="020B0600070205080204" pitchFamily="50" charset="-128"/>
-                </a:defRPr>
-              </a:lvl6pPr>
-              <a:lvl7pPr marL="2971800" indent="-228600" eaLnBrk="0" fontAlgn="base" hangingPunct="0">
-                <a:spcBef>
-                  <a:spcPct val="20000"/>
-                </a:spcBef>
-                <a:spcAft>
-                  <a:spcPct val="0"/>
-                </a:spcAft>
-                <a:buChar char="»"/>
-                <a:defRPr kumimoji="1" sz="1200">
-                  <a:solidFill>
-                    <a:schemeClr val="tx1"/>
-                  </a:solidFill>
-                  <a:latin typeface="Arial" panose="020B0604020202020204" pitchFamily="34" charset="0"/>
-                  <a:ea typeface="ＭＳ Ｐゴシック" panose="020B0600070205080204" pitchFamily="50" charset="-128"/>
-                </a:defRPr>
-              </a:lvl7pPr>
-              <a:lvl8pPr marL="3429000" indent="-228600" eaLnBrk="0" fontAlgn="base" hangingPunct="0">
-                <a:spcBef>
-                  <a:spcPct val="20000"/>
-                </a:spcBef>
-                <a:spcAft>
-                  <a:spcPct val="0"/>
-                </a:spcAft>
-                <a:buChar char="»"/>
-                <a:defRPr kumimoji="1" sz="1200">
-                  <a:solidFill>
-                    <a:schemeClr val="tx1"/>
-                  </a:solidFill>
-                  <a:latin typeface="Arial" panose="020B0604020202020204" pitchFamily="34" charset="0"/>
-                  <a:ea typeface="ＭＳ Ｐゴシック" panose="020B0600070205080204" pitchFamily="50" charset="-128"/>
-                </a:defRPr>
-              </a:lvl8pPr>
-              <a:lvl9pPr marL="3886200" indent="-228600" eaLnBrk="0" fontAlgn="base" hangingPunct="0">
-                <a:spcBef>
-                  <a:spcPct val="20000"/>
-                </a:spcBef>
-                <a:spcAft>
-                  <a:spcPct val="0"/>
-                </a:spcAft>
-                <a:buChar char="»"/>
-                <a:defRPr kumimoji="1" sz="1200">
-                  <a:solidFill>
-                    <a:schemeClr val="tx1"/>
-                  </a:solidFill>
-                  <a:latin typeface="Arial" panose="020B0604020202020204" pitchFamily="34" charset="0"/>
-                  <a:ea typeface="ＭＳ Ｐゴシック" panose="020B0600070205080204" pitchFamily="50" charset="-128"/>
-                </a:defRPr>
-              </a:lvl9pPr>
-            </a:lstStyle>
-            <a:p>
-              <a:pPr algn="ctr" eaLnBrk="1" hangingPunct="1">
-                <a:spcBef>
-                  <a:spcPct val="50000"/>
-                </a:spcBef>
-              </a:pPr>
-              <a:r>
-                <a:rPr lang="ja-JP" altLang="en-US">
-                  <a:ea typeface="MS UI Gothic" panose="020B0600070205080204" pitchFamily="50" charset="-128"/>
-                </a:rPr>
-                <a:t>中学校</a:t>
-              </a:r>
-            </a:p>
-          </p:txBody>
-        </p:sp>
-        <p:sp>
-          <p:nvSpPr>
-            <p:cNvPr id="40" name="Text Box 10">
-              <a:extLst>
-                <a:ext uri="{FF2B5EF4-FFF2-40B4-BE49-F238E27FC236}">
-                  <a16:creationId xmlns:a16="http://schemas.microsoft.com/office/drawing/2014/main" id="{1513F6A2-464C-4DF3-86B0-2B30FC3D3A4F}"/>
-                </a:ext>
-              </a:extLst>
-            </p:cNvPr>
-            <p:cNvSpPr txBox="1">
-              <a:spLocks noChangeArrowheads="1"/>
-            </p:cNvSpPr>
-            <p:nvPr/>
-          </p:nvSpPr>
-          <p:spPr bwMode="auto">
-            <a:xfrm>
-              <a:off x="6108700" y="4159250"/>
-              <a:ext cx="493713" cy="276225"/>
-            </a:xfrm>
-            <a:prstGeom prst="rect">
-              <a:avLst/>
-            </a:prstGeom>
-            <a:noFill/>
-            <a:ln>
-              <a:noFill/>
-            </a:ln>
-            <a:effectLst/>
-            <a:extLst>
-              <a:ext uri="{909E8E84-426E-40DD-AFC4-6F175D3DCCD1}">
-                <a14:hiddenFill xmlns:a14="http://schemas.microsoft.com/office/drawing/2010/main">
-                  <a:solidFill>
-                    <a:schemeClr val="accent1"/>
-                  </a:solidFill>
-                </a14:hiddenFill>
-              </a:ext>
-              <a:ext uri="{91240B29-F687-4F45-9708-019B960494DF}">
-                <a14:hiddenLine xmlns:a14="http://schemas.microsoft.com/office/drawing/2010/main" w="9525">
-                  <a:solidFill>
-                    <a:schemeClr val="tx1"/>
-                  </a:solidFill>
-                  <a:miter lim="800000"/>
-                  <a:headEnd/>
-                  <a:tailEnd/>
-                </a14:hiddenLine>
-              </a:ext>
-              <a:ext uri="{AF507438-7753-43E0-B8FC-AC1667EBCBE1}">
-                <a14:hiddenEffects xmlns:a14="http://schemas.microsoft.com/office/drawing/2010/main">
-                  <a:effectLst>
-                    <a:outerShdw dist="35921" dir="2700000" algn="ctr" rotWithShape="0">
-                      <a:schemeClr val="bg2"/>
-                    </a:outerShdw>
-                  </a:effectLst>
-                </a14:hiddenEffects>
-              </a:ext>
-            </a:extLst>
-          </p:spPr>
-          <p:txBody>
-            <a:bodyPr wrap="none">
-              <a:spAutoFit/>
-            </a:bodyPr>
-            <a:lstStyle>
-              <a:lvl1pPr algn="l">
-                <a:spcBef>
-                  <a:spcPct val="20000"/>
-                </a:spcBef>
-                <a:defRPr kumimoji="1" sz="1200">
-                  <a:solidFill>
-                    <a:schemeClr val="tx1"/>
-                  </a:solidFill>
-                  <a:latin typeface="Arial" panose="020B0604020202020204" pitchFamily="34" charset="0"/>
-                  <a:ea typeface="ＭＳ Ｐゴシック" panose="020B0600070205080204" pitchFamily="50" charset="-128"/>
-                </a:defRPr>
-              </a:lvl1pPr>
-              <a:lvl2pPr marL="742950" indent="-285750" algn="l">
-                <a:spcBef>
-                  <a:spcPct val="20000"/>
-                </a:spcBef>
-                <a:buChar char="–"/>
-                <a:defRPr kumimoji="1" sz="1200">
-                  <a:solidFill>
-                    <a:schemeClr val="tx1"/>
-                  </a:solidFill>
-                  <a:latin typeface="Arial" panose="020B0604020202020204" pitchFamily="34" charset="0"/>
-                  <a:ea typeface="ＭＳ Ｐゴシック" panose="020B0600070205080204" pitchFamily="50" charset="-128"/>
-                </a:defRPr>
-              </a:lvl2pPr>
-              <a:lvl3pPr marL="1143000" indent="-228600" algn="l">
-                <a:spcBef>
-                  <a:spcPct val="20000"/>
-                </a:spcBef>
-                <a:buChar char="•"/>
-                <a:defRPr kumimoji="1" sz="1200">
-                  <a:solidFill>
-                    <a:schemeClr val="tx1"/>
-                  </a:solidFill>
-                  <a:latin typeface="Arial" panose="020B0604020202020204" pitchFamily="34" charset="0"/>
-                  <a:ea typeface="ＭＳ Ｐゴシック" panose="020B0600070205080204" pitchFamily="50" charset="-128"/>
-                </a:defRPr>
-              </a:lvl3pPr>
-              <a:lvl4pPr marL="1600200" indent="-228600" algn="l">
-                <a:spcBef>
-                  <a:spcPct val="20000"/>
-                </a:spcBef>
-                <a:buChar char="–"/>
-                <a:defRPr kumimoji="1" sz="1200">
-                  <a:solidFill>
-                    <a:schemeClr val="tx1"/>
-                  </a:solidFill>
-                  <a:latin typeface="Arial" panose="020B0604020202020204" pitchFamily="34" charset="0"/>
-                  <a:ea typeface="ＭＳ Ｐゴシック" panose="020B0600070205080204" pitchFamily="50" charset="-128"/>
-                </a:defRPr>
-              </a:lvl4pPr>
-              <a:lvl5pPr marL="2057400" indent="-228600" algn="l">
-                <a:spcBef>
-                  <a:spcPct val="20000"/>
-                </a:spcBef>
-                <a:buChar char="»"/>
-                <a:defRPr kumimoji="1" sz="1200">
-                  <a:solidFill>
-                    <a:schemeClr val="tx1"/>
-                  </a:solidFill>
-                  <a:latin typeface="Arial" panose="020B0604020202020204" pitchFamily="34" charset="0"/>
-                  <a:ea typeface="ＭＳ Ｐゴシック" panose="020B0600070205080204" pitchFamily="50" charset="-128"/>
-                </a:defRPr>
-              </a:lvl5pPr>
-              <a:lvl6pPr marL="2514600" indent="-228600" eaLnBrk="0" fontAlgn="base" hangingPunct="0">
-                <a:spcBef>
-                  <a:spcPct val="20000"/>
-                </a:spcBef>
-                <a:spcAft>
-                  <a:spcPct val="0"/>
-                </a:spcAft>
-                <a:buChar char="»"/>
-                <a:defRPr kumimoji="1" sz="1200">
-                  <a:solidFill>
-                    <a:schemeClr val="tx1"/>
-                  </a:solidFill>
-                  <a:latin typeface="Arial" panose="020B0604020202020204" pitchFamily="34" charset="0"/>
-                  <a:ea typeface="ＭＳ Ｐゴシック" panose="020B0600070205080204" pitchFamily="50" charset="-128"/>
-                </a:defRPr>
-              </a:lvl6pPr>
-              <a:lvl7pPr marL="2971800" indent="-228600" eaLnBrk="0" fontAlgn="base" hangingPunct="0">
-                <a:spcBef>
-                  <a:spcPct val="20000"/>
-                </a:spcBef>
-                <a:spcAft>
-                  <a:spcPct val="0"/>
-                </a:spcAft>
-                <a:buChar char="»"/>
-                <a:defRPr kumimoji="1" sz="1200">
-                  <a:solidFill>
-                    <a:schemeClr val="tx1"/>
-                  </a:solidFill>
-                  <a:latin typeface="Arial" panose="020B0604020202020204" pitchFamily="34" charset="0"/>
-                  <a:ea typeface="ＭＳ Ｐゴシック" panose="020B0600070205080204" pitchFamily="50" charset="-128"/>
-                </a:defRPr>
-              </a:lvl7pPr>
-              <a:lvl8pPr marL="3429000" indent="-228600" eaLnBrk="0" fontAlgn="base" hangingPunct="0">
-                <a:spcBef>
-                  <a:spcPct val="20000"/>
-                </a:spcBef>
-                <a:spcAft>
-                  <a:spcPct val="0"/>
-                </a:spcAft>
-                <a:buChar char="»"/>
-                <a:defRPr kumimoji="1" sz="1200">
-                  <a:solidFill>
-                    <a:schemeClr val="tx1"/>
-                  </a:solidFill>
-                  <a:latin typeface="Arial" panose="020B0604020202020204" pitchFamily="34" charset="0"/>
-                  <a:ea typeface="ＭＳ Ｐゴシック" panose="020B0600070205080204" pitchFamily="50" charset="-128"/>
-                </a:defRPr>
-              </a:lvl8pPr>
-              <a:lvl9pPr marL="3886200" indent="-228600" eaLnBrk="0" fontAlgn="base" hangingPunct="0">
-                <a:spcBef>
-                  <a:spcPct val="20000"/>
-                </a:spcBef>
-                <a:spcAft>
-                  <a:spcPct val="0"/>
-                </a:spcAft>
-                <a:buChar char="»"/>
-                <a:defRPr kumimoji="1" sz="1200">
-                  <a:solidFill>
-                    <a:schemeClr val="tx1"/>
-                  </a:solidFill>
-                  <a:latin typeface="Arial" panose="020B0604020202020204" pitchFamily="34" charset="0"/>
-                  <a:ea typeface="ＭＳ Ｐゴシック" panose="020B0600070205080204" pitchFamily="50" charset="-128"/>
-                </a:defRPr>
-              </a:lvl9pPr>
-            </a:lstStyle>
-            <a:p>
-              <a:pPr algn="ctr" eaLnBrk="1" hangingPunct="1">
-                <a:spcBef>
-                  <a:spcPct val="50000"/>
-                </a:spcBef>
-              </a:pPr>
-              <a:r>
-                <a:rPr lang="ja-JP" altLang="en-US">
-                  <a:ea typeface="MS UI Gothic" panose="020B0600070205080204" pitchFamily="50" charset="-128"/>
-                </a:rPr>
-                <a:t>高校</a:t>
-              </a:r>
-            </a:p>
-          </p:txBody>
-        </p:sp>
-        <p:sp>
-          <p:nvSpPr>
-            <p:cNvPr id="41" name="Text Box 10">
-              <a:extLst>
-                <a:ext uri="{FF2B5EF4-FFF2-40B4-BE49-F238E27FC236}">
-                  <a16:creationId xmlns:a16="http://schemas.microsoft.com/office/drawing/2014/main" id="{278DBC6E-09CC-4561-8E46-453369B6ED55}"/>
-                </a:ext>
-              </a:extLst>
-            </p:cNvPr>
-            <p:cNvSpPr txBox="1">
-              <a:spLocks noChangeArrowheads="1"/>
-            </p:cNvSpPr>
-            <p:nvPr/>
-          </p:nvSpPr>
-          <p:spPr bwMode="auto">
-            <a:xfrm>
-              <a:off x="8120063" y="4159250"/>
-              <a:ext cx="492125" cy="276225"/>
-            </a:xfrm>
-            <a:prstGeom prst="rect">
-              <a:avLst/>
-            </a:prstGeom>
-            <a:noFill/>
-            <a:ln>
-              <a:noFill/>
-            </a:ln>
-            <a:effectLst/>
-            <a:extLst>
-              <a:ext uri="{909E8E84-426E-40DD-AFC4-6F175D3DCCD1}">
-                <a14:hiddenFill xmlns:a14="http://schemas.microsoft.com/office/drawing/2010/main">
-                  <a:solidFill>
-                    <a:schemeClr val="accent1"/>
-                  </a:solidFill>
-                </a14:hiddenFill>
-              </a:ext>
-              <a:ext uri="{91240B29-F687-4F45-9708-019B960494DF}">
-                <a14:hiddenLine xmlns:a14="http://schemas.microsoft.com/office/drawing/2010/main" w="9525">
-                  <a:solidFill>
-                    <a:schemeClr val="tx1"/>
-                  </a:solidFill>
-                  <a:miter lim="800000"/>
-                  <a:headEnd/>
-                  <a:tailEnd/>
-                </a14:hiddenLine>
-              </a:ext>
-              <a:ext uri="{AF507438-7753-43E0-B8FC-AC1667EBCBE1}">
-                <a14:hiddenEffects xmlns:a14="http://schemas.microsoft.com/office/drawing/2010/main">
-                  <a:effectLst>
-                    <a:outerShdw dist="35921" dir="2700000" algn="ctr" rotWithShape="0">
-                      <a:schemeClr val="bg2"/>
-                    </a:outerShdw>
-                  </a:effectLst>
-                </a14:hiddenEffects>
-              </a:ext>
-            </a:extLst>
-          </p:spPr>
-          <p:txBody>
-            <a:bodyPr wrap="none">
-              <a:spAutoFit/>
-            </a:bodyPr>
-            <a:lstStyle>
-              <a:lvl1pPr algn="l">
-                <a:spcBef>
-                  <a:spcPct val="20000"/>
-                </a:spcBef>
-                <a:defRPr kumimoji="1" sz="1200">
-                  <a:solidFill>
-                    <a:schemeClr val="tx1"/>
-                  </a:solidFill>
-                  <a:latin typeface="Arial" panose="020B0604020202020204" pitchFamily="34" charset="0"/>
-                  <a:ea typeface="ＭＳ Ｐゴシック" panose="020B0600070205080204" pitchFamily="50" charset="-128"/>
-                </a:defRPr>
-              </a:lvl1pPr>
-              <a:lvl2pPr marL="742950" indent="-285750" algn="l">
-                <a:spcBef>
-                  <a:spcPct val="20000"/>
-                </a:spcBef>
-                <a:buChar char="–"/>
-                <a:defRPr kumimoji="1" sz="1200">
-                  <a:solidFill>
-                    <a:schemeClr val="tx1"/>
-                  </a:solidFill>
-                  <a:latin typeface="Arial" panose="020B0604020202020204" pitchFamily="34" charset="0"/>
-                  <a:ea typeface="ＭＳ Ｐゴシック" panose="020B0600070205080204" pitchFamily="50" charset="-128"/>
-                </a:defRPr>
-              </a:lvl2pPr>
-              <a:lvl3pPr marL="1143000" indent="-228600" algn="l">
-                <a:spcBef>
-                  <a:spcPct val="20000"/>
-                </a:spcBef>
-                <a:buChar char="•"/>
-                <a:defRPr kumimoji="1" sz="1200">
-                  <a:solidFill>
-                    <a:schemeClr val="tx1"/>
-                  </a:solidFill>
-                  <a:latin typeface="Arial" panose="020B0604020202020204" pitchFamily="34" charset="0"/>
-                  <a:ea typeface="ＭＳ Ｐゴシック" panose="020B0600070205080204" pitchFamily="50" charset="-128"/>
-                </a:defRPr>
-              </a:lvl3pPr>
-              <a:lvl4pPr marL="1600200" indent="-228600" algn="l">
-                <a:spcBef>
-                  <a:spcPct val="20000"/>
-                </a:spcBef>
-                <a:buChar char="–"/>
-                <a:defRPr kumimoji="1" sz="1200">
-                  <a:solidFill>
-                    <a:schemeClr val="tx1"/>
-                  </a:solidFill>
-                  <a:latin typeface="Arial" panose="020B0604020202020204" pitchFamily="34" charset="0"/>
-                  <a:ea typeface="ＭＳ Ｐゴシック" panose="020B0600070205080204" pitchFamily="50" charset="-128"/>
-                </a:defRPr>
-              </a:lvl4pPr>
-              <a:lvl5pPr marL="2057400" indent="-228600" algn="l">
-                <a:spcBef>
-                  <a:spcPct val="20000"/>
-                </a:spcBef>
-                <a:buChar char="»"/>
-                <a:defRPr kumimoji="1" sz="1200">
-                  <a:solidFill>
-                    <a:schemeClr val="tx1"/>
-                  </a:solidFill>
-                  <a:latin typeface="Arial" panose="020B0604020202020204" pitchFamily="34" charset="0"/>
-                  <a:ea typeface="ＭＳ Ｐゴシック" panose="020B0600070205080204" pitchFamily="50" charset="-128"/>
-                </a:defRPr>
-              </a:lvl5pPr>
-              <a:lvl6pPr marL="2514600" indent="-228600" eaLnBrk="0" fontAlgn="base" hangingPunct="0">
-                <a:spcBef>
-                  <a:spcPct val="20000"/>
-                </a:spcBef>
-                <a:spcAft>
-                  <a:spcPct val="0"/>
-                </a:spcAft>
-                <a:buChar char="»"/>
-                <a:defRPr kumimoji="1" sz="1200">
-                  <a:solidFill>
-                    <a:schemeClr val="tx1"/>
-                  </a:solidFill>
-                  <a:latin typeface="Arial" panose="020B0604020202020204" pitchFamily="34" charset="0"/>
-                  <a:ea typeface="ＭＳ Ｐゴシック" panose="020B0600070205080204" pitchFamily="50" charset="-128"/>
-                </a:defRPr>
-              </a:lvl6pPr>
-              <a:lvl7pPr marL="2971800" indent="-228600" eaLnBrk="0" fontAlgn="base" hangingPunct="0">
-                <a:spcBef>
-                  <a:spcPct val="20000"/>
-                </a:spcBef>
-                <a:spcAft>
-                  <a:spcPct val="0"/>
-                </a:spcAft>
-                <a:buChar char="»"/>
-                <a:defRPr kumimoji="1" sz="1200">
-                  <a:solidFill>
-                    <a:schemeClr val="tx1"/>
-                  </a:solidFill>
-                  <a:latin typeface="Arial" panose="020B0604020202020204" pitchFamily="34" charset="0"/>
-                  <a:ea typeface="ＭＳ Ｐゴシック" panose="020B0600070205080204" pitchFamily="50" charset="-128"/>
-                </a:defRPr>
-              </a:lvl7pPr>
-              <a:lvl8pPr marL="3429000" indent="-228600" eaLnBrk="0" fontAlgn="base" hangingPunct="0">
-                <a:spcBef>
-                  <a:spcPct val="20000"/>
-                </a:spcBef>
-                <a:spcAft>
-                  <a:spcPct val="0"/>
-                </a:spcAft>
-                <a:buChar char="»"/>
-                <a:defRPr kumimoji="1" sz="1200">
-                  <a:solidFill>
-                    <a:schemeClr val="tx1"/>
-                  </a:solidFill>
-                  <a:latin typeface="Arial" panose="020B0604020202020204" pitchFamily="34" charset="0"/>
-                  <a:ea typeface="ＭＳ Ｐゴシック" panose="020B0600070205080204" pitchFamily="50" charset="-128"/>
-                </a:defRPr>
-              </a:lvl8pPr>
-              <a:lvl9pPr marL="3886200" indent="-228600" eaLnBrk="0" fontAlgn="base" hangingPunct="0">
-                <a:spcBef>
-                  <a:spcPct val="20000"/>
-                </a:spcBef>
-                <a:spcAft>
-                  <a:spcPct val="0"/>
-                </a:spcAft>
-                <a:buChar char="»"/>
-                <a:defRPr kumimoji="1" sz="1200">
-                  <a:solidFill>
-                    <a:schemeClr val="tx1"/>
-                  </a:solidFill>
-                  <a:latin typeface="Arial" panose="020B0604020202020204" pitchFamily="34" charset="0"/>
-                  <a:ea typeface="ＭＳ Ｐゴシック" panose="020B0600070205080204" pitchFamily="50" charset="-128"/>
-                </a:defRPr>
-              </a:lvl9pPr>
-            </a:lstStyle>
-            <a:p>
-              <a:pPr algn="ctr" eaLnBrk="1" hangingPunct="1">
-                <a:spcBef>
-                  <a:spcPct val="50000"/>
-                </a:spcBef>
-              </a:pPr>
-              <a:r>
-                <a:rPr lang="ja-JP" altLang="en-US">
-                  <a:ea typeface="MS UI Gothic" panose="020B0600070205080204" pitchFamily="50" charset="-128"/>
-                </a:rPr>
-                <a:t>大学</a:t>
-              </a:r>
-            </a:p>
-          </p:txBody>
-        </p:sp>
-        <p:sp>
-          <p:nvSpPr>
-            <p:cNvPr id="42" name="Text Box 18">
-              <a:extLst>
-                <a:ext uri="{FF2B5EF4-FFF2-40B4-BE49-F238E27FC236}">
-                  <a16:creationId xmlns:a16="http://schemas.microsoft.com/office/drawing/2014/main" id="{0575F527-F018-4260-A260-BE67F3A5F088}"/>
-                </a:ext>
-              </a:extLst>
-            </p:cNvPr>
-            <p:cNvSpPr txBox="1">
-              <a:spLocks noChangeArrowheads="1"/>
-            </p:cNvSpPr>
-            <p:nvPr/>
-          </p:nvSpPr>
-          <p:spPr bwMode="auto">
-            <a:xfrm>
-              <a:off x="939279" y="391640"/>
-              <a:ext cx="7874000" cy="260348"/>
-            </a:xfrm>
-            <a:prstGeom prst="rect">
-              <a:avLst/>
-            </a:prstGeom>
-            <a:noFill/>
-            <a:ln>
-              <a:noFill/>
-            </a:ln>
-            <a:effectLst/>
-            <a:extLst>
-              <a:ext uri="{909E8E84-426E-40DD-AFC4-6F175D3DCCD1}">
-                <a14:hiddenFill xmlns:a14="http://schemas.microsoft.com/office/drawing/2010/main">
-                  <a:solidFill>
-                    <a:schemeClr val="accent1"/>
-                  </a:solidFill>
-                </a14:hiddenFill>
-              </a:ext>
-              <a:ext uri="{91240B29-F687-4F45-9708-019B960494DF}">
-                <a14:hiddenLine xmlns:a14="http://schemas.microsoft.com/office/drawing/2010/main" w="9525">
-                  <a:solidFill>
-                    <a:schemeClr val="tx1"/>
-                  </a:solidFill>
-                  <a:miter lim="800000"/>
-                  <a:headEnd/>
-                  <a:tailEnd/>
-                </a14:hiddenLine>
-              </a:ext>
-              <a:ext uri="{AF507438-7753-43E0-B8FC-AC1667EBCBE1}">
-                <a14:hiddenEffects xmlns:a14="http://schemas.microsoft.com/office/drawing/2010/main">
-                  <a:effectLst>
-                    <a:outerShdw dist="35921" dir="2700000" algn="ctr" rotWithShape="0">
-                      <a:schemeClr val="bg2"/>
-                    </a:outerShdw>
-                  </a:effectLst>
-                </a14:hiddenEffects>
-              </a:ext>
-            </a:extLst>
-          </p:spPr>
-          <p:txBody>
-            <a:bodyPr>
-              <a:spAutoFit/>
-            </a:bodyPr>
-            <a:lstStyle>
-              <a:lvl1pPr algn="l">
-                <a:spcBef>
-                  <a:spcPct val="20000"/>
-                </a:spcBef>
-                <a:defRPr kumimoji="1" sz="1200">
-                  <a:solidFill>
-                    <a:schemeClr val="tx1"/>
-                  </a:solidFill>
-                  <a:latin typeface="Arial" charset="0"/>
-                  <a:ea typeface="ＭＳ Ｐゴシック" charset="-128"/>
-                </a:defRPr>
-              </a:lvl1pPr>
-              <a:lvl2pPr marL="742950" indent="-285750" algn="l">
-                <a:spcBef>
-                  <a:spcPct val="20000"/>
-                </a:spcBef>
-                <a:buChar char="–"/>
-                <a:defRPr kumimoji="1" sz="1200">
-                  <a:solidFill>
-                    <a:schemeClr val="tx1"/>
-                  </a:solidFill>
-                  <a:latin typeface="Arial" charset="0"/>
-                  <a:ea typeface="ＭＳ Ｐゴシック" charset="-128"/>
-                </a:defRPr>
-              </a:lvl2pPr>
-              <a:lvl3pPr marL="1143000" indent="-228600" algn="l">
-                <a:spcBef>
-                  <a:spcPct val="20000"/>
-                </a:spcBef>
-                <a:buChar char="•"/>
-                <a:defRPr kumimoji="1" sz="1200">
-                  <a:solidFill>
-                    <a:schemeClr val="tx1"/>
-                  </a:solidFill>
-                  <a:latin typeface="Arial" charset="0"/>
-                  <a:ea typeface="ＭＳ Ｐゴシック" charset="-128"/>
-                </a:defRPr>
-              </a:lvl3pPr>
-              <a:lvl4pPr marL="1600200" indent="-228600" algn="l">
-                <a:spcBef>
-                  <a:spcPct val="20000"/>
-                </a:spcBef>
-                <a:buChar char="–"/>
-                <a:defRPr kumimoji="1" sz="1200">
-                  <a:solidFill>
-                    <a:schemeClr val="tx1"/>
-                  </a:solidFill>
-                  <a:latin typeface="Arial" charset="0"/>
-                  <a:ea typeface="ＭＳ Ｐゴシック" charset="-128"/>
-                </a:defRPr>
-              </a:lvl4pPr>
-              <a:lvl5pPr marL="2057400" indent="-228600" algn="l">
-                <a:spcBef>
-                  <a:spcPct val="20000"/>
-                </a:spcBef>
-                <a:buChar char="»"/>
-                <a:defRPr kumimoji="1" sz="1200">
-                  <a:solidFill>
-                    <a:schemeClr val="tx1"/>
-                  </a:solidFill>
-                  <a:latin typeface="Arial" charset="0"/>
-                  <a:ea typeface="ＭＳ Ｐゴシック" charset="-128"/>
-                </a:defRPr>
-              </a:lvl5pPr>
-              <a:lvl6pPr marL="2514600" indent="-228600" eaLnBrk="0" fontAlgn="base" hangingPunct="0">
-                <a:spcBef>
-                  <a:spcPct val="20000"/>
-                </a:spcBef>
-                <a:spcAft>
-                  <a:spcPct val="0"/>
-                </a:spcAft>
-                <a:buChar char="»"/>
-                <a:defRPr kumimoji="1" sz="1200">
-                  <a:solidFill>
-                    <a:schemeClr val="tx1"/>
-                  </a:solidFill>
-                  <a:latin typeface="Arial" charset="0"/>
-                  <a:ea typeface="ＭＳ Ｐゴシック" charset="-128"/>
-                </a:defRPr>
-              </a:lvl6pPr>
-              <a:lvl7pPr marL="2971800" indent="-228600" eaLnBrk="0" fontAlgn="base" hangingPunct="0">
-                <a:spcBef>
-                  <a:spcPct val="20000"/>
-                </a:spcBef>
-                <a:spcAft>
-                  <a:spcPct val="0"/>
-                </a:spcAft>
-                <a:buChar char="»"/>
-                <a:defRPr kumimoji="1" sz="1200">
-                  <a:solidFill>
-                    <a:schemeClr val="tx1"/>
-                  </a:solidFill>
-                  <a:latin typeface="Arial" charset="0"/>
-                  <a:ea typeface="ＭＳ Ｐゴシック" charset="-128"/>
-                </a:defRPr>
-              </a:lvl7pPr>
-              <a:lvl8pPr marL="3429000" indent="-228600" eaLnBrk="0" fontAlgn="base" hangingPunct="0">
-                <a:spcBef>
-                  <a:spcPct val="20000"/>
-                </a:spcBef>
-                <a:spcAft>
-                  <a:spcPct val="0"/>
-                </a:spcAft>
-                <a:buChar char="»"/>
-                <a:defRPr kumimoji="1" sz="1200">
-                  <a:solidFill>
-                    <a:schemeClr val="tx1"/>
-                  </a:solidFill>
-                  <a:latin typeface="Arial" charset="0"/>
-                  <a:ea typeface="ＭＳ Ｐゴシック" charset="-128"/>
-                </a:defRPr>
-              </a:lvl8pPr>
-              <a:lvl9pPr marL="3886200" indent="-228600" eaLnBrk="0" fontAlgn="base" hangingPunct="0">
-                <a:spcBef>
-                  <a:spcPct val="20000"/>
-                </a:spcBef>
-                <a:spcAft>
-                  <a:spcPct val="0"/>
-                </a:spcAft>
-                <a:buChar char="»"/>
-                <a:defRPr kumimoji="1" sz="1200">
-                  <a:solidFill>
-                    <a:schemeClr val="tx1"/>
-                  </a:solidFill>
-                  <a:latin typeface="Arial" charset="0"/>
-                  <a:ea typeface="ＭＳ Ｐゴシック" charset="-128"/>
-                </a:defRPr>
-              </a:lvl9pPr>
-            </a:lstStyle>
-            <a:p>
-              <a:pPr eaLnBrk="1" hangingPunct="1">
-                <a:spcBef>
-                  <a:spcPct val="50000"/>
-                </a:spcBef>
-                <a:defRPr/>
-              </a:pPr>
-              <a:r>
-                <a:rPr lang="en-US" altLang="ja-JP" sz="1050" dirty="0">
-                  <a:ea typeface="MS UI Gothic" pitchFamily="50" charset="-128"/>
-                </a:rPr>
-                <a:t>※</a:t>
-              </a:r>
-              <a:r>
-                <a:rPr lang="ja-JP" altLang="en-US" sz="1050" dirty="0">
-                  <a:ea typeface="MS UI Gothic" pitchFamily="50" charset="-128"/>
-                </a:rPr>
-                <a:t>裏面を参照して、ターニングポイントとなった出来事を吹き出しで記入してください。</a:t>
-              </a:r>
-            </a:p>
-          </p:txBody>
-        </p:sp>
-      </p:grpSp>
-      <p:grpSp>
-        <p:nvGrpSpPr>
-          <p:cNvPr id="76" name="グループ化 75">
-            <a:extLst>
-              <a:ext uri="{FF2B5EF4-FFF2-40B4-BE49-F238E27FC236}">
-                <a16:creationId xmlns:a16="http://schemas.microsoft.com/office/drawing/2014/main" id="{48681BD5-83BF-411A-8378-219105606DEF}"/>
-              </a:ext>
-            </a:extLst>
-          </p:cNvPr>
-          <p:cNvGrpSpPr/>
-          <p:nvPr/>
-        </p:nvGrpSpPr>
-        <p:grpSpPr>
-          <a:xfrm>
-            <a:off x="574135" y="3131446"/>
-            <a:ext cx="11043731" cy="3293958"/>
-            <a:chOff x="813785" y="3131446"/>
-            <a:chExt cx="11043731" cy="3293958"/>
-          </a:xfrm>
-        </p:grpSpPr>
-        <p:sp>
-          <p:nvSpPr>
-            <p:cNvPr id="43" name="正方形/長方形 42">
-              <a:extLst>
-                <a:ext uri="{FF2B5EF4-FFF2-40B4-BE49-F238E27FC236}">
-                  <a16:creationId xmlns:a16="http://schemas.microsoft.com/office/drawing/2014/main" id="{A131C500-5CC7-4459-BA26-D764A8295F01}"/>
-                </a:ext>
-              </a:extLst>
-            </p:cNvPr>
-            <p:cNvSpPr/>
-            <p:nvPr/>
-          </p:nvSpPr>
-          <p:spPr>
-            <a:xfrm>
-              <a:off x="813785" y="4251634"/>
-              <a:ext cx="1464816" cy="488780"/>
-            </a:xfrm>
-            <a:prstGeom prst="rect">
-              <a:avLst/>
-            </a:prstGeom>
-            <a:solidFill>
-              <a:schemeClr val="bg1">
-                <a:lumMod val="85000"/>
-              </a:schemeClr>
-            </a:solidFill>
-          </p:spPr>
-          <p:style>
-            <a:lnRef idx="2">
-              <a:schemeClr val="accent1">
-                <a:shade val="50000"/>
-              </a:schemeClr>
-            </a:lnRef>
-            <a:fillRef idx="1">
-              <a:schemeClr val="accent1"/>
-            </a:fillRef>
-            <a:effectRef idx="0">
-              <a:schemeClr val="accent1"/>
-            </a:effectRef>
-            <a:fontRef idx="minor">
-              <a:schemeClr val="lt1"/>
-            </a:fontRef>
-          </p:style>
-          <p:txBody>
-            <a:bodyPr rtlCol="0" anchor="ctr"/>
-            <a:lstStyle/>
-            <a:p>
-              <a:pPr marL="0" marR="0" lvl="0" indent="0" algn="ctr" defTabSz="914400" rtl="0" eaLnBrk="1" fontAlgn="auto" latinLnBrk="0" hangingPunct="1">
-                <a:lnSpc>
-                  <a:spcPct val="100000"/>
-                </a:lnSpc>
-                <a:spcBef>
-                  <a:spcPts val="0"/>
-                </a:spcBef>
-                <a:spcAft>
-                  <a:spcPts val="0"/>
-                </a:spcAft>
-                <a:buClrTx/>
-                <a:buSzTx/>
-                <a:buFontTx/>
-                <a:buNone/>
-                <a:tabLst/>
-                <a:defRPr/>
-              </a:pPr>
-              <a:r>
-                <a:rPr kumimoji="1" lang="ja-JP" altLang="en-US" sz="1200" b="1" i="0" u="none" strike="noStrike" kern="1200" cap="none" spc="0" normalizeH="0" baseline="0" noProof="0" dirty="0">
-                  <a:ln>
-                    <a:noFill/>
-                  </a:ln>
-                  <a:solidFill>
-                    <a:prstClr val="black"/>
-                  </a:solidFill>
-                  <a:effectLst/>
-                  <a:uLnTx/>
-                  <a:uFillTx/>
-                  <a:latin typeface="游ゴシック" panose="020F0502020204030204"/>
-                  <a:ea typeface="游ゴシック" panose="020B0400000000000000" pitchFamily="50" charset="-128"/>
-                  <a:cs typeface="+mn-cs"/>
-                </a:rPr>
-                <a:t>自分は何</a:t>
-              </a:r>
-              <a:r>
-                <a:rPr lang="ja-JP" altLang="en-US" sz="1200" b="1" dirty="0">
-                  <a:solidFill>
-                    <a:prstClr val="black"/>
-                  </a:solidFill>
-                  <a:latin typeface="游ゴシック" panose="020F0502020204030204"/>
-                  <a:ea typeface="游ゴシック" panose="020B0400000000000000" pitchFamily="50" charset="-128"/>
-                </a:rPr>
-                <a:t>を</a:t>
-              </a:r>
-              <a:endParaRPr kumimoji="1" lang="en-US" altLang="ja-JP" sz="1200" b="1" i="0" u="none" strike="noStrike" kern="1200" cap="none" spc="0" normalizeH="0" baseline="0" noProof="0" dirty="0">
-                <a:ln>
-                  <a:noFill/>
-                </a:ln>
-                <a:solidFill>
-                  <a:prstClr val="black"/>
-                </a:solidFill>
-                <a:effectLst/>
-                <a:uLnTx/>
-                <a:uFillTx/>
-                <a:latin typeface="游ゴシック" panose="020F0502020204030204"/>
-                <a:ea typeface="游ゴシック" panose="020B0400000000000000" pitchFamily="50" charset="-128"/>
-                <a:cs typeface="+mn-cs"/>
-              </a:endParaRPr>
-            </a:p>
-            <a:p>
-              <a:pPr marL="0" marR="0" lvl="0" indent="0" algn="ctr" defTabSz="914400" rtl="0" eaLnBrk="1" fontAlgn="auto" latinLnBrk="0" hangingPunct="1">
-                <a:lnSpc>
-                  <a:spcPct val="100000"/>
-                </a:lnSpc>
-                <a:spcBef>
-                  <a:spcPts val="0"/>
-                </a:spcBef>
-                <a:spcAft>
-                  <a:spcPts val="0"/>
-                </a:spcAft>
-                <a:buClrTx/>
-                <a:buSzTx/>
-                <a:buFontTx/>
-                <a:buNone/>
-                <a:tabLst/>
-                <a:defRPr/>
-              </a:pPr>
-              <a:r>
-                <a:rPr lang="ja-JP" altLang="en-US" sz="1200" b="1" dirty="0">
-                  <a:solidFill>
-                    <a:prstClr val="black"/>
-                  </a:solidFill>
-                  <a:latin typeface="游ゴシック" panose="020F0502020204030204"/>
-                  <a:ea typeface="游ゴシック" panose="020B0400000000000000" pitchFamily="50" charset="-128"/>
-                </a:rPr>
-                <a:t>し</a:t>
-              </a:r>
-              <a:r>
-                <a:rPr kumimoji="1" lang="ja-JP" altLang="en-US" sz="1200" b="1" i="0" u="none" strike="noStrike" kern="1200" cap="none" spc="0" normalizeH="0" baseline="0" noProof="0" dirty="0">
-                  <a:ln>
-                    <a:noFill/>
-                  </a:ln>
-                  <a:solidFill>
-                    <a:prstClr val="black"/>
-                  </a:solidFill>
-                  <a:effectLst/>
-                  <a:uLnTx/>
-                  <a:uFillTx/>
-                  <a:latin typeface="游ゴシック" panose="020F0502020204030204"/>
-                  <a:ea typeface="游ゴシック" panose="020B0400000000000000" pitchFamily="50" charset="-128"/>
-                  <a:cs typeface="+mn-cs"/>
-                </a:rPr>
-                <a:t>たのか？</a:t>
-              </a:r>
-              <a:endParaRPr kumimoji="1" lang="en-US" altLang="ja-JP" sz="1200" b="1" i="0" u="none" strike="noStrike" kern="1200" cap="none" spc="0" normalizeH="0" baseline="0" noProof="0" dirty="0">
-                <a:ln>
-                  <a:noFill/>
-                </a:ln>
-                <a:solidFill>
-                  <a:prstClr val="black"/>
-                </a:solidFill>
-                <a:effectLst/>
-                <a:uLnTx/>
-                <a:uFillTx/>
-                <a:latin typeface="游ゴシック" panose="020F0502020204030204"/>
-                <a:ea typeface="游ゴシック" panose="020B0400000000000000" pitchFamily="50" charset="-128"/>
-                <a:cs typeface="+mn-cs"/>
-              </a:endParaRPr>
-            </a:p>
-          </p:txBody>
-        </p:sp>
-        <p:sp>
-          <p:nvSpPr>
-            <p:cNvPr id="44" name="正方形/長方形 43">
-              <a:extLst>
-                <a:ext uri="{FF2B5EF4-FFF2-40B4-BE49-F238E27FC236}">
-                  <a16:creationId xmlns:a16="http://schemas.microsoft.com/office/drawing/2014/main" id="{F068A260-3810-4D7B-958B-2318C38B3D94}"/>
-                </a:ext>
-              </a:extLst>
-            </p:cNvPr>
-            <p:cNvSpPr/>
-            <p:nvPr/>
-          </p:nvSpPr>
-          <p:spPr>
-            <a:xfrm>
-              <a:off x="813785" y="4813297"/>
-              <a:ext cx="1464816" cy="488780"/>
-            </a:xfrm>
-            <a:prstGeom prst="rect">
-              <a:avLst/>
-            </a:prstGeom>
-            <a:solidFill>
-              <a:schemeClr val="bg1">
-                <a:lumMod val="85000"/>
-              </a:schemeClr>
-            </a:solidFill>
-          </p:spPr>
-          <p:style>
-            <a:lnRef idx="2">
-              <a:schemeClr val="accent1">
-                <a:shade val="50000"/>
-              </a:schemeClr>
-            </a:lnRef>
-            <a:fillRef idx="1">
-              <a:schemeClr val="accent1"/>
-            </a:fillRef>
-            <a:effectRef idx="0">
-              <a:schemeClr val="accent1"/>
-            </a:effectRef>
-            <a:fontRef idx="minor">
-              <a:schemeClr val="lt1"/>
-            </a:fontRef>
-          </p:style>
-          <p:txBody>
-            <a:bodyPr rtlCol="0" anchor="ctr"/>
-            <a:lstStyle/>
-            <a:p>
-              <a:pPr marL="0" marR="0" lvl="0" indent="0" algn="ctr" defTabSz="914400" rtl="0" eaLnBrk="1" fontAlgn="auto" latinLnBrk="0" hangingPunct="1">
-                <a:lnSpc>
-                  <a:spcPct val="100000"/>
-                </a:lnSpc>
-                <a:spcBef>
-                  <a:spcPts val="0"/>
-                </a:spcBef>
-                <a:spcAft>
-                  <a:spcPts val="0"/>
-                </a:spcAft>
-                <a:buClrTx/>
-                <a:buSzTx/>
-                <a:buFontTx/>
-                <a:buNone/>
-                <a:tabLst/>
-                <a:defRPr/>
-              </a:pPr>
-              <a:r>
-                <a:rPr lang="ja-JP" altLang="en-US" sz="1200" b="1" dirty="0">
-                  <a:solidFill>
-                    <a:prstClr val="black"/>
-                  </a:solidFill>
-                  <a:latin typeface="游ゴシック" panose="020F0502020204030204"/>
-                  <a:ea typeface="游ゴシック" panose="020B0400000000000000" pitchFamily="50" charset="-128"/>
-                </a:rPr>
-                <a:t>なん</a:t>
-              </a:r>
-              <a:r>
-                <a:rPr kumimoji="1" lang="ja-JP" altLang="en-US" sz="1200" b="1" i="0" u="none" strike="noStrike" kern="1200" cap="none" spc="0" normalizeH="0" baseline="0" noProof="0" dirty="0">
-                  <a:ln>
-                    <a:noFill/>
-                  </a:ln>
-                  <a:solidFill>
-                    <a:prstClr val="black"/>
-                  </a:solidFill>
-                  <a:effectLst/>
-                  <a:uLnTx/>
-                  <a:uFillTx/>
-                  <a:latin typeface="游ゴシック" panose="020F0502020204030204"/>
-                  <a:ea typeface="游ゴシック" panose="020B0400000000000000" pitchFamily="50" charset="-128"/>
-                  <a:cs typeface="+mn-cs"/>
-                </a:rPr>
-                <a:t>でやろうと</a:t>
-              </a:r>
-              <a:endParaRPr kumimoji="1" lang="en-US" altLang="ja-JP" sz="1200" b="1" i="0" u="none" strike="noStrike" kern="1200" cap="none" spc="0" normalizeH="0" baseline="0" noProof="0" dirty="0">
-                <a:ln>
-                  <a:noFill/>
-                </a:ln>
-                <a:solidFill>
-                  <a:prstClr val="black"/>
-                </a:solidFill>
-                <a:effectLst/>
-                <a:uLnTx/>
-                <a:uFillTx/>
-                <a:latin typeface="游ゴシック" panose="020F0502020204030204"/>
-                <a:ea typeface="游ゴシック" panose="020B0400000000000000" pitchFamily="50" charset="-128"/>
-                <a:cs typeface="+mn-cs"/>
-              </a:endParaRPr>
-            </a:p>
-            <a:p>
-              <a:pPr marL="0" marR="0" lvl="0" indent="0" algn="ctr" defTabSz="914400" rtl="0" eaLnBrk="1" fontAlgn="auto" latinLnBrk="0" hangingPunct="1">
-                <a:lnSpc>
-                  <a:spcPct val="100000"/>
-                </a:lnSpc>
-                <a:spcBef>
-                  <a:spcPts val="0"/>
-                </a:spcBef>
-                <a:spcAft>
-                  <a:spcPts val="0"/>
-                </a:spcAft>
-                <a:buClrTx/>
-                <a:buSzTx/>
-                <a:buFontTx/>
-                <a:buNone/>
-                <a:tabLst/>
-                <a:defRPr/>
-              </a:pPr>
-              <a:r>
-                <a:rPr kumimoji="1" lang="ja-JP" altLang="en-US" sz="1200" b="1" i="0" u="none" strike="noStrike" kern="1200" cap="none" spc="0" normalizeH="0" baseline="0" noProof="0" dirty="0">
-                  <a:ln>
-                    <a:noFill/>
-                  </a:ln>
-                  <a:solidFill>
-                    <a:prstClr val="black"/>
-                  </a:solidFill>
-                  <a:effectLst/>
-                  <a:uLnTx/>
-                  <a:uFillTx/>
-                  <a:latin typeface="游ゴシック" panose="020F0502020204030204"/>
-                  <a:ea typeface="游ゴシック" panose="020B0400000000000000" pitchFamily="50" charset="-128"/>
-                  <a:cs typeface="+mn-cs"/>
-                </a:rPr>
-                <a:t>思ったのか？</a:t>
-              </a:r>
-              <a:endParaRPr kumimoji="1" lang="en-US" altLang="ja-JP" sz="1200" b="1" i="0" u="none" strike="noStrike" kern="1200" cap="none" spc="0" normalizeH="0" baseline="0" noProof="0" dirty="0">
-                <a:ln>
-                  <a:noFill/>
-                </a:ln>
-                <a:solidFill>
-                  <a:prstClr val="black"/>
-                </a:solidFill>
-                <a:effectLst/>
-                <a:uLnTx/>
-                <a:uFillTx/>
-                <a:latin typeface="游ゴシック" panose="020F0502020204030204"/>
-                <a:ea typeface="游ゴシック" panose="020B0400000000000000" pitchFamily="50" charset="-128"/>
-                <a:cs typeface="+mn-cs"/>
-              </a:endParaRPr>
-            </a:p>
-          </p:txBody>
-        </p:sp>
-        <p:sp>
-          <p:nvSpPr>
-            <p:cNvPr id="45" name="正方形/長方形 44">
-              <a:extLst>
-                <a:ext uri="{FF2B5EF4-FFF2-40B4-BE49-F238E27FC236}">
-                  <a16:creationId xmlns:a16="http://schemas.microsoft.com/office/drawing/2014/main" id="{335B5976-2527-412A-A4C4-BB858D25747A}"/>
-                </a:ext>
-              </a:extLst>
-            </p:cNvPr>
-            <p:cNvSpPr/>
-            <p:nvPr/>
-          </p:nvSpPr>
-          <p:spPr>
-            <a:xfrm>
-              <a:off x="813785" y="5374961"/>
-              <a:ext cx="1464816" cy="488780"/>
-            </a:xfrm>
-            <a:prstGeom prst="rect">
-              <a:avLst/>
-            </a:prstGeom>
-            <a:solidFill>
-              <a:schemeClr val="bg1">
-                <a:lumMod val="85000"/>
-              </a:schemeClr>
-            </a:solidFill>
-          </p:spPr>
-          <p:style>
-            <a:lnRef idx="2">
-              <a:schemeClr val="accent1">
-                <a:shade val="50000"/>
-              </a:schemeClr>
-            </a:lnRef>
-            <a:fillRef idx="1">
-              <a:schemeClr val="accent1"/>
-            </a:fillRef>
-            <a:effectRef idx="0">
-              <a:schemeClr val="accent1"/>
-            </a:effectRef>
-            <a:fontRef idx="minor">
-              <a:schemeClr val="lt1"/>
-            </a:fontRef>
-          </p:style>
-          <p:txBody>
-            <a:bodyPr rtlCol="0" anchor="ctr"/>
-            <a:lstStyle/>
-            <a:p>
-              <a:pPr marL="0" marR="0" lvl="0" indent="0" algn="ctr" defTabSz="914400" rtl="0" eaLnBrk="1" fontAlgn="auto" latinLnBrk="0" hangingPunct="1">
-                <a:lnSpc>
-                  <a:spcPct val="100000"/>
-                </a:lnSpc>
-                <a:spcBef>
-                  <a:spcPts val="0"/>
-                </a:spcBef>
-                <a:spcAft>
-                  <a:spcPts val="0"/>
-                </a:spcAft>
-                <a:buClrTx/>
-                <a:buSzTx/>
-                <a:buFontTx/>
-                <a:buNone/>
-                <a:tabLst/>
-                <a:defRPr/>
-              </a:pPr>
-              <a:r>
-                <a:rPr kumimoji="1" lang="ja-JP" altLang="en-US" sz="1200" b="1" i="0" u="none" strike="noStrike" kern="1200" cap="none" spc="0" normalizeH="0" baseline="0" noProof="0" dirty="0">
-                  <a:ln>
-                    <a:noFill/>
-                  </a:ln>
-                  <a:solidFill>
-                    <a:prstClr val="black"/>
-                  </a:solidFill>
-                  <a:effectLst/>
-                  <a:uLnTx/>
-                  <a:uFillTx/>
-                  <a:latin typeface="游ゴシック" panose="020F0502020204030204"/>
-                  <a:ea typeface="游ゴシック" panose="020B0400000000000000" pitchFamily="50" charset="-128"/>
-                  <a:cs typeface="+mn-cs"/>
-                </a:rPr>
-                <a:t>そこから何を</a:t>
-              </a:r>
-              <a:endParaRPr kumimoji="1" lang="en-US" altLang="ja-JP" sz="1200" b="1" i="0" u="none" strike="noStrike" kern="1200" cap="none" spc="0" normalizeH="0" baseline="0" noProof="0" dirty="0">
-                <a:ln>
-                  <a:noFill/>
-                </a:ln>
-                <a:solidFill>
-                  <a:prstClr val="black"/>
-                </a:solidFill>
-                <a:effectLst/>
-                <a:uLnTx/>
-                <a:uFillTx/>
-                <a:latin typeface="游ゴシック" panose="020F0502020204030204"/>
-                <a:ea typeface="游ゴシック" panose="020B0400000000000000" pitchFamily="50" charset="-128"/>
-                <a:cs typeface="+mn-cs"/>
-              </a:endParaRPr>
-            </a:p>
-            <a:p>
-              <a:pPr marL="0" marR="0" lvl="0" indent="0" algn="ctr" defTabSz="914400" rtl="0" eaLnBrk="1" fontAlgn="auto" latinLnBrk="0" hangingPunct="1">
-                <a:lnSpc>
-                  <a:spcPct val="100000"/>
-                </a:lnSpc>
-                <a:spcBef>
-                  <a:spcPts val="0"/>
-                </a:spcBef>
-                <a:spcAft>
-                  <a:spcPts val="0"/>
-                </a:spcAft>
-                <a:buClrTx/>
-                <a:buSzTx/>
-                <a:buFontTx/>
-                <a:buNone/>
-                <a:tabLst/>
-                <a:defRPr/>
-              </a:pPr>
-              <a:r>
-                <a:rPr kumimoji="1" lang="ja-JP" altLang="en-US" sz="1200" b="1" i="0" u="none" strike="noStrike" kern="1200" cap="none" spc="0" normalizeH="0" baseline="0" noProof="0" dirty="0">
-                  <a:ln>
-                    <a:noFill/>
-                  </a:ln>
-                  <a:solidFill>
-                    <a:prstClr val="black"/>
-                  </a:solidFill>
-                  <a:effectLst/>
-                  <a:uLnTx/>
-                  <a:uFillTx/>
-                  <a:latin typeface="游ゴシック" panose="020F0502020204030204"/>
-                  <a:ea typeface="游ゴシック" panose="020B0400000000000000" pitchFamily="50" charset="-128"/>
-                  <a:cs typeface="+mn-cs"/>
-                </a:rPr>
-                <a:t>学んだのか？</a:t>
-              </a:r>
-              <a:endParaRPr kumimoji="1" lang="en-US" altLang="ja-JP" sz="1200" b="1" i="0" u="none" strike="noStrike" kern="1200" cap="none" spc="0" normalizeH="0" baseline="0" noProof="0" dirty="0">
-                <a:ln>
-                  <a:noFill/>
-                </a:ln>
-                <a:solidFill>
-                  <a:prstClr val="black"/>
-                </a:solidFill>
-                <a:effectLst/>
-                <a:uLnTx/>
-                <a:uFillTx/>
-                <a:latin typeface="游ゴシック" panose="020F0502020204030204"/>
-                <a:ea typeface="游ゴシック" panose="020B0400000000000000" pitchFamily="50" charset="-128"/>
-                <a:cs typeface="+mn-cs"/>
-              </a:endParaRPr>
-            </a:p>
-          </p:txBody>
-        </p:sp>
-        <p:sp>
-          <p:nvSpPr>
-            <p:cNvPr id="46" name="正方形/長方形 45">
-              <a:extLst>
-                <a:ext uri="{FF2B5EF4-FFF2-40B4-BE49-F238E27FC236}">
-                  <a16:creationId xmlns:a16="http://schemas.microsoft.com/office/drawing/2014/main" id="{CA483D8C-D794-4B65-A388-13F1C83DED69}"/>
-                </a:ext>
-              </a:extLst>
-            </p:cNvPr>
-            <p:cNvSpPr/>
-            <p:nvPr/>
-          </p:nvSpPr>
-          <p:spPr>
-            <a:xfrm>
-              <a:off x="813785" y="5936624"/>
-              <a:ext cx="1464816" cy="488780"/>
-            </a:xfrm>
-            <a:prstGeom prst="rect">
-              <a:avLst/>
-            </a:prstGeom>
-            <a:solidFill>
-              <a:schemeClr val="bg1">
-                <a:lumMod val="85000"/>
-              </a:schemeClr>
-            </a:solidFill>
-          </p:spPr>
-          <p:style>
-            <a:lnRef idx="2">
-              <a:schemeClr val="accent1">
-                <a:shade val="50000"/>
-              </a:schemeClr>
-            </a:lnRef>
-            <a:fillRef idx="1">
-              <a:schemeClr val="accent1"/>
-            </a:fillRef>
-            <a:effectRef idx="0">
-              <a:schemeClr val="accent1"/>
-            </a:effectRef>
-            <a:fontRef idx="minor">
-              <a:schemeClr val="lt1"/>
-            </a:fontRef>
-          </p:style>
-          <p:txBody>
-            <a:bodyPr rtlCol="0" anchor="ctr"/>
-            <a:lstStyle/>
-            <a:p>
-              <a:pPr algn="ctr"/>
-              <a:r>
-                <a:rPr lang="ja-JP" altLang="en-US" sz="1200" b="1" dirty="0">
-                  <a:solidFill>
-                    <a:schemeClr val="tx1"/>
-                  </a:solidFill>
-                </a:rPr>
-                <a:t>今にどう繋がっているのか？</a:t>
-              </a:r>
-              <a:endParaRPr lang="en-US" altLang="ja-JP" sz="1200" b="1" dirty="0">
-                <a:solidFill>
-                  <a:schemeClr val="tx1"/>
-                </a:solidFill>
-              </a:endParaRPr>
-            </a:p>
-          </p:txBody>
-        </p:sp>
-        <p:sp>
-          <p:nvSpPr>
-            <p:cNvPr id="47" name="正方形/長方形 46">
-              <a:extLst>
-                <a:ext uri="{FF2B5EF4-FFF2-40B4-BE49-F238E27FC236}">
-                  <a16:creationId xmlns:a16="http://schemas.microsoft.com/office/drawing/2014/main" id="{AD095714-E505-43DD-94A5-858E6EF633A3}"/>
-                </a:ext>
-              </a:extLst>
-            </p:cNvPr>
-            <p:cNvSpPr/>
-            <p:nvPr/>
-          </p:nvSpPr>
-          <p:spPr>
-            <a:xfrm>
-              <a:off x="813785" y="3693110"/>
-              <a:ext cx="1464816" cy="488780"/>
-            </a:xfrm>
-            <a:prstGeom prst="rect">
-              <a:avLst/>
-            </a:prstGeom>
-            <a:solidFill>
-              <a:schemeClr val="bg1">
-                <a:lumMod val="85000"/>
-              </a:schemeClr>
-            </a:solidFill>
-          </p:spPr>
-          <p:style>
-            <a:lnRef idx="2">
-              <a:schemeClr val="accent1">
-                <a:shade val="50000"/>
-              </a:schemeClr>
-            </a:lnRef>
-            <a:fillRef idx="1">
-              <a:schemeClr val="accent1"/>
-            </a:fillRef>
-            <a:effectRef idx="0">
-              <a:schemeClr val="accent1"/>
-            </a:effectRef>
-            <a:fontRef idx="minor">
-              <a:schemeClr val="lt1"/>
-            </a:fontRef>
-          </p:style>
-          <p:txBody>
-            <a:bodyPr rtlCol="0" anchor="ctr"/>
-            <a:lstStyle/>
-            <a:p>
-              <a:pPr algn="ctr"/>
-              <a:r>
-                <a:rPr lang="ja-JP" altLang="en-US" sz="1200" b="1" dirty="0">
-                  <a:solidFill>
-                    <a:schemeClr val="tx1"/>
-                  </a:solidFill>
-                </a:rPr>
-                <a:t>何が</a:t>
-              </a:r>
-              <a:endParaRPr lang="en-US" altLang="ja-JP" sz="1200" b="1" dirty="0">
-                <a:solidFill>
-                  <a:schemeClr val="tx1"/>
-                </a:solidFill>
-              </a:endParaRPr>
-            </a:p>
-            <a:p>
-              <a:pPr algn="ctr"/>
-              <a:r>
-                <a:rPr lang="ja-JP" altLang="en-US" sz="1200" b="1" dirty="0">
-                  <a:solidFill>
-                    <a:schemeClr val="tx1"/>
-                  </a:solidFill>
-                </a:rPr>
-                <a:t>起こったのか？</a:t>
-              </a:r>
-              <a:endParaRPr lang="en-US" altLang="ja-JP" sz="1200" b="1" dirty="0">
-                <a:solidFill>
-                  <a:schemeClr val="tx1"/>
-                </a:solidFill>
-              </a:endParaRPr>
-            </a:p>
-          </p:txBody>
-        </p:sp>
-        <p:sp>
-          <p:nvSpPr>
-            <p:cNvPr id="50" name="正方形/長方形 49">
-              <a:extLst>
-                <a:ext uri="{FF2B5EF4-FFF2-40B4-BE49-F238E27FC236}">
-                  <a16:creationId xmlns:a16="http://schemas.microsoft.com/office/drawing/2014/main" id="{101A1D15-1E64-470D-A508-8C38262A1AA3}"/>
-                </a:ext>
-              </a:extLst>
-            </p:cNvPr>
-            <p:cNvSpPr/>
-            <p:nvPr/>
-          </p:nvSpPr>
-          <p:spPr>
-            <a:xfrm>
-              <a:off x="813785" y="3131446"/>
-              <a:ext cx="1464816" cy="488780"/>
-            </a:xfrm>
-            <a:prstGeom prst="rect">
-              <a:avLst/>
-            </a:prstGeom>
-            <a:solidFill>
-              <a:schemeClr val="tx1">
-                <a:lumMod val="50000"/>
-                <a:lumOff val="50000"/>
-              </a:schemeClr>
-            </a:solidFill>
-          </p:spPr>
-          <p:style>
-            <a:lnRef idx="2">
-              <a:schemeClr val="accent1">
-                <a:shade val="50000"/>
-              </a:schemeClr>
-            </a:lnRef>
-            <a:fillRef idx="1">
-              <a:schemeClr val="accent1"/>
-            </a:fillRef>
-            <a:effectRef idx="0">
-              <a:schemeClr val="accent1"/>
-            </a:effectRef>
-            <a:fontRef idx="minor">
-              <a:schemeClr val="lt1"/>
-            </a:fontRef>
-          </p:style>
-          <p:txBody>
-            <a:bodyPr rtlCol="0" anchor="ctr"/>
-            <a:lstStyle/>
-            <a:p>
-              <a:pPr algn="ctr"/>
-              <a:endParaRPr kumimoji="1" lang="ja-JP" altLang="en-US">
-                <a:solidFill>
-                  <a:schemeClr val="bg1"/>
-                </a:solidFill>
-              </a:endParaRPr>
-            </a:p>
-          </p:txBody>
-        </p:sp>
-        <p:sp>
-          <p:nvSpPr>
-            <p:cNvPr id="52" name="正方形/長方形 51">
-              <a:extLst>
-                <a:ext uri="{FF2B5EF4-FFF2-40B4-BE49-F238E27FC236}">
-                  <a16:creationId xmlns:a16="http://schemas.microsoft.com/office/drawing/2014/main" id="{E8BC01A4-309F-4604-8C97-EEF05F68A1E3}"/>
-                </a:ext>
-              </a:extLst>
-            </p:cNvPr>
-            <p:cNvSpPr/>
-            <p:nvPr/>
-          </p:nvSpPr>
-          <p:spPr>
-            <a:xfrm>
-              <a:off x="2344861" y="3143597"/>
-              <a:ext cx="2296872" cy="488780"/>
-            </a:xfrm>
-            <a:prstGeom prst="rect">
-              <a:avLst/>
-            </a:prstGeom>
-            <a:solidFill>
-              <a:schemeClr val="tx1">
-                <a:lumMod val="50000"/>
-                <a:lumOff val="50000"/>
-              </a:schemeClr>
-            </a:solidFill>
-          </p:spPr>
-          <p:style>
-            <a:lnRef idx="2">
-              <a:schemeClr val="accent1">
-                <a:shade val="50000"/>
-              </a:schemeClr>
-            </a:lnRef>
-            <a:fillRef idx="1">
-              <a:schemeClr val="accent1"/>
-            </a:fillRef>
-            <a:effectRef idx="0">
-              <a:schemeClr val="accent1"/>
-            </a:effectRef>
-            <a:fontRef idx="minor">
-              <a:schemeClr val="lt1"/>
-            </a:fontRef>
-          </p:style>
-          <p:txBody>
-            <a:bodyPr rtlCol="0" anchor="ctr"/>
-            <a:lstStyle/>
-            <a:p>
-              <a:pPr algn="ctr"/>
-              <a:r>
-                <a:rPr kumimoji="1" lang="ja-JP" altLang="en-US" sz="1600" b="1" dirty="0">
-                  <a:solidFill>
-                    <a:schemeClr val="bg1"/>
-                  </a:solidFill>
-                </a:rPr>
-                <a:t>ターニングポイント①</a:t>
-              </a:r>
-            </a:p>
-          </p:txBody>
-        </p:sp>
-        <p:sp>
-          <p:nvSpPr>
-            <p:cNvPr id="53" name="正方形/長方形 52">
-              <a:extLst>
-                <a:ext uri="{FF2B5EF4-FFF2-40B4-BE49-F238E27FC236}">
-                  <a16:creationId xmlns:a16="http://schemas.microsoft.com/office/drawing/2014/main" id="{981A0B1E-C931-4A13-AE3C-C24CDFB7E73B}"/>
-                </a:ext>
-              </a:extLst>
-            </p:cNvPr>
-            <p:cNvSpPr/>
-            <p:nvPr/>
-          </p:nvSpPr>
-          <p:spPr>
-            <a:xfrm>
-              <a:off x="4750122" y="3143597"/>
-              <a:ext cx="2296872" cy="488780"/>
-            </a:xfrm>
-            <a:prstGeom prst="rect">
-              <a:avLst/>
-            </a:prstGeom>
-            <a:solidFill>
-              <a:schemeClr val="tx1">
-                <a:lumMod val="50000"/>
-                <a:lumOff val="50000"/>
-              </a:schemeClr>
-            </a:solidFill>
-          </p:spPr>
-          <p:style>
-            <a:lnRef idx="2">
-              <a:schemeClr val="accent1">
-                <a:shade val="50000"/>
-              </a:schemeClr>
-            </a:lnRef>
-            <a:fillRef idx="1">
-              <a:schemeClr val="accent1"/>
-            </a:fillRef>
-            <a:effectRef idx="0">
-              <a:schemeClr val="accent1"/>
-            </a:effectRef>
-            <a:fontRef idx="minor">
-              <a:schemeClr val="lt1"/>
-            </a:fontRef>
-          </p:style>
-          <p:txBody>
-            <a:bodyPr rtlCol="0" anchor="ctr"/>
-            <a:lstStyle/>
-            <a:p>
-              <a:pPr algn="ctr"/>
-              <a:r>
-                <a:rPr kumimoji="1" lang="ja-JP" altLang="en-US" sz="1600" b="1" dirty="0">
-                  <a:solidFill>
-                    <a:schemeClr val="bg1"/>
-                  </a:solidFill>
-                </a:rPr>
-                <a:t>ターニングポイント</a:t>
-              </a:r>
-              <a:r>
-                <a:rPr lang="ja-JP" altLang="en-US" b="1" dirty="0">
-                  <a:solidFill>
-                    <a:schemeClr val="bg1"/>
-                  </a:solidFill>
-                </a:rPr>
-                <a:t>②</a:t>
-              </a:r>
-              <a:endParaRPr kumimoji="1" lang="ja-JP" altLang="en-US" sz="1800" b="1" dirty="0">
-                <a:solidFill>
-                  <a:schemeClr val="bg1"/>
-                </a:solidFill>
-              </a:endParaRPr>
-            </a:p>
-          </p:txBody>
-        </p:sp>
-        <p:sp>
-          <p:nvSpPr>
-            <p:cNvPr id="54" name="正方形/長方形 53">
-              <a:extLst>
-                <a:ext uri="{FF2B5EF4-FFF2-40B4-BE49-F238E27FC236}">
-                  <a16:creationId xmlns:a16="http://schemas.microsoft.com/office/drawing/2014/main" id="{5079106F-994F-40A9-B0F4-2424D67AF2D4}"/>
-                </a:ext>
-              </a:extLst>
-            </p:cNvPr>
-            <p:cNvSpPr/>
-            <p:nvPr/>
-          </p:nvSpPr>
-          <p:spPr>
-            <a:xfrm>
-              <a:off x="7155383" y="3143597"/>
-              <a:ext cx="2296872" cy="488780"/>
-            </a:xfrm>
-            <a:prstGeom prst="rect">
-              <a:avLst/>
-            </a:prstGeom>
-            <a:solidFill>
-              <a:schemeClr val="tx1">
-                <a:lumMod val="50000"/>
-                <a:lumOff val="50000"/>
-              </a:schemeClr>
-            </a:solidFill>
-          </p:spPr>
-          <p:style>
-            <a:lnRef idx="2">
-              <a:schemeClr val="accent1">
-                <a:shade val="50000"/>
-              </a:schemeClr>
-            </a:lnRef>
-            <a:fillRef idx="1">
-              <a:schemeClr val="accent1"/>
-            </a:fillRef>
-            <a:effectRef idx="0">
-              <a:schemeClr val="accent1"/>
-            </a:effectRef>
-            <a:fontRef idx="minor">
-              <a:schemeClr val="lt1"/>
-            </a:fontRef>
-          </p:style>
-          <p:txBody>
-            <a:bodyPr rtlCol="0" anchor="ctr"/>
-            <a:lstStyle/>
-            <a:p>
-              <a:pPr algn="ctr"/>
-              <a:r>
-                <a:rPr kumimoji="1" lang="ja-JP" altLang="en-US" sz="1600" b="1" dirty="0">
-                  <a:solidFill>
-                    <a:schemeClr val="bg1"/>
-                  </a:solidFill>
-                </a:rPr>
-                <a:t>ターニングポイント③</a:t>
-              </a:r>
-            </a:p>
-          </p:txBody>
-        </p:sp>
-        <p:sp>
-          <p:nvSpPr>
-            <p:cNvPr id="55" name="正方形/長方形 54">
-              <a:extLst>
-                <a:ext uri="{FF2B5EF4-FFF2-40B4-BE49-F238E27FC236}">
-                  <a16:creationId xmlns:a16="http://schemas.microsoft.com/office/drawing/2014/main" id="{03EDB300-E2EA-4F85-B591-D1EF4A974900}"/>
-                </a:ext>
-              </a:extLst>
-            </p:cNvPr>
-            <p:cNvSpPr/>
-            <p:nvPr/>
-          </p:nvSpPr>
-          <p:spPr>
-            <a:xfrm>
-              <a:off x="9560644" y="3143597"/>
-              <a:ext cx="2296872" cy="488780"/>
-            </a:xfrm>
-            <a:prstGeom prst="rect">
-              <a:avLst/>
-            </a:prstGeom>
-            <a:solidFill>
-              <a:schemeClr val="tx1">
-                <a:lumMod val="50000"/>
-                <a:lumOff val="50000"/>
-              </a:schemeClr>
-            </a:solidFill>
-          </p:spPr>
-          <p:style>
-            <a:lnRef idx="2">
-              <a:schemeClr val="accent1">
-                <a:shade val="50000"/>
-              </a:schemeClr>
-            </a:lnRef>
-            <a:fillRef idx="1">
-              <a:schemeClr val="accent1"/>
-            </a:fillRef>
-            <a:effectRef idx="0">
-              <a:schemeClr val="accent1"/>
-            </a:effectRef>
-            <a:fontRef idx="minor">
-              <a:schemeClr val="lt1"/>
-            </a:fontRef>
-          </p:style>
-          <p:txBody>
-            <a:bodyPr rtlCol="0" anchor="ctr"/>
-            <a:lstStyle/>
-            <a:p>
-              <a:pPr algn="ctr"/>
-              <a:r>
-                <a:rPr kumimoji="1" lang="ja-JP" altLang="en-US" sz="1600" b="1" dirty="0">
-                  <a:solidFill>
-                    <a:schemeClr val="bg1"/>
-                  </a:solidFill>
-                </a:rPr>
-                <a:t>ターニングポイント④</a:t>
-              </a:r>
-            </a:p>
-          </p:txBody>
-        </p:sp>
-        <p:sp>
-          <p:nvSpPr>
-            <p:cNvPr id="56" name="正方形/長方形 55">
-              <a:extLst>
-                <a:ext uri="{FF2B5EF4-FFF2-40B4-BE49-F238E27FC236}">
-                  <a16:creationId xmlns:a16="http://schemas.microsoft.com/office/drawing/2014/main" id="{7993616F-867F-438C-9F63-C746B03EDF0B}"/>
-                </a:ext>
-              </a:extLst>
-            </p:cNvPr>
-            <p:cNvSpPr/>
-            <p:nvPr/>
-          </p:nvSpPr>
-          <p:spPr>
-            <a:xfrm>
-              <a:off x="2349293" y="4251634"/>
-              <a:ext cx="2292439" cy="488780"/>
-            </a:xfrm>
-            <a:prstGeom prst="rect">
-              <a:avLst/>
-            </a:prstGeom>
-            <a:solidFill>
-              <a:schemeClr val="bg1"/>
-            </a:solidFill>
-          </p:spPr>
-          <p:style>
-            <a:lnRef idx="2">
-              <a:schemeClr val="accent1">
-                <a:shade val="50000"/>
-              </a:schemeClr>
-            </a:lnRef>
-            <a:fillRef idx="1">
-              <a:schemeClr val="accent1"/>
-            </a:fillRef>
-            <a:effectRef idx="0">
-              <a:schemeClr val="accent1"/>
-            </a:effectRef>
-            <a:fontRef idx="minor">
-              <a:schemeClr val="lt1"/>
-            </a:fontRef>
-          </p:style>
-          <p:txBody>
-            <a:bodyPr rtlCol="0" anchor="ctr"/>
-            <a:lstStyle/>
-            <a:p>
-              <a:pPr algn="ctr"/>
-              <a:endParaRPr kumimoji="1" lang="ja-JP" altLang="en-US" dirty="0"/>
-            </a:p>
-          </p:txBody>
-        </p:sp>
-        <p:sp>
-          <p:nvSpPr>
-            <p:cNvPr id="57" name="正方形/長方形 56">
-              <a:extLst>
-                <a:ext uri="{FF2B5EF4-FFF2-40B4-BE49-F238E27FC236}">
-                  <a16:creationId xmlns:a16="http://schemas.microsoft.com/office/drawing/2014/main" id="{A8C6EBD6-84C5-4363-AAD9-14488C360CC5}"/>
-                </a:ext>
-              </a:extLst>
-            </p:cNvPr>
-            <p:cNvSpPr/>
-            <p:nvPr/>
-          </p:nvSpPr>
-          <p:spPr>
-            <a:xfrm>
-              <a:off x="2349293" y="4813297"/>
-              <a:ext cx="2292439" cy="488780"/>
-            </a:xfrm>
-            <a:prstGeom prst="rect">
-              <a:avLst/>
-            </a:prstGeom>
-            <a:solidFill>
-              <a:schemeClr val="bg1"/>
-            </a:solidFill>
-          </p:spPr>
-          <p:style>
-            <a:lnRef idx="2">
-              <a:schemeClr val="accent1">
-                <a:shade val="50000"/>
-              </a:schemeClr>
-            </a:lnRef>
-            <a:fillRef idx="1">
-              <a:schemeClr val="accent1"/>
-            </a:fillRef>
-            <a:effectRef idx="0">
-              <a:schemeClr val="accent1"/>
-            </a:effectRef>
-            <a:fontRef idx="minor">
-              <a:schemeClr val="lt1"/>
-            </a:fontRef>
-          </p:style>
-          <p:txBody>
-            <a:bodyPr rtlCol="0" anchor="ctr"/>
-            <a:lstStyle/>
-            <a:p>
-              <a:pPr algn="ctr"/>
-              <a:endParaRPr kumimoji="1" lang="ja-JP" altLang="en-US"/>
-            </a:p>
-          </p:txBody>
-        </p:sp>
-        <p:sp>
-          <p:nvSpPr>
-            <p:cNvPr id="58" name="正方形/長方形 57">
-              <a:extLst>
-                <a:ext uri="{FF2B5EF4-FFF2-40B4-BE49-F238E27FC236}">
-                  <a16:creationId xmlns:a16="http://schemas.microsoft.com/office/drawing/2014/main" id="{4EDF416A-EDC8-4FD6-9C4F-AA94E938D8E1}"/>
-                </a:ext>
-              </a:extLst>
-            </p:cNvPr>
-            <p:cNvSpPr/>
-            <p:nvPr/>
-          </p:nvSpPr>
-          <p:spPr>
-            <a:xfrm>
-              <a:off x="2349293" y="5374961"/>
-              <a:ext cx="2292439" cy="488780"/>
-            </a:xfrm>
-            <a:prstGeom prst="rect">
-              <a:avLst/>
-            </a:prstGeom>
-            <a:solidFill>
-              <a:schemeClr val="bg1"/>
-            </a:solidFill>
-          </p:spPr>
-          <p:style>
-            <a:lnRef idx="2">
-              <a:schemeClr val="accent1">
-                <a:shade val="50000"/>
-              </a:schemeClr>
-            </a:lnRef>
-            <a:fillRef idx="1">
-              <a:schemeClr val="accent1"/>
-            </a:fillRef>
-            <a:effectRef idx="0">
-              <a:schemeClr val="accent1"/>
-            </a:effectRef>
-            <a:fontRef idx="minor">
-              <a:schemeClr val="lt1"/>
-            </a:fontRef>
-          </p:style>
-          <p:txBody>
-            <a:bodyPr rtlCol="0" anchor="ctr"/>
-            <a:lstStyle/>
-            <a:p>
-              <a:pPr algn="ctr"/>
-              <a:endParaRPr kumimoji="1" lang="ja-JP" altLang="en-US"/>
-            </a:p>
-          </p:txBody>
-        </p:sp>
-        <p:sp>
-          <p:nvSpPr>
-            <p:cNvPr id="59" name="正方形/長方形 58">
-              <a:extLst>
-                <a:ext uri="{FF2B5EF4-FFF2-40B4-BE49-F238E27FC236}">
-                  <a16:creationId xmlns:a16="http://schemas.microsoft.com/office/drawing/2014/main" id="{D6A24C5A-B7B4-41DC-A43F-4C7F908EC6AE}"/>
-                </a:ext>
-              </a:extLst>
-            </p:cNvPr>
-            <p:cNvSpPr/>
-            <p:nvPr/>
-          </p:nvSpPr>
-          <p:spPr>
-            <a:xfrm>
-              <a:off x="2349293" y="5936624"/>
-              <a:ext cx="2292439" cy="488780"/>
-            </a:xfrm>
-            <a:prstGeom prst="rect">
-              <a:avLst/>
-            </a:prstGeom>
-            <a:solidFill>
-              <a:schemeClr val="bg1"/>
-            </a:solidFill>
-          </p:spPr>
-          <p:style>
-            <a:lnRef idx="2">
-              <a:schemeClr val="accent1">
-                <a:shade val="50000"/>
-              </a:schemeClr>
-            </a:lnRef>
-            <a:fillRef idx="1">
-              <a:schemeClr val="accent1"/>
-            </a:fillRef>
-            <a:effectRef idx="0">
-              <a:schemeClr val="accent1"/>
-            </a:effectRef>
-            <a:fontRef idx="minor">
-              <a:schemeClr val="lt1"/>
-            </a:fontRef>
-          </p:style>
-          <p:txBody>
-            <a:bodyPr rtlCol="0" anchor="ctr"/>
-            <a:lstStyle/>
-            <a:p>
-              <a:pPr algn="ctr"/>
-              <a:endParaRPr kumimoji="1" lang="ja-JP" altLang="en-US"/>
-            </a:p>
-          </p:txBody>
-        </p:sp>
-        <p:sp>
-          <p:nvSpPr>
-            <p:cNvPr id="60" name="正方形/長方形 59">
-              <a:extLst>
-                <a:ext uri="{FF2B5EF4-FFF2-40B4-BE49-F238E27FC236}">
-                  <a16:creationId xmlns:a16="http://schemas.microsoft.com/office/drawing/2014/main" id="{953D4819-2561-4368-A836-54E24937BA32}"/>
-                </a:ext>
-              </a:extLst>
-            </p:cNvPr>
-            <p:cNvSpPr/>
-            <p:nvPr/>
-          </p:nvSpPr>
-          <p:spPr>
-            <a:xfrm>
-              <a:off x="2349293" y="3693110"/>
-              <a:ext cx="2292439" cy="488780"/>
-            </a:xfrm>
-            <a:prstGeom prst="rect">
-              <a:avLst/>
-            </a:prstGeom>
-            <a:solidFill>
-              <a:schemeClr val="bg1"/>
-            </a:solidFill>
-          </p:spPr>
-          <p:style>
-            <a:lnRef idx="2">
-              <a:schemeClr val="accent1">
-                <a:shade val="50000"/>
-              </a:schemeClr>
-            </a:lnRef>
-            <a:fillRef idx="1">
-              <a:schemeClr val="accent1"/>
-            </a:fillRef>
-            <a:effectRef idx="0">
-              <a:schemeClr val="accent1"/>
-            </a:effectRef>
-            <a:fontRef idx="minor">
-              <a:schemeClr val="lt1"/>
-            </a:fontRef>
-          </p:style>
-          <p:txBody>
-            <a:bodyPr rtlCol="0" anchor="ctr"/>
-            <a:lstStyle/>
-            <a:p>
-              <a:pPr algn="ctr"/>
-              <a:endParaRPr kumimoji="1" lang="ja-JP" altLang="en-US" dirty="0"/>
-            </a:p>
-          </p:txBody>
-        </p:sp>
-        <p:sp>
-          <p:nvSpPr>
-            <p:cNvPr id="61" name="正方形/長方形 60">
-              <a:extLst>
-                <a:ext uri="{FF2B5EF4-FFF2-40B4-BE49-F238E27FC236}">
-                  <a16:creationId xmlns:a16="http://schemas.microsoft.com/office/drawing/2014/main" id="{3104585F-1BE0-41C2-B3A7-4E05C2C906B4}"/>
-                </a:ext>
-              </a:extLst>
-            </p:cNvPr>
-            <p:cNvSpPr/>
-            <p:nvPr/>
-          </p:nvSpPr>
-          <p:spPr>
-            <a:xfrm>
-              <a:off x="4754555" y="4251634"/>
-              <a:ext cx="2292439" cy="488780"/>
-            </a:xfrm>
-            <a:prstGeom prst="rect">
-              <a:avLst/>
-            </a:prstGeom>
-            <a:solidFill>
-              <a:schemeClr val="bg1"/>
-            </a:solidFill>
-          </p:spPr>
-          <p:style>
-            <a:lnRef idx="2">
-              <a:schemeClr val="accent1">
-                <a:shade val="50000"/>
-              </a:schemeClr>
-            </a:lnRef>
-            <a:fillRef idx="1">
-              <a:schemeClr val="accent1"/>
-            </a:fillRef>
-            <a:effectRef idx="0">
-              <a:schemeClr val="accent1"/>
-            </a:effectRef>
-            <a:fontRef idx="minor">
-              <a:schemeClr val="lt1"/>
-            </a:fontRef>
-          </p:style>
-          <p:txBody>
-            <a:bodyPr rtlCol="0" anchor="ctr"/>
-            <a:lstStyle/>
-            <a:p>
-              <a:pPr algn="ctr"/>
-              <a:endParaRPr kumimoji="1" lang="ja-JP" altLang="en-US"/>
-            </a:p>
-          </p:txBody>
-        </p:sp>
-        <p:sp>
-          <p:nvSpPr>
-            <p:cNvPr id="62" name="正方形/長方形 61">
-              <a:extLst>
-                <a:ext uri="{FF2B5EF4-FFF2-40B4-BE49-F238E27FC236}">
-                  <a16:creationId xmlns:a16="http://schemas.microsoft.com/office/drawing/2014/main" id="{DCF5A3B1-B3A9-4307-B723-156BE5EE718D}"/>
-                </a:ext>
-              </a:extLst>
-            </p:cNvPr>
-            <p:cNvSpPr/>
-            <p:nvPr/>
-          </p:nvSpPr>
-          <p:spPr>
-            <a:xfrm>
-              <a:off x="4754555" y="4813297"/>
-              <a:ext cx="2292439" cy="488780"/>
-            </a:xfrm>
-            <a:prstGeom prst="rect">
-              <a:avLst/>
-            </a:prstGeom>
-            <a:solidFill>
-              <a:schemeClr val="bg1"/>
-            </a:solidFill>
-          </p:spPr>
-          <p:style>
-            <a:lnRef idx="2">
-              <a:schemeClr val="accent1">
-                <a:shade val="50000"/>
-              </a:schemeClr>
-            </a:lnRef>
-            <a:fillRef idx="1">
-              <a:schemeClr val="accent1"/>
-            </a:fillRef>
-            <a:effectRef idx="0">
-              <a:schemeClr val="accent1"/>
-            </a:effectRef>
-            <a:fontRef idx="minor">
-              <a:schemeClr val="lt1"/>
-            </a:fontRef>
-          </p:style>
-          <p:txBody>
-            <a:bodyPr rtlCol="0" anchor="ctr"/>
-            <a:lstStyle/>
-            <a:p>
-              <a:pPr algn="ctr"/>
-              <a:endParaRPr kumimoji="1" lang="ja-JP" altLang="en-US"/>
-            </a:p>
-          </p:txBody>
-        </p:sp>
-        <p:sp>
-          <p:nvSpPr>
-            <p:cNvPr id="63" name="正方形/長方形 62">
-              <a:extLst>
-                <a:ext uri="{FF2B5EF4-FFF2-40B4-BE49-F238E27FC236}">
-                  <a16:creationId xmlns:a16="http://schemas.microsoft.com/office/drawing/2014/main" id="{5AFCE176-AC88-4801-9321-D37365458846}"/>
-                </a:ext>
-              </a:extLst>
-            </p:cNvPr>
-            <p:cNvSpPr/>
-            <p:nvPr/>
-          </p:nvSpPr>
-          <p:spPr>
-            <a:xfrm>
-              <a:off x="4754555" y="5374961"/>
-              <a:ext cx="2292439" cy="488780"/>
-            </a:xfrm>
-            <a:prstGeom prst="rect">
-              <a:avLst/>
-            </a:prstGeom>
-            <a:solidFill>
-              <a:schemeClr val="bg1"/>
-            </a:solidFill>
-          </p:spPr>
-          <p:style>
-            <a:lnRef idx="2">
-              <a:schemeClr val="accent1">
-                <a:shade val="50000"/>
-              </a:schemeClr>
-            </a:lnRef>
-            <a:fillRef idx="1">
-              <a:schemeClr val="accent1"/>
-            </a:fillRef>
-            <a:effectRef idx="0">
-              <a:schemeClr val="accent1"/>
-            </a:effectRef>
-            <a:fontRef idx="minor">
-              <a:schemeClr val="lt1"/>
-            </a:fontRef>
-          </p:style>
-          <p:txBody>
-            <a:bodyPr rtlCol="0" anchor="ctr"/>
-            <a:lstStyle/>
-            <a:p>
-              <a:pPr algn="ctr"/>
-              <a:endParaRPr kumimoji="1" lang="ja-JP" altLang="en-US"/>
-            </a:p>
-          </p:txBody>
-        </p:sp>
-        <p:sp>
-          <p:nvSpPr>
-            <p:cNvPr id="64" name="正方形/長方形 63">
-              <a:extLst>
-                <a:ext uri="{FF2B5EF4-FFF2-40B4-BE49-F238E27FC236}">
-                  <a16:creationId xmlns:a16="http://schemas.microsoft.com/office/drawing/2014/main" id="{48F64850-8991-4490-BDB6-E77E5D54DB04}"/>
-                </a:ext>
-              </a:extLst>
-            </p:cNvPr>
-            <p:cNvSpPr/>
-            <p:nvPr/>
-          </p:nvSpPr>
-          <p:spPr>
-            <a:xfrm>
-              <a:off x="4754555" y="5936624"/>
-              <a:ext cx="2292439" cy="488780"/>
-            </a:xfrm>
-            <a:prstGeom prst="rect">
-              <a:avLst/>
-            </a:prstGeom>
-            <a:solidFill>
-              <a:schemeClr val="bg1"/>
-            </a:solidFill>
-          </p:spPr>
-          <p:style>
-            <a:lnRef idx="2">
-              <a:schemeClr val="accent1">
-                <a:shade val="50000"/>
-              </a:schemeClr>
-            </a:lnRef>
-            <a:fillRef idx="1">
-              <a:schemeClr val="accent1"/>
-            </a:fillRef>
-            <a:effectRef idx="0">
-              <a:schemeClr val="accent1"/>
-            </a:effectRef>
-            <a:fontRef idx="minor">
-              <a:schemeClr val="lt1"/>
-            </a:fontRef>
-          </p:style>
-          <p:txBody>
-            <a:bodyPr rtlCol="0" anchor="ctr"/>
-            <a:lstStyle/>
-            <a:p>
-              <a:pPr algn="ctr"/>
-              <a:endParaRPr kumimoji="1" lang="ja-JP" altLang="en-US"/>
-            </a:p>
-          </p:txBody>
-        </p:sp>
-        <p:sp>
-          <p:nvSpPr>
-            <p:cNvPr id="65" name="正方形/長方形 64">
-              <a:extLst>
-                <a:ext uri="{FF2B5EF4-FFF2-40B4-BE49-F238E27FC236}">
-                  <a16:creationId xmlns:a16="http://schemas.microsoft.com/office/drawing/2014/main" id="{FC3D2E6A-A576-4187-9576-51ECEC10D37A}"/>
-                </a:ext>
-              </a:extLst>
-            </p:cNvPr>
-            <p:cNvSpPr/>
-            <p:nvPr/>
-          </p:nvSpPr>
-          <p:spPr>
-            <a:xfrm>
-              <a:off x="4754555" y="3693110"/>
-              <a:ext cx="2292439" cy="488780"/>
-            </a:xfrm>
-            <a:prstGeom prst="rect">
-              <a:avLst/>
-            </a:prstGeom>
-            <a:solidFill>
-              <a:schemeClr val="bg1"/>
-            </a:solidFill>
-          </p:spPr>
-          <p:style>
-            <a:lnRef idx="2">
-              <a:schemeClr val="accent1">
-                <a:shade val="50000"/>
-              </a:schemeClr>
-            </a:lnRef>
-            <a:fillRef idx="1">
-              <a:schemeClr val="accent1"/>
-            </a:fillRef>
-            <a:effectRef idx="0">
-              <a:schemeClr val="accent1"/>
-            </a:effectRef>
-            <a:fontRef idx="minor">
-              <a:schemeClr val="lt1"/>
-            </a:fontRef>
-          </p:style>
-          <p:txBody>
-            <a:bodyPr rtlCol="0" anchor="ctr"/>
-            <a:lstStyle/>
-            <a:p>
-              <a:pPr algn="ctr"/>
-              <a:endParaRPr kumimoji="1" lang="ja-JP" altLang="en-US"/>
-            </a:p>
-          </p:txBody>
-        </p:sp>
-        <p:sp>
-          <p:nvSpPr>
-            <p:cNvPr id="66" name="正方形/長方形 65">
-              <a:extLst>
-                <a:ext uri="{FF2B5EF4-FFF2-40B4-BE49-F238E27FC236}">
-                  <a16:creationId xmlns:a16="http://schemas.microsoft.com/office/drawing/2014/main" id="{E040B2D1-B410-4E34-B78A-04F8428CD120}"/>
-                </a:ext>
-              </a:extLst>
-            </p:cNvPr>
-            <p:cNvSpPr/>
-            <p:nvPr/>
-          </p:nvSpPr>
-          <p:spPr>
-            <a:xfrm>
-              <a:off x="7155383" y="4251634"/>
-              <a:ext cx="2292439" cy="488780"/>
-            </a:xfrm>
-            <a:prstGeom prst="rect">
-              <a:avLst/>
-            </a:prstGeom>
-            <a:solidFill>
-              <a:schemeClr val="bg1"/>
-            </a:solidFill>
-          </p:spPr>
-          <p:style>
-            <a:lnRef idx="2">
-              <a:schemeClr val="accent1">
-                <a:shade val="50000"/>
-              </a:schemeClr>
-            </a:lnRef>
-            <a:fillRef idx="1">
-              <a:schemeClr val="accent1"/>
-            </a:fillRef>
-            <a:effectRef idx="0">
-              <a:schemeClr val="accent1"/>
-            </a:effectRef>
-            <a:fontRef idx="minor">
-              <a:schemeClr val="lt1"/>
-            </a:fontRef>
-          </p:style>
-          <p:txBody>
-            <a:bodyPr rtlCol="0" anchor="ctr"/>
-            <a:lstStyle/>
-            <a:p>
-              <a:pPr algn="ctr"/>
-              <a:endParaRPr kumimoji="1" lang="ja-JP" altLang="en-US"/>
-            </a:p>
-          </p:txBody>
-        </p:sp>
-        <p:sp>
-          <p:nvSpPr>
-            <p:cNvPr id="67" name="正方形/長方形 66">
-              <a:extLst>
-                <a:ext uri="{FF2B5EF4-FFF2-40B4-BE49-F238E27FC236}">
-                  <a16:creationId xmlns:a16="http://schemas.microsoft.com/office/drawing/2014/main" id="{5DAE4F57-5290-4F49-9A22-05F40D10780A}"/>
-                </a:ext>
-              </a:extLst>
-            </p:cNvPr>
-            <p:cNvSpPr/>
-            <p:nvPr/>
-          </p:nvSpPr>
-          <p:spPr>
-            <a:xfrm>
-              <a:off x="7155383" y="4813297"/>
-              <a:ext cx="2292439" cy="488780"/>
-            </a:xfrm>
-            <a:prstGeom prst="rect">
-              <a:avLst/>
-            </a:prstGeom>
-            <a:solidFill>
-              <a:schemeClr val="bg1"/>
-            </a:solidFill>
-          </p:spPr>
-          <p:style>
-            <a:lnRef idx="2">
-              <a:schemeClr val="accent1">
-                <a:shade val="50000"/>
-              </a:schemeClr>
-            </a:lnRef>
-            <a:fillRef idx="1">
-              <a:schemeClr val="accent1"/>
-            </a:fillRef>
-            <a:effectRef idx="0">
-              <a:schemeClr val="accent1"/>
-            </a:effectRef>
-            <a:fontRef idx="minor">
-              <a:schemeClr val="lt1"/>
-            </a:fontRef>
-          </p:style>
-          <p:txBody>
-            <a:bodyPr rtlCol="0" anchor="ctr"/>
-            <a:lstStyle/>
-            <a:p>
-              <a:pPr algn="ctr"/>
-              <a:endParaRPr kumimoji="1" lang="ja-JP" altLang="en-US"/>
-            </a:p>
-          </p:txBody>
-        </p:sp>
-        <p:sp>
-          <p:nvSpPr>
-            <p:cNvPr id="68" name="正方形/長方形 67">
-              <a:extLst>
-                <a:ext uri="{FF2B5EF4-FFF2-40B4-BE49-F238E27FC236}">
-                  <a16:creationId xmlns:a16="http://schemas.microsoft.com/office/drawing/2014/main" id="{098A45D0-0429-44CC-A590-5DD878F54F7C}"/>
-                </a:ext>
-              </a:extLst>
-            </p:cNvPr>
-            <p:cNvSpPr/>
-            <p:nvPr/>
-          </p:nvSpPr>
-          <p:spPr>
-            <a:xfrm>
-              <a:off x="7155383" y="5374961"/>
-              <a:ext cx="2292439" cy="488780"/>
-            </a:xfrm>
-            <a:prstGeom prst="rect">
-              <a:avLst/>
-            </a:prstGeom>
-            <a:solidFill>
-              <a:schemeClr val="bg1"/>
-            </a:solidFill>
-          </p:spPr>
-          <p:style>
-            <a:lnRef idx="2">
-              <a:schemeClr val="accent1">
-                <a:shade val="50000"/>
-              </a:schemeClr>
-            </a:lnRef>
-            <a:fillRef idx="1">
-              <a:schemeClr val="accent1"/>
-            </a:fillRef>
-            <a:effectRef idx="0">
-              <a:schemeClr val="accent1"/>
-            </a:effectRef>
-            <a:fontRef idx="minor">
-              <a:schemeClr val="lt1"/>
-            </a:fontRef>
-          </p:style>
-          <p:txBody>
-            <a:bodyPr rtlCol="0" anchor="ctr"/>
-            <a:lstStyle/>
-            <a:p>
-              <a:pPr algn="ctr"/>
-              <a:endParaRPr kumimoji="1" lang="ja-JP" altLang="en-US"/>
-            </a:p>
-          </p:txBody>
-        </p:sp>
-        <p:sp>
-          <p:nvSpPr>
-            <p:cNvPr id="69" name="正方形/長方形 68">
-              <a:extLst>
-                <a:ext uri="{FF2B5EF4-FFF2-40B4-BE49-F238E27FC236}">
-                  <a16:creationId xmlns:a16="http://schemas.microsoft.com/office/drawing/2014/main" id="{ADB73ECD-429A-4B6B-9060-AF715A5C1D56}"/>
-                </a:ext>
-              </a:extLst>
-            </p:cNvPr>
-            <p:cNvSpPr/>
-            <p:nvPr/>
-          </p:nvSpPr>
-          <p:spPr>
-            <a:xfrm>
-              <a:off x="7155383" y="5936624"/>
-              <a:ext cx="2292439" cy="488780"/>
-            </a:xfrm>
-            <a:prstGeom prst="rect">
-              <a:avLst/>
-            </a:prstGeom>
-            <a:solidFill>
-              <a:schemeClr val="bg1"/>
-            </a:solidFill>
-          </p:spPr>
-          <p:style>
-            <a:lnRef idx="2">
-              <a:schemeClr val="accent1">
-                <a:shade val="50000"/>
-              </a:schemeClr>
-            </a:lnRef>
-            <a:fillRef idx="1">
-              <a:schemeClr val="accent1"/>
-            </a:fillRef>
-            <a:effectRef idx="0">
-              <a:schemeClr val="accent1"/>
-            </a:effectRef>
-            <a:fontRef idx="minor">
-              <a:schemeClr val="lt1"/>
-            </a:fontRef>
-          </p:style>
-          <p:txBody>
-            <a:bodyPr rtlCol="0" anchor="ctr"/>
-            <a:lstStyle/>
-            <a:p>
-              <a:pPr algn="ctr"/>
-              <a:endParaRPr kumimoji="1" lang="ja-JP" altLang="en-US"/>
-            </a:p>
-          </p:txBody>
-        </p:sp>
-        <p:sp>
-          <p:nvSpPr>
-            <p:cNvPr id="70" name="正方形/長方形 69">
-              <a:extLst>
-                <a:ext uri="{FF2B5EF4-FFF2-40B4-BE49-F238E27FC236}">
-                  <a16:creationId xmlns:a16="http://schemas.microsoft.com/office/drawing/2014/main" id="{3C5AF0D7-9046-423F-A363-B9D408DD0A9A}"/>
-                </a:ext>
-              </a:extLst>
-            </p:cNvPr>
-            <p:cNvSpPr/>
-            <p:nvPr/>
-          </p:nvSpPr>
-          <p:spPr>
-            <a:xfrm>
-              <a:off x="7155383" y="3693110"/>
-              <a:ext cx="2292439" cy="488780"/>
-            </a:xfrm>
-            <a:prstGeom prst="rect">
-              <a:avLst/>
-            </a:prstGeom>
-            <a:solidFill>
-              <a:schemeClr val="bg1"/>
-            </a:solidFill>
-          </p:spPr>
-          <p:style>
-            <a:lnRef idx="2">
-              <a:schemeClr val="accent1">
-                <a:shade val="50000"/>
-              </a:schemeClr>
-            </a:lnRef>
-            <a:fillRef idx="1">
-              <a:schemeClr val="accent1"/>
-            </a:fillRef>
-            <a:effectRef idx="0">
-              <a:schemeClr val="accent1"/>
-            </a:effectRef>
-            <a:fontRef idx="minor">
-              <a:schemeClr val="lt1"/>
-            </a:fontRef>
-          </p:style>
-          <p:txBody>
-            <a:bodyPr rtlCol="0" anchor="ctr"/>
-            <a:lstStyle/>
-            <a:p>
-              <a:pPr algn="ctr"/>
-              <a:endParaRPr kumimoji="1" lang="ja-JP" altLang="en-US"/>
-            </a:p>
-          </p:txBody>
-        </p:sp>
-        <p:sp>
-          <p:nvSpPr>
-            <p:cNvPr id="71" name="正方形/長方形 70">
-              <a:extLst>
-                <a:ext uri="{FF2B5EF4-FFF2-40B4-BE49-F238E27FC236}">
-                  <a16:creationId xmlns:a16="http://schemas.microsoft.com/office/drawing/2014/main" id="{045FB504-A2A1-4614-87B6-58061AC3115D}"/>
-                </a:ext>
-              </a:extLst>
-            </p:cNvPr>
-            <p:cNvSpPr/>
-            <p:nvPr/>
-          </p:nvSpPr>
-          <p:spPr>
-            <a:xfrm>
-              <a:off x="9565077" y="4251634"/>
-              <a:ext cx="2292439" cy="488780"/>
-            </a:xfrm>
-            <a:prstGeom prst="rect">
-              <a:avLst/>
-            </a:prstGeom>
-            <a:solidFill>
-              <a:schemeClr val="bg1"/>
-            </a:solidFill>
-          </p:spPr>
-          <p:style>
-            <a:lnRef idx="2">
-              <a:schemeClr val="accent1">
-                <a:shade val="50000"/>
-              </a:schemeClr>
-            </a:lnRef>
-            <a:fillRef idx="1">
-              <a:schemeClr val="accent1"/>
-            </a:fillRef>
-            <a:effectRef idx="0">
-              <a:schemeClr val="accent1"/>
-            </a:effectRef>
-            <a:fontRef idx="minor">
-              <a:schemeClr val="lt1"/>
-            </a:fontRef>
-          </p:style>
-          <p:txBody>
-            <a:bodyPr rtlCol="0" anchor="ctr"/>
-            <a:lstStyle/>
-            <a:p>
-              <a:pPr algn="ctr"/>
-              <a:endParaRPr kumimoji="1" lang="ja-JP" altLang="en-US"/>
-            </a:p>
-          </p:txBody>
-        </p:sp>
-        <p:sp>
-          <p:nvSpPr>
-            <p:cNvPr id="72" name="正方形/長方形 71">
-              <a:extLst>
-                <a:ext uri="{FF2B5EF4-FFF2-40B4-BE49-F238E27FC236}">
-                  <a16:creationId xmlns:a16="http://schemas.microsoft.com/office/drawing/2014/main" id="{38D7F993-5C1C-4802-9A19-8E4A0022D423}"/>
-                </a:ext>
-              </a:extLst>
-            </p:cNvPr>
-            <p:cNvSpPr/>
-            <p:nvPr/>
-          </p:nvSpPr>
-          <p:spPr>
-            <a:xfrm>
-              <a:off x="9565077" y="4813297"/>
-              <a:ext cx="2292439" cy="488780"/>
-            </a:xfrm>
-            <a:prstGeom prst="rect">
-              <a:avLst/>
-            </a:prstGeom>
-            <a:solidFill>
-              <a:schemeClr val="bg1"/>
-            </a:solidFill>
-          </p:spPr>
-          <p:style>
-            <a:lnRef idx="2">
-              <a:schemeClr val="accent1">
-                <a:shade val="50000"/>
-              </a:schemeClr>
-            </a:lnRef>
-            <a:fillRef idx="1">
-              <a:schemeClr val="accent1"/>
-            </a:fillRef>
-            <a:effectRef idx="0">
-              <a:schemeClr val="accent1"/>
-            </a:effectRef>
-            <a:fontRef idx="minor">
-              <a:schemeClr val="lt1"/>
-            </a:fontRef>
-          </p:style>
-          <p:txBody>
-            <a:bodyPr rtlCol="0" anchor="ctr"/>
-            <a:lstStyle/>
-            <a:p>
-              <a:pPr algn="ctr"/>
-              <a:endParaRPr kumimoji="1" lang="ja-JP" altLang="en-US"/>
-            </a:p>
-          </p:txBody>
-        </p:sp>
-        <p:sp>
-          <p:nvSpPr>
-            <p:cNvPr id="73" name="正方形/長方形 72">
-              <a:extLst>
-                <a:ext uri="{FF2B5EF4-FFF2-40B4-BE49-F238E27FC236}">
-                  <a16:creationId xmlns:a16="http://schemas.microsoft.com/office/drawing/2014/main" id="{086F5B43-9A84-42B5-BD16-BC0BBF8DAA5B}"/>
-                </a:ext>
-              </a:extLst>
-            </p:cNvPr>
-            <p:cNvSpPr/>
-            <p:nvPr/>
-          </p:nvSpPr>
-          <p:spPr>
-            <a:xfrm>
-              <a:off x="9565077" y="5374961"/>
-              <a:ext cx="2292439" cy="488780"/>
-            </a:xfrm>
-            <a:prstGeom prst="rect">
-              <a:avLst/>
-            </a:prstGeom>
-            <a:solidFill>
-              <a:schemeClr val="bg1"/>
-            </a:solidFill>
-          </p:spPr>
-          <p:style>
-            <a:lnRef idx="2">
-              <a:schemeClr val="accent1">
-                <a:shade val="50000"/>
-              </a:schemeClr>
-            </a:lnRef>
-            <a:fillRef idx="1">
-              <a:schemeClr val="accent1"/>
-            </a:fillRef>
-            <a:effectRef idx="0">
-              <a:schemeClr val="accent1"/>
-            </a:effectRef>
-            <a:fontRef idx="minor">
-              <a:schemeClr val="lt1"/>
-            </a:fontRef>
-          </p:style>
-          <p:txBody>
-            <a:bodyPr rtlCol="0" anchor="ctr"/>
-            <a:lstStyle/>
-            <a:p>
-              <a:pPr algn="ctr"/>
-              <a:endParaRPr kumimoji="1" lang="ja-JP" altLang="en-US"/>
-            </a:p>
-          </p:txBody>
-        </p:sp>
-        <p:sp>
-          <p:nvSpPr>
-            <p:cNvPr id="74" name="正方形/長方形 73">
-              <a:extLst>
-                <a:ext uri="{FF2B5EF4-FFF2-40B4-BE49-F238E27FC236}">
-                  <a16:creationId xmlns:a16="http://schemas.microsoft.com/office/drawing/2014/main" id="{F6346872-F3CC-4EE3-AD6C-639DE24AC3E6}"/>
-                </a:ext>
-              </a:extLst>
-            </p:cNvPr>
-            <p:cNvSpPr/>
-            <p:nvPr/>
-          </p:nvSpPr>
-          <p:spPr>
-            <a:xfrm>
-              <a:off x="9565077" y="5936624"/>
-              <a:ext cx="2292439" cy="488780"/>
-            </a:xfrm>
-            <a:prstGeom prst="rect">
-              <a:avLst/>
-            </a:prstGeom>
-            <a:solidFill>
-              <a:schemeClr val="bg1"/>
-            </a:solidFill>
-          </p:spPr>
-          <p:style>
-            <a:lnRef idx="2">
-              <a:schemeClr val="accent1">
-                <a:shade val="50000"/>
-              </a:schemeClr>
-            </a:lnRef>
-            <a:fillRef idx="1">
-              <a:schemeClr val="accent1"/>
-            </a:fillRef>
-            <a:effectRef idx="0">
-              <a:schemeClr val="accent1"/>
-            </a:effectRef>
-            <a:fontRef idx="minor">
-              <a:schemeClr val="lt1"/>
-            </a:fontRef>
-          </p:style>
-          <p:txBody>
-            <a:bodyPr rtlCol="0" anchor="ctr"/>
-            <a:lstStyle/>
-            <a:p>
-              <a:pPr algn="ctr"/>
-              <a:endParaRPr kumimoji="1" lang="ja-JP" altLang="en-US"/>
-            </a:p>
-          </p:txBody>
-        </p:sp>
-        <p:sp>
-          <p:nvSpPr>
-            <p:cNvPr id="75" name="正方形/長方形 74">
-              <a:extLst>
-                <a:ext uri="{FF2B5EF4-FFF2-40B4-BE49-F238E27FC236}">
-                  <a16:creationId xmlns:a16="http://schemas.microsoft.com/office/drawing/2014/main" id="{09BDE100-691D-4D9D-A72A-52F50CE95908}"/>
-                </a:ext>
-              </a:extLst>
-            </p:cNvPr>
-            <p:cNvSpPr/>
-            <p:nvPr/>
-          </p:nvSpPr>
-          <p:spPr>
-            <a:xfrm>
-              <a:off x="9565077" y="3693110"/>
-              <a:ext cx="2292439" cy="488780"/>
-            </a:xfrm>
-            <a:prstGeom prst="rect">
-              <a:avLst/>
-            </a:prstGeom>
-            <a:solidFill>
-              <a:schemeClr val="bg1"/>
-            </a:solidFill>
-          </p:spPr>
-          <p:style>
-            <a:lnRef idx="2">
-              <a:schemeClr val="accent1">
-                <a:shade val="50000"/>
-              </a:schemeClr>
-            </a:lnRef>
-            <a:fillRef idx="1">
-              <a:schemeClr val="accent1"/>
-            </a:fillRef>
-            <a:effectRef idx="0">
-              <a:schemeClr val="accent1"/>
-            </a:effectRef>
-            <a:fontRef idx="minor">
-              <a:schemeClr val="lt1"/>
-            </a:fontRef>
-          </p:style>
-          <p:txBody>
-            <a:bodyPr rtlCol="0" anchor="ctr"/>
-            <a:lstStyle/>
-            <a:p>
-              <a:pPr algn="ctr"/>
-              <a:endParaRPr kumimoji="1" lang="ja-JP" altLang="en-US"/>
-            </a:p>
-          </p:txBody>
-        </p:sp>
-      </p:grpSp>
-      <p:sp>
-        <p:nvSpPr>
-          <p:cNvPr id="5" name="フリーフォーム: 図形 4">
-            <a:extLst>
-              <a:ext uri="{FF2B5EF4-FFF2-40B4-BE49-F238E27FC236}">
-                <a16:creationId xmlns:a16="http://schemas.microsoft.com/office/drawing/2014/main" id="{352B6662-36C1-4E1F-BC0B-8836EF4F5519}"/>
-              </a:ext>
-            </a:extLst>
-          </p:cNvPr>
-          <p:cNvSpPr/>
-          <p:nvPr/>
-        </p:nvSpPr>
-        <p:spPr>
-          <a:xfrm>
-            <a:off x="1793289" y="887767"/>
-            <a:ext cx="9712171" cy="1618987"/>
-          </a:xfrm>
-          <a:custGeom>
-            <a:avLst/>
-            <a:gdLst>
-              <a:gd name="connsiteX0" fmla="*/ 0 w 9712171"/>
-              <a:gd name="connsiteY0" fmla="*/ 861134 h 1618987"/>
-              <a:gd name="connsiteX1" fmla="*/ 683581 w 9712171"/>
-              <a:gd name="connsiteY1" fmla="*/ 97654 h 1618987"/>
-              <a:gd name="connsiteX2" fmla="*/ 3293616 w 9712171"/>
-              <a:gd name="connsiteY2" fmla="*/ 1615736 h 1618987"/>
-              <a:gd name="connsiteX3" fmla="*/ 4181383 w 9712171"/>
-              <a:gd name="connsiteY3" fmla="*/ 523783 h 1618987"/>
-              <a:gd name="connsiteX4" fmla="*/ 7759084 w 9712171"/>
-              <a:gd name="connsiteY4" fmla="*/ 1331650 h 1618987"/>
-              <a:gd name="connsiteX5" fmla="*/ 9712171 w 9712171"/>
-              <a:gd name="connsiteY5" fmla="*/ 0 h 1618987"/>
-              <a:gd name="connsiteX6" fmla="*/ 9712171 w 9712171"/>
-              <a:gd name="connsiteY6" fmla="*/ 0 h 1618987"/>
-            </a:gdLst>
-            <a:ahLst/>
-            <a:cxnLst>
-              <a:cxn ang="0">
-                <a:pos x="connsiteX0" y="connsiteY0"/>
-              </a:cxn>
-              <a:cxn ang="0">
-                <a:pos x="connsiteX1" y="connsiteY1"/>
-              </a:cxn>
-              <a:cxn ang="0">
-                <a:pos x="connsiteX2" y="connsiteY2"/>
-              </a:cxn>
-              <a:cxn ang="0">
-                <a:pos x="connsiteX3" y="connsiteY3"/>
-              </a:cxn>
-              <a:cxn ang="0">
-                <a:pos x="connsiteX4" y="connsiteY4"/>
-              </a:cxn>
-              <a:cxn ang="0">
-                <a:pos x="connsiteX5" y="connsiteY5"/>
-              </a:cxn>
-              <a:cxn ang="0">
-                <a:pos x="connsiteX6" y="connsiteY6"/>
-              </a:cxn>
-            </a:cxnLst>
-            <a:rect l="l" t="t" r="r" b="b"/>
-            <a:pathLst>
-              <a:path w="9712171" h="1618987">
-                <a:moveTo>
-                  <a:pt x="0" y="861134"/>
-                </a:moveTo>
-                <a:cubicBezTo>
-                  <a:pt x="67322" y="416510"/>
-                  <a:pt x="134645" y="-28113"/>
-                  <a:pt x="683581" y="97654"/>
-                </a:cubicBezTo>
-                <a:cubicBezTo>
-                  <a:pt x="1232517" y="223421"/>
-                  <a:pt x="2710649" y="1544715"/>
-                  <a:pt x="3293616" y="1615736"/>
-                </a:cubicBezTo>
-                <a:cubicBezTo>
-                  <a:pt x="3876583" y="1686757"/>
-                  <a:pt x="3437138" y="571131"/>
-                  <a:pt x="4181383" y="523783"/>
-                </a:cubicBezTo>
-                <a:cubicBezTo>
-                  <a:pt x="4925628" y="476435"/>
-                  <a:pt x="6837286" y="1418947"/>
-                  <a:pt x="7759084" y="1331650"/>
-                </a:cubicBezTo>
-                <a:cubicBezTo>
-                  <a:pt x="8680882" y="1244353"/>
-                  <a:pt x="9712171" y="0"/>
-                  <a:pt x="9712171" y="0"/>
-                </a:cubicBezTo>
-                <a:lnTo>
-                  <a:pt x="9712171" y="0"/>
-                </a:lnTo>
-              </a:path>
-            </a:pathLst>
-          </a:custGeom>
-          <a:noFill/>
-        </p:spPr>
-        <p:style>
-          <a:lnRef idx="2">
-            <a:schemeClr val="accent1">
-              <a:shade val="50000"/>
-            </a:schemeClr>
-          </a:lnRef>
-          <a:fillRef idx="1">
-            <a:schemeClr val="accent1"/>
-          </a:fillRef>
-          <a:effectRef idx="0">
-            <a:schemeClr val="accent1"/>
-          </a:effectRef>
-          <a:fontRef idx="minor">
-            <a:schemeClr val="lt1"/>
-          </a:fontRef>
-        </p:style>
-        <p:txBody>
-          <a:bodyPr rtlCol="0" anchor="ctr"/>
-          <a:lstStyle/>
-          <a:p>
-            <a:pPr algn="ctr"/>
-            <a:endParaRPr kumimoji="1" lang="ja-JP" altLang="en-US"/>
-          </a:p>
-        </p:txBody>
-      </p:sp>
-      <p:sp>
-        <p:nvSpPr>
-          <p:cNvPr id="2" name="吹き出し: 角を丸めた四角形 1">
-            <a:extLst>
-              <a:ext uri="{FF2B5EF4-FFF2-40B4-BE49-F238E27FC236}">
-                <a16:creationId xmlns:a16="http://schemas.microsoft.com/office/drawing/2014/main" id="{7F9C056E-89FF-4EA8-B237-B0BDF7C2354F}"/>
-              </a:ext>
-            </a:extLst>
-          </p:cNvPr>
-          <p:cNvSpPr/>
-          <p:nvPr/>
-        </p:nvSpPr>
-        <p:spPr>
-          <a:xfrm>
-            <a:off x="4719258" y="1804605"/>
-            <a:ext cx="1235326" cy="496416"/>
-          </a:xfrm>
-          <a:prstGeom prst="wedgeRoundRectCallout">
-            <a:avLst>
-              <a:gd name="adj1" fmla="val -20833"/>
-              <a:gd name="adj2" fmla="val 76827"/>
-              <a:gd name="adj3" fmla="val 16667"/>
-            </a:avLst>
-          </a:prstGeom>
-          <a:solidFill>
-            <a:schemeClr val="accent1">
-              <a:lumMod val="20000"/>
-              <a:lumOff val="80000"/>
-            </a:schemeClr>
-          </a:solidFill>
-        </p:spPr>
-        <p:style>
-          <a:lnRef idx="2">
-            <a:schemeClr val="accent1">
-              <a:shade val="50000"/>
-            </a:schemeClr>
-          </a:lnRef>
-          <a:fillRef idx="1">
-            <a:schemeClr val="accent1"/>
-          </a:fillRef>
-          <a:effectRef idx="0">
-            <a:schemeClr val="accent1"/>
-          </a:effectRef>
-          <a:fontRef idx="minor">
-            <a:schemeClr val="lt1"/>
-          </a:fontRef>
-        </p:style>
-        <p:txBody>
-          <a:bodyPr rtlCol="0" anchor="ctr"/>
-          <a:lstStyle/>
-          <a:p>
-            <a:pPr algn="ctr"/>
-            <a:endParaRPr kumimoji="1" lang="ja-JP" altLang="en-US"/>
-          </a:p>
-        </p:txBody>
-      </p:sp>
-      <p:sp>
-        <p:nvSpPr>
-          <p:cNvPr id="77" name="吹き出し: 角を丸めた四角形 76">
-            <a:extLst>
-              <a:ext uri="{FF2B5EF4-FFF2-40B4-BE49-F238E27FC236}">
-                <a16:creationId xmlns:a16="http://schemas.microsoft.com/office/drawing/2014/main" id="{634F1A13-F59F-459B-B609-70CB2B0F1A18}"/>
-              </a:ext>
-            </a:extLst>
-          </p:cNvPr>
-          <p:cNvSpPr/>
-          <p:nvPr/>
-        </p:nvSpPr>
-        <p:spPr>
-          <a:xfrm>
-            <a:off x="5658908" y="850850"/>
-            <a:ext cx="1235326" cy="496416"/>
-          </a:xfrm>
-          <a:prstGeom prst="wedgeRoundRectCallout">
-            <a:avLst>
-              <a:gd name="adj1" fmla="val -20833"/>
-              <a:gd name="adj2" fmla="val 76827"/>
-              <a:gd name="adj3" fmla="val 16667"/>
-            </a:avLst>
-          </a:prstGeom>
-          <a:solidFill>
-            <a:schemeClr val="accent1">
-              <a:lumMod val="20000"/>
-              <a:lumOff val="80000"/>
-            </a:schemeClr>
-          </a:solidFill>
-        </p:spPr>
-        <p:style>
-          <a:lnRef idx="2">
-            <a:schemeClr val="accent1">
-              <a:shade val="50000"/>
-            </a:schemeClr>
-          </a:lnRef>
-          <a:fillRef idx="1">
-            <a:schemeClr val="accent1"/>
-          </a:fillRef>
-          <a:effectRef idx="0">
-            <a:schemeClr val="accent1"/>
-          </a:effectRef>
-          <a:fontRef idx="minor">
-            <a:schemeClr val="lt1"/>
-          </a:fontRef>
-        </p:style>
-        <p:txBody>
-          <a:bodyPr rtlCol="0" anchor="ctr"/>
-          <a:lstStyle/>
-          <a:p>
-            <a:pPr algn="ctr"/>
-            <a:endParaRPr kumimoji="1" lang="ja-JP" altLang="en-US"/>
-          </a:p>
-        </p:txBody>
-      </p:sp>
-      <p:sp>
-        <p:nvSpPr>
-          <p:cNvPr id="78" name="吹き出し: 角を丸めた四角形 77">
-            <a:extLst>
-              <a:ext uri="{FF2B5EF4-FFF2-40B4-BE49-F238E27FC236}">
-                <a16:creationId xmlns:a16="http://schemas.microsoft.com/office/drawing/2014/main" id="{9DBF2841-253B-4A85-9433-CD225B25972F}"/>
-              </a:ext>
-            </a:extLst>
-          </p:cNvPr>
-          <p:cNvSpPr/>
-          <p:nvPr/>
-        </p:nvSpPr>
-        <p:spPr>
-          <a:xfrm>
-            <a:off x="9173411" y="1586132"/>
-            <a:ext cx="1235326" cy="496416"/>
-          </a:xfrm>
-          <a:prstGeom prst="wedgeRoundRectCallout">
-            <a:avLst>
-              <a:gd name="adj1" fmla="val -20833"/>
-              <a:gd name="adj2" fmla="val 76827"/>
-              <a:gd name="adj3" fmla="val 16667"/>
-            </a:avLst>
-          </a:prstGeom>
-          <a:solidFill>
-            <a:schemeClr val="accent1">
-              <a:lumMod val="20000"/>
-              <a:lumOff val="80000"/>
-            </a:schemeClr>
-          </a:solidFill>
-        </p:spPr>
-        <p:style>
-          <a:lnRef idx="2">
-            <a:schemeClr val="accent1">
-              <a:shade val="50000"/>
-            </a:schemeClr>
-          </a:lnRef>
-          <a:fillRef idx="1">
-            <a:schemeClr val="accent1"/>
-          </a:fillRef>
-          <a:effectRef idx="0">
-            <a:schemeClr val="accent1"/>
-          </a:effectRef>
-          <a:fontRef idx="minor">
-            <a:schemeClr val="lt1"/>
-          </a:fontRef>
-        </p:style>
-        <p:txBody>
-          <a:bodyPr rtlCol="0" anchor="ctr"/>
-          <a:lstStyle/>
-          <a:p>
-            <a:pPr algn="ctr"/>
-            <a:endParaRPr kumimoji="1" lang="ja-JP" altLang="en-US"/>
-          </a:p>
-        </p:txBody>
-      </p:sp>
-      <p:sp>
-        <p:nvSpPr>
-          <p:cNvPr id="79" name="吹き出し: 角を丸めた四角形 78">
-            <a:extLst>
-              <a:ext uri="{FF2B5EF4-FFF2-40B4-BE49-F238E27FC236}">
-                <a16:creationId xmlns:a16="http://schemas.microsoft.com/office/drawing/2014/main" id="{450D73EF-7C96-4624-98BD-36A7F8826F7A}"/>
-              </a:ext>
-            </a:extLst>
-          </p:cNvPr>
-          <p:cNvSpPr/>
-          <p:nvPr/>
-        </p:nvSpPr>
-        <p:spPr>
-          <a:xfrm>
-            <a:off x="1994892" y="1180983"/>
-            <a:ext cx="1235326" cy="496416"/>
-          </a:xfrm>
-          <a:prstGeom prst="wedgeRoundRectCallout">
-            <a:avLst>
-              <a:gd name="adj1" fmla="val -20833"/>
-              <a:gd name="adj2" fmla="val -78720"/>
-              <a:gd name="adj3" fmla="val 16667"/>
-            </a:avLst>
-          </a:prstGeom>
-          <a:solidFill>
-            <a:schemeClr val="accent1">
-              <a:lumMod val="20000"/>
-              <a:lumOff val="80000"/>
-            </a:schemeClr>
-          </a:solidFill>
-        </p:spPr>
-        <p:style>
-          <a:lnRef idx="2">
-            <a:schemeClr val="accent1">
-              <a:shade val="50000"/>
-            </a:schemeClr>
-          </a:lnRef>
-          <a:fillRef idx="1">
-            <a:schemeClr val="accent1"/>
-          </a:fillRef>
-          <a:effectRef idx="0">
-            <a:schemeClr val="accent1"/>
-          </a:effectRef>
-          <a:fontRef idx="minor">
-            <a:schemeClr val="lt1"/>
-          </a:fontRef>
-        </p:style>
-        <p:txBody>
-          <a:bodyPr rtlCol="0" anchor="ctr"/>
-          <a:lstStyle/>
-          <a:p>
-            <a:pPr algn="ctr"/>
-            <a:endParaRPr kumimoji="1" lang="ja-JP" altLang="en-US"/>
-          </a:p>
-        </p:txBody>
-      </p:sp>
-    </p:spTree>
-    <p:extLst>
-      <p:ext uri="{BB962C8B-B14F-4D97-AF65-F5344CB8AC3E}">
-        <p14:creationId xmlns:p14="http://schemas.microsoft.com/office/powerpoint/2010/main" val="4081135101"/>
       </p:ext>
     </p:extLst>
   </p:cSld>
